--- a/Präsentation/Präsi_OK.pptx
+++ b/Präsentation/Präsi_OK.pptx
@@ -1,18 +1,25 @@
 
 <file path=ppt/presentation.xml><?xml version="1.0" encoding="utf-8"?>
-<p:presentation xmlns:a="http://schemas.openxmlformats.org/drawingml/2006/main" xmlns:r="http://schemas.openxmlformats.org/officeDocument/2006/relationships" xmlns:p="http://schemas.openxmlformats.org/presentationml/2006/main" saveSubsetFonts="1">
+<p:presentation xmlns:a="http://schemas.openxmlformats.org/drawingml/2006/main" xmlns:r="http://schemas.openxmlformats.org/officeDocument/2006/relationships" xmlns:p="http://schemas.openxmlformats.org/presentationml/2006/main" showSpecialPlsOnTitleSld="0" saveSubsetFonts="1">
   <p:sldMasterIdLst>
-    <p:sldMasterId id="2147483648" r:id="rId1"/>
+    <p:sldMasterId id="2147483660" r:id="rId1"/>
   </p:sldMasterIdLst>
   <p:notesMasterIdLst>
-    <p:notesMasterId r:id="rId7"/>
+    <p:notesMasterId r:id="rId14"/>
   </p:notesMasterIdLst>
   <p:sldIdLst>
-    <p:sldId id="262" r:id="rId2"/>
-    <p:sldId id="270" r:id="rId3"/>
-    <p:sldId id="265" r:id="rId4"/>
-    <p:sldId id="266" r:id="rId5"/>
-    <p:sldId id="263" r:id="rId6"/>
+    <p:sldId id="256" r:id="rId2"/>
+    <p:sldId id="257" r:id="rId3"/>
+    <p:sldId id="258" r:id="rId4"/>
+    <p:sldId id="259" r:id="rId5"/>
+    <p:sldId id="260" r:id="rId6"/>
+    <p:sldId id="261" r:id="rId7"/>
+    <p:sldId id="262" r:id="rId8"/>
+    <p:sldId id="263" r:id="rId9"/>
+    <p:sldId id="264" r:id="rId10"/>
+    <p:sldId id="265" r:id="rId11"/>
+    <p:sldId id="266" r:id="rId12"/>
+    <p:sldId id="267" r:id="rId13"/>
   </p:sldIdLst>
   <p:sldSz cx="9144000" cy="6858000" type="screen4x3"/>
   <p:notesSz cx="6858000" cy="9144000"/>
@@ -508,15 +515,7 @@
           <a:bodyPr/>
           <a:lstStyle/>
           <a:p>
-            <a:r>
-              <a:rPr lang="de-DE" dirty="0" smtClean="0"/>
-              <a:t>TOP = </a:t>
-            </a:r>
-            <a:r>
-              <a:rPr lang="de-DE" dirty="0" err="1" smtClean="0"/>
-              <a:t>TagesOrdnungsPunkt</a:t>
-            </a:r>
-            <a:endParaRPr lang="de-DE" dirty="0"/>
+            <a:endParaRPr lang="de-DE"/>
           </a:p>
         </p:txBody>
       </p:sp>
@@ -537,7 +536,7 @@
           <a:p>
             <a:fld id="{E7A262DB-C215-47D5-8C19-CDD2E9E2146E}" type="slidenum">
               <a:rPr lang="de-DE" smtClean="0"/>
-              <a:t>4</a:t>
+              <a:t>2</a:t>
             </a:fld>
             <a:endParaRPr lang="de-DE"/>
           </a:p>
@@ -546,7 +545,7 @@
     </p:spTree>
     <p:extLst>
       <p:ext uri="{BB962C8B-B14F-4D97-AF65-F5344CB8AC3E}">
-        <p14:creationId xmlns:p14="http://schemas.microsoft.com/office/powerpoint/2010/main" val="40633430"/>
+        <p14:creationId xmlns:p14="http://schemas.microsoft.com/office/powerpoint/2010/main" val="3650664278"/>
       </p:ext>
     </p:extLst>
   </p:cSld>
@@ -557,7 +556,7 @@
 </file>
 
 <file path=ppt/slideLayouts/slideLayout1.xml><?xml version="1.0" encoding="utf-8"?>
-<p:sldLayout xmlns:a="http://schemas.openxmlformats.org/drawingml/2006/main" xmlns:r="http://schemas.openxmlformats.org/officeDocument/2006/relationships" xmlns:p="http://schemas.openxmlformats.org/presentationml/2006/main" type="title" preserve="1">
+<p:sldLayout xmlns:a="http://schemas.openxmlformats.org/drawingml/2006/main" xmlns:r="http://schemas.openxmlformats.org/officeDocument/2006/relationships" xmlns:p="http://schemas.openxmlformats.org/presentationml/2006/main" showMasterSp="0" type="title" preserve="1">
   <p:cSld name="Titelfolie">
     <p:spTree>
       <p:nvGrpSpPr>
@@ -573,37 +572,480 @@
           <a:chExt cx="0" cy="0"/>
         </a:xfrm>
       </p:grpSpPr>
-      <p:sp>
-        <p:nvSpPr>
-          <p:cNvPr id="2" name="Titel 1"/>
-          <p:cNvSpPr>
-            <a:spLocks noGrp="1"/>
-          </p:cNvSpPr>
-          <p:nvPr>
-            <p:ph type="ctrTitle"/>
-          </p:nvPr>
+      <p:grpSp>
+        <p:nvGrpSpPr>
+          <p:cNvPr id="7" name="Group 15"/>
+          <p:cNvGrpSpPr/>
+          <p:nvPr/>
+        </p:nvGrpSpPr>
+        <p:grpSpPr>
+          <a:xfrm>
+            <a:off x="0" y="0"/>
+            <a:ext cx="9144000" cy="6858000"/>
+            <a:chOff x="0" y="0"/>
+            <a:chExt cx="9144000" cy="6858000"/>
+          </a:xfrm>
+        </p:grpSpPr>
+        <p:sp>
+          <p:nvSpPr>
+            <p:cNvPr id="8" name="Rectangle 7"/>
+            <p:cNvSpPr/>
+            <p:nvPr/>
+          </p:nvSpPr>
+          <p:spPr>
+            <a:xfrm>
+              <a:off x="0" y="0"/>
+              <a:ext cx="7162800" cy="6858000"/>
+            </a:xfrm>
+            <a:prstGeom prst="rect">
+              <a:avLst/>
+            </a:prstGeom>
+            <a:gradFill flip="none" rotWithShape="1">
+              <a:gsLst>
+                <a:gs pos="0">
+                  <a:srgbClr val="010101">
+                    <a:alpha val="51765"/>
+                  </a:srgbClr>
+                </a:gs>
+                <a:gs pos="60000">
+                  <a:srgbClr val="FEFEFE">
+                    <a:alpha val="0"/>
+                  </a:srgbClr>
+                </a:gs>
+              </a:gsLst>
+              <a:path path="circle">
+                <a:fillToRect t="100000" r="100000"/>
+              </a:path>
+              <a:tileRect l="-100000" b="-100000"/>
+            </a:gradFill>
+            <a:ln>
+              <a:noFill/>
+            </a:ln>
+          </p:spPr>
+          <p:style>
+            <a:lnRef idx="2">
+              <a:schemeClr val="accent1">
+                <a:shade val="50000"/>
+              </a:schemeClr>
+            </a:lnRef>
+            <a:fillRef idx="1">
+              <a:schemeClr val="accent1"/>
+            </a:fillRef>
+            <a:effectRef idx="0">
+              <a:schemeClr val="accent1"/>
+            </a:effectRef>
+            <a:fontRef idx="minor">
+              <a:schemeClr val="lt1"/>
+            </a:fontRef>
+          </p:style>
+          <p:txBody>
+            <a:bodyPr rtlCol="0" anchor="ctr"/>
+            <a:lstStyle/>
+            <a:p>
+              <a:pPr algn="ctr"/>
+              <a:endParaRPr lang="en-US"/>
+            </a:p>
+          </p:txBody>
+        </p:sp>
+        <p:sp>
+          <p:nvSpPr>
+            <p:cNvPr id="9" name="Rectangle 8"/>
+            <p:cNvSpPr/>
+            <p:nvPr/>
+          </p:nvSpPr>
+          <p:spPr>
+            <a:xfrm>
+              <a:off x="1143000" y="0"/>
+              <a:ext cx="8001000" cy="6858000"/>
+            </a:xfrm>
+            <a:prstGeom prst="rect">
+              <a:avLst/>
+            </a:prstGeom>
+            <a:gradFill flip="none" rotWithShape="1">
+              <a:gsLst>
+                <a:gs pos="0">
+                  <a:srgbClr val="010101">
+                    <a:alpha val="56000"/>
+                  </a:srgbClr>
+                </a:gs>
+                <a:gs pos="61000">
+                  <a:srgbClr val="FEFEFE">
+                    <a:alpha val="0"/>
+                  </a:srgbClr>
+                </a:gs>
+              </a:gsLst>
+              <a:path path="circle">
+                <a:fillToRect l="100000" t="100000"/>
+              </a:path>
+              <a:tileRect r="-100000" b="-100000"/>
+            </a:gradFill>
+            <a:ln>
+              <a:noFill/>
+            </a:ln>
+          </p:spPr>
+          <p:style>
+            <a:lnRef idx="2">
+              <a:schemeClr val="accent1">
+                <a:shade val="50000"/>
+              </a:schemeClr>
+            </a:lnRef>
+            <a:fillRef idx="1">
+              <a:schemeClr val="accent1"/>
+            </a:fillRef>
+            <a:effectRef idx="0">
+              <a:schemeClr val="accent1"/>
+            </a:effectRef>
+            <a:fontRef idx="minor">
+              <a:schemeClr val="lt1"/>
+            </a:fontRef>
+          </p:style>
+          <p:txBody>
+            <a:bodyPr rtlCol="0" anchor="ctr"/>
+            <a:lstStyle/>
+            <a:p>
+              <a:pPr algn="ctr"/>
+              <a:endParaRPr lang="en-US"/>
+            </a:p>
+          </p:txBody>
+        </p:sp>
+      </p:grpSp>
+      <p:sp>
+        <p:nvSpPr>
+          <p:cNvPr id="10" name="Freeform 9"/>
+          <p:cNvSpPr/>
+          <p:nvPr/>
+        </p:nvSpPr>
+        <p:spPr>
+          <a:xfrm rot="10800000">
+            <a:off x="891821" y="5617774"/>
+            <a:ext cx="7382935" cy="537210"/>
+          </a:xfrm>
+          <a:custGeom>
+            <a:avLst/>
+            <a:gdLst>
+              <a:gd name="connsiteX0" fmla="*/ 0 w 7955280"/>
+              <a:gd name="connsiteY0" fmla="*/ 495300 h 495300"/>
+              <a:gd name="connsiteX1" fmla="*/ 169546 w 7955280"/>
+              <a:gd name="connsiteY1" fmla="*/ 0 h 495300"/>
+              <a:gd name="connsiteX2" fmla="*/ 7785734 w 7955280"/>
+              <a:gd name="connsiteY2" fmla="*/ 0 h 495300"/>
+              <a:gd name="connsiteX3" fmla="*/ 7955280 w 7955280"/>
+              <a:gd name="connsiteY3" fmla="*/ 495300 h 495300"/>
+              <a:gd name="connsiteX4" fmla="*/ 0 w 7955280"/>
+              <a:gd name="connsiteY4" fmla="*/ 495300 h 495300"/>
+              <a:gd name="connsiteX0" fmla="*/ 0 w 7955280"/>
+              <a:gd name="connsiteY0" fmla="*/ 495300 h 495300"/>
+              <a:gd name="connsiteX1" fmla="*/ 169546 w 7955280"/>
+              <a:gd name="connsiteY1" fmla="*/ 0 h 495300"/>
+              <a:gd name="connsiteX2" fmla="*/ 3966210 w 7955280"/>
+              <a:gd name="connsiteY2" fmla="*/ 95250 h 495300"/>
+              <a:gd name="connsiteX3" fmla="*/ 7785734 w 7955280"/>
+              <a:gd name="connsiteY3" fmla="*/ 0 h 495300"/>
+              <a:gd name="connsiteX4" fmla="*/ 7955280 w 7955280"/>
+              <a:gd name="connsiteY4" fmla="*/ 495300 h 495300"/>
+              <a:gd name="connsiteX5" fmla="*/ 0 w 7955280"/>
+              <a:gd name="connsiteY5" fmla="*/ 495300 h 495300"/>
+            </a:gdLst>
+            <a:ahLst/>
+            <a:cxnLst>
+              <a:cxn ang="0">
+                <a:pos x="connsiteX0" y="connsiteY0"/>
+              </a:cxn>
+              <a:cxn ang="0">
+                <a:pos x="connsiteX1" y="connsiteY1"/>
+              </a:cxn>
+              <a:cxn ang="0">
+                <a:pos x="connsiteX2" y="connsiteY2"/>
+              </a:cxn>
+              <a:cxn ang="0">
+                <a:pos x="connsiteX3" y="connsiteY3"/>
+              </a:cxn>
+              <a:cxn ang="0">
+                <a:pos x="connsiteX4" y="connsiteY4"/>
+              </a:cxn>
+              <a:cxn ang="0">
+                <a:pos x="connsiteX5" y="connsiteY5"/>
+              </a:cxn>
+            </a:cxnLst>
+            <a:rect l="l" t="t" r="r" b="b"/>
+            <a:pathLst>
+              <a:path w="7955280" h="495300">
+                <a:moveTo>
+                  <a:pt x="0" y="495300"/>
+                </a:moveTo>
+                <a:lnTo>
+                  <a:pt x="169546" y="0"/>
+                </a:lnTo>
+                <a:lnTo>
+                  <a:pt x="3966210" y="95250"/>
+                </a:lnTo>
+                <a:lnTo>
+                  <a:pt x="7785734" y="0"/>
+                </a:lnTo>
+                <a:lnTo>
+                  <a:pt x="7955280" y="495300"/>
+                </a:lnTo>
+                <a:lnTo>
+                  <a:pt x="0" y="495300"/>
+                </a:lnTo>
+                <a:close/>
+              </a:path>
+            </a:pathLst>
+          </a:custGeom>
+          <a:gradFill flip="none" rotWithShape="1">
+            <a:gsLst>
+              <a:gs pos="30000">
+                <a:srgbClr val="010101">
+                  <a:alpha val="34000"/>
+                </a:srgbClr>
+              </a:gs>
+              <a:gs pos="100000">
+                <a:srgbClr val="010101">
+                  <a:alpha val="26000"/>
+                </a:srgbClr>
+              </a:gs>
+            </a:gsLst>
+            <a:path path="circle">
+              <a:fillToRect l="50000" t="50000" r="50000" b="50000"/>
+            </a:path>
+            <a:tileRect/>
+          </a:gradFill>
+          <a:ln>
+            <a:noFill/>
+          </a:ln>
+          <a:effectLst>
+            <a:softEdge rad="127000"/>
+          </a:effectLst>
+        </p:spPr>
+        <p:style>
+          <a:lnRef idx="2">
+            <a:schemeClr val="accent1">
+              <a:shade val="50000"/>
+            </a:schemeClr>
+          </a:lnRef>
+          <a:fillRef idx="1">
+            <a:schemeClr val="accent1"/>
+          </a:fillRef>
+          <a:effectRef idx="0">
+            <a:schemeClr val="accent1"/>
+          </a:effectRef>
+          <a:fontRef idx="minor">
+            <a:schemeClr val="lt1"/>
+          </a:fontRef>
+        </p:style>
+        <p:txBody>
+          <a:bodyPr rtlCol="0" anchor="ctr"/>
+          <a:lstStyle/>
+          <a:p>
+            <a:pPr algn="ctr"/>
+            <a:endParaRPr lang="en-US"/>
+          </a:p>
+        </p:txBody>
+      </p:sp>
+      <p:sp>
+        <p:nvSpPr>
+          <p:cNvPr id="11" name="Rectangle 10"/>
+          <p:cNvSpPr/>
+          <p:nvPr/>
         </p:nvSpPr>
         <p:spPr>
           <a:xfrm>
-            <a:off x="685800" y="2130425"/>
-            <a:ext cx="7772400" cy="1470025"/>
+            <a:off x="989952" y="1016990"/>
+            <a:ext cx="7179733" cy="4831643"/>
+          </a:xfrm>
+          <a:prstGeom prst="rect">
+            <a:avLst/>
+          </a:prstGeom>
+          <a:solidFill>
+            <a:schemeClr val="bg1">
+              <a:lumMod val="75000"/>
+              <a:lumOff val="25000"/>
+            </a:schemeClr>
+          </a:solidFill>
+          <a:ln w="6350">
+            <a:noFill/>
+          </a:ln>
+          <a:effectLst>
+            <a:outerShdw blurRad="101600" dist="50800" dir="5400000" algn="t" rotWithShape="0">
+              <a:prstClr val="black">
+                <a:alpha val="20000"/>
+              </a:prstClr>
+            </a:outerShdw>
+          </a:effectLst>
+        </p:spPr>
+        <p:style>
+          <a:lnRef idx="2">
+            <a:schemeClr val="accent1">
+              <a:shade val="50000"/>
+            </a:schemeClr>
+          </a:lnRef>
+          <a:fillRef idx="1">
+            <a:schemeClr val="accent1"/>
+          </a:fillRef>
+          <a:effectRef idx="0">
+            <a:schemeClr val="accent1"/>
+          </a:effectRef>
+          <a:fontRef idx="minor">
+            <a:schemeClr val="lt1"/>
+          </a:fontRef>
+        </p:style>
+        <p:txBody>
+          <a:bodyPr rtlCol="0" anchor="ctr"/>
+          <a:lstStyle/>
+          <a:p>
+            <a:pPr algn="ctr"/>
+            <a:endParaRPr lang="en-US"/>
+          </a:p>
+        </p:txBody>
+      </p:sp>
+      <p:sp>
+        <p:nvSpPr>
+          <p:cNvPr id="12" name="Rectangle 11"/>
+          <p:cNvSpPr/>
+          <p:nvPr/>
+        </p:nvSpPr>
+        <p:spPr>
+          <a:xfrm>
+            <a:off x="990600" y="1009650"/>
+            <a:ext cx="7179733" cy="4831643"/>
+          </a:xfrm>
+          <a:prstGeom prst="rect">
+            <a:avLst/>
+          </a:prstGeom>
+          <a:blipFill dpi="0" rotWithShape="1">
+            <a:blip r:embed="rId2" cstate="print">
+              <a:alphaModFix amt="20000"/>
+              <a:grayscl/>
+              <a:lum contrast="12000"/>
+            </a:blip>
+            <a:srcRect/>
+            <a:tile tx="0" ty="0" sx="100000" sy="100000" flip="none" algn="tl"/>
+          </a:blipFill>
+          <a:ln w="6350">
+            <a:noFill/>
+          </a:ln>
+          <a:effectLst>
+            <a:outerShdw blurRad="101600" dist="50800" dir="5400000" algn="t" rotWithShape="0">
+              <a:prstClr val="black">
+                <a:alpha val="20000"/>
+              </a:prstClr>
+            </a:outerShdw>
+          </a:effectLst>
+        </p:spPr>
+        <p:style>
+          <a:lnRef idx="2">
+            <a:schemeClr val="accent1">
+              <a:shade val="50000"/>
+            </a:schemeClr>
+          </a:lnRef>
+          <a:fillRef idx="1">
+            <a:schemeClr val="accent1"/>
+          </a:fillRef>
+          <a:effectRef idx="0">
+            <a:schemeClr val="accent1"/>
+          </a:effectRef>
+          <a:fontRef idx="minor">
+            <a:schemeClr val="lt1"/>
+          </a:fontRef>
+        </p:style>
+        <p:txBody>
+          <a:bodyPr rtlCol="0" anchor="ctr"/>
+          <a:lstStyle/>
+          <a:p>
+            <a:pPr algn="ctr"/>
+            <a:endParaRPr lang="en-US"/>
+          </a:p>
+        </p:txBody>
+      </p:sp>
+      <p:pic>
+        <p:nvPicPr>
+          <p:cNvPr id="13" name="Picture 2" descr="C:\Users\Administrator\Desktop\Pushpin Dev\Assets\pushpinLeft.png"/>
+          <p:cNvPicPr>
+            <a:picLocks noChangeAspect="1" noChangeArrowheads="1"/>
+          </p:cNvPicPr>
+          <p:nvPr/>
+        </p:nvPicPr>
+        <p:blipFill>
+          <a:blip r:embed="rId3" cstate="print"/>
+          <a:srcRect/>
+          <a:stretch>
+            <a:fillRect/>
+          </a:stretch>
+        </p:blipFill>
+        <p:spPr bwMode="auto">
+          <a:xfrm rot="1435684">
+            <a:off x="769521" y="702069"/>
+            <a:ext cx="567831" cy="567830"/>
+          </a:xfrm>
+          <a:prstGeom prst="rect">
+            <a:avLst/>
+          </a:prstGeom>
+          <a:noFill/>
+        </p:spPr>
+      </p:pic>
+      <p:pic>
+        <p:nvPicPr>
+          <p:cNvPr id="14" name="Picture 2" descr="C:\Users\Administrator\Desktop\Pushpin Dev\Assets\pushpinLeft.png"/>
+          <p:cNvPicPr>
+            <a:picLocks noChangeAspect="1" noChangeArrowheads="1"/>
+          </p:cNvPicPr>
+          <p:nvPr/>
+        </p:nvPicPr>
+        <p:blipFill>
+          <a:blip r:embed="rId3" cstate="print"/>
+          <a:srcRect/>
+          <a:stretch>
+            <a:fillRect/>
+          </a:stretch>
+        </p:blipFill>
+        <p:spPr bwMode="auto">
+          <a:xfrm rot="4096196">
+            <a:off x="7855433" y="749720"/>
+            <a:ext cx="566928" cy="566928"/>
+          </a:xfrm>
+          <a:prstGeom prst="rect">
+            <a:avLst/>
+          </a:prstGeom>
+          <a:noFill/>
+        </p:spPr>
+      </p:pic>
+      <p:sp>
+        <p:nvSpPr>
+          <p:cNvPr id="2" name="Title 1"/>
+          <p:cNvSpPr>
+            <a:spLocks noGrp="1"/>
+          </p:cNvSpPr>
+          <p:nvPr>
+            <p:ph type="ctrTitle"/>
+          </p:nvPr>
+        </p:nvSpPr>
+        <p:spPr>
+          <a:xfrm>
+            <a:off x="1727201" y="1794935"/>
+            <a:ext cx="5723468" cy="1828090"/>
           </a:xfrm>
         </p:spPr>
         <p:txBody>
-          <a:bodyPr/>
-          <a:lstStyle/>
+          <a:bodyPr anchor="b">
+            <a:normAutofit/>
+          </a:bodyPr>
+          <a:lstStyle>
+            <a:lvl1pPr>
+              <a:defRPr sz="4800"/>
+            </a:lvl1pPr>
+          </a:lstStyle>
           <a:p>
             <a:r>
               <a:rPr lang="de-DE" smtClean="0"/>
               <a:t>Titelmasterformat durch Klicken bearbeiten</a:t>
             </a:r>
-            <a:endParaRPr lang="de-DE"/>
-          </a:p>
-        </p:txBody>
-      </p:sp>
-      <p:sp>
-        <p:nvSpPr>
-          <p:cNvPr id="3" name="Untertitel 2"/>
+            <a:endParaRPr lang="en-US"/>
+          </a:p>
+        </p:txBody>
+      </p:sp>
+      <p:sp>
+        <p:nvSpPr>
+          <p:cNvPr id="3" name="Subtitle 2"/>
           <p:cNvSpPr>
             <a:spLocks noGrp="1"/>
           </p:cNvSpPr>
@@ -613,8 +1055,8 @@
         </p:nvSpPr>
         <p:spPr>
           <a:xfrm>
-            <a:off x="1371600" y="3886200"/>
-            <a:ext cx="6400800" cy="1752600"/>
+            <a:off x="1727200" y="3736622"/>
+            <a:ext cx="5712179" cy="1524000"/>
           </a:xfrm>
         </p:spPr>
         <p:txBody>
@@ -624,9 +1066,7 @@
               <a:buNone/>
               <a:defRPr>
                 <a:solidFill>
-                  <a:schemeClr val="tx1">
-                    <a:tint val="75000"/>
-                  </a:schemeClr>
+                  <a:schemeClr val="tx2"/>
                 </a:solidFill>
               </a:defRPr>
             </a:lvl1pPr>
@@ -716,13 +1156,13 @@
               <a:rPr lang="de-DE" smtClean="0"/>
               <a:t>Formatvorlage des Untertitelmasters durch Klicken bearbeiten</a:t>
             </a:r>
-            <a:endParaRPr lang="de-DE"/>
-          </a:p>
-        </p:txBody>
-      </p:sp>
-      <p:sp>
-        <p:nvSpPr>
-          <p:cNvPr id="4" name="Datumsplatzhalter 3"/>
+            <a:endParaRPr lang="en-US" dirty="0"/>
+          </a:p>
+        </p:txBody>
+      </p:sp>
+      <p:sp>
+        <p:nvSpPr>
+          <p:cNvPr id="4" name="Date Placeholder 3"/>
           <p:cNvSpPr>
             <a:spLocks noGrp="1"/>
           </p:cNvSpPr>
@@ -730,12 +1170,17 @@
             <p:ph type="dt" sz="half" idx="10"/>
           </p:nvPr>
         </p:nvSpPr>
-        <p:spPr/>
+        <p:spPr>
+          <a:xfrm>
+            <a:off x="6770676" y="5357592"/>
+            <a:ext cx="1213821" cy="365125"/>
+          </a:xfrm>
+        </p:spPr>
         <p:txBody>
           <a:bodyPr/>
           <a:lstStyle/>
           <a:p>
-            <a:fld id="{82ED6269-9158-4ECD-8C87-B0ADE2DD6D80}" type="datetimeFigureOut">
+            <a:fld id="{80134115-199A-4982-BD53-2246CA16C072}" type="datetime1">
               <a:rPr lang="de-DE" smtClean="0"/>
               <a:t>22.11.2018</a:t>
             </a:fld>
@@ -745,7 +1190,7 @@
       </p:sp>
       <p:sp>
         <p:nvSpPr>
-          <p:cNvPr id="5" name="Fußzeilenplatzhalter 4"/>
+          <p:cNvPr id="5" name="Footer Placeholder 4"/>
           <p:cNvSpPr>
             <a:spLocks noGrp="1"/>
           </p:cNvSpPr>
@@ -753,7 +1198,12 @@
             <p:ph type="ftr" sz="quarter" idx="11"/>
           </p:nvPr>
         </p:nvSpPr>
-        <p:spPr/>
+        <p:spPr>
+          <a:xfrm>
+            <a:off x="1174044" y="5357592"/>
+            <a:ext cx="5034845" cy="365125"/>
+          </a:xfrm>
+        </p:spPr>
         <p:txBody>
           <a:bodyPr/>
           <a:lstStyle/>
@@ -764,7 +1214,7 @@
       </p:sp>
       <p:sp>
         <p:nvSpPr>
-          <p:cNvPr id="6" name="Foliennummernplatzhalter 5"/>
+          <p:cNvPr id="6" name="Slide Number Placeholder 5"/>
           <p:cNvSpPr>
             <a:spLocks noGrp="1"/>
           </p:cNvSpPr>
@@ -772,10 +1222,19 @@
             <p:ph type="sldNum" sz="quarter" idx="12"/>
           </p:nvPr>
         </p:nvSpPr>
-        <p:spPr/>
+        <p:spPr>
+          <a:xfrm>
+            <a:off x="6213930" y="5357592"/>
+            <a:ext cx="554023" cy="365125"/>
+          </a:xfrm>
+        </p:spPr>
         <p:txBody>
           <a:bodyPr/>
-          <a:lstStyle/>
+          <a:lstStyle>
+            <a:lvl1pPr algn="ctr">
+              <a:defRPr/>
+            </a:lvl1pPr>
+          </a:lstStyle>
           <a:p>
             <a:fld id="{7E5C08A9-E730-4E67-A85A-88903A30B32B}" type="slidenum">
               <a:rPr lang="de-DE" smtClean="0"/>
@@ -786,11 +1245,6 @@
         </p:txBody>
       </p:sp>
     </p:spTree>
-    <p:extLst>
-      <p:ext uri="{BB962C8B-B14F-4D97-AF65-F5344CB8AC3E}">
-        <p14:creationId xmlns:p14="http://schemas.microsoft.com/office/powerpoint/2010/main" val="1545473302"/>
-      </p:ext>
-    </p:extLst>
   </p:cSld>
   <p:clrMapOvr>
     <a:masterClrMapping/>
@@ -817,7 +1271,7 @@
       </p:grpSpPr>
       <p:sp>
         <p:nvSpPr>
-          <p:cNvPr id="2" name="Titel 1"/>
+          <p:cNvPr id="2" name="Title 1"/>
           <p:cNvSpPr>
             <a:spLocks noGrp="1"/>
           </p:cNvSpPr>
@@ -834,13 +1288,13 @@
               <a:rPr lang="de-DE" smtClean="0"/>
               <a:t>Titelmasterformat durch Klicken bearbeiten</a:t>
             </a:r>
-            <a:endParaRPr lang="de-DE"/>
-          </a:p>
-        </p:txBody>
-      </p:sp>
-      <p:sp>
-        <p:nvSpPr>
-          <p:cNvPr id="3" name="Vertikaler Textplatzhalter 2"/>
+            <a:endParaRPr lang="en-US"/>
+          </a:p>
+        </p:txBody>
+      </p:sp>
+      <p:sp>
+        <p:nvSpPr>
+          <p:cNvPr id="3" name="Vertical Text Placeholder 2"/>
           <p:cNvSpPr>
             <a:spLocks noGrp="1"/>
           </p:cNvSpPr>
@@ -850,7 +1304,7 @@
         </p:nvSpPr>
         <p:spPr/>
         <p:txBody>
-          <a:bodyPr vert="eaVert"/>
+          <a:bodyPr vert="eaVert" anchor="ctr"/>
           <a:lstStyle/>
           <a:p>
             <a:pPr lvl="0"/>
@@ -886,13 +1340,13 @@
               <a:rPr lang="de-DE" smtClean="0"/>
               <a:t>Fünfte Ebene</a:t>
             </a:r>
-            <a:endParaRPr lang="de-DE"/>
-          </a:p>
-        </p:txBody>
-      </p:sp>
-      <p:sp>
-        <p:nvSpPr>
-          <p:cNvPr id="4" name="Datumsplatzhalter 3"/>
+            <a:endParaRPr lang="en-US"/>
+          </a:p>
+        </p:txBody>
+      </p:sp>
+      <p:sp>
+        <p:nvSpPr>
+          <p:cNvPr id="4" name="Date Placeholder 3"/>
           <p:cNvSpPr>
             <a:spLocks noGrp="1"/>
           </p:cNvSpPr>
@@ -905,7 +1359,7 @@
           <a:bodyPr/>
           <a:lstStyle/>
           <a:p>
-            <a:fld id="{82ED6269-9158-4ECD-8C87-B0ADE2DD6D80}" type="datetimeFigureOut">
+            <a:fld id="{A5510AEA-A842-4A5A-BB07-8F93FC8DDBC7}" type="datetime1">
               <a:rPr lang="de-DE" smtClean="0"/>
               <a:t>22.11.2018</a:t>
             </a:fld>
@@ -915,7 +1369,7 @@
       </p:sp>
       <p:sp>
         <p:nvSpPr>
-          <p:cNvPr id="5" name="Fußzeilenplatzhalter 4"/>
+          <p:cNvPr id="5" name="Footer Placeholder 4"/>
           <p:cNvSpPr>
             <a:spLocks noGrp="1"/>
           </p:cNvSpPr>
@@ -934,7 +1388,7 @@
       </p:sp>
       <p:sp>
         <p:nvSpPr>
-          <p:cNvPr id="6" name="Foliennummernplatzhalter 5"/>
+          <p:cNvPr id="6" name="Slide Number Placeholder 5"/>
           <p:cNvSpPr>
             <a:spLocks noGrp="1"/>
           </p:cNvSpPr>
@@ -956,11 +1410,6 @@
         </p:txBody>
       </p:sp>
     </p:spTree>
-    <p:extLst>
-      <p:ext uri="{BB962C8B-B14F-4D97-AF65-F5344CB8AC3E}">
-        <p14:creationId xmlns:p14="http://schemas.microsoft.com/office/powerpoint/2010/main" val="2325592867"/>
-      </p:ext>
-    </p:extLst>
   </p:cSld>
   <p:clrMapOvr>
     <a:masterClrMapping/>
@@ -987,7 +1436,7 @@
       </p:grpSpPr>
       <p:sp>
         <p:nvSpPr>
-          <p:cNvPr id="2" name="Vertikaler Titel 1"/>
+          <p:cNvPr id="2" name="Vertical Title 1"/>
           <p:cNvSpPr>
             <a:spLocks noGrp="1"/>
           </p:cNvSpPr>
@@ -997,25 +1446,29 @@
         </p:nvSpPr>
         <p:spPr>
           <a:xfrm>
-            <a:off x="6629400" y="274638"/>
-            <a:ext cx="2057400" cy="5851525"/>
+            <a:off x="6629401" y="925690"/>
+            <a:ext cx="1430867" cy="4763911"/>
           </a:xfrm>
         </p:spPr>
         <p:txBody>
           <a:bodyPr vert="eaVert"/>
-          <a:lstStyle/>
+          <a:lstStyle>
+            <a:lvl1pPr algn="l">
+              <a:defRPr/>
+            </a:lvl1pPr>
+          </a:lstStyle>
           <a:p>
             <a:r>
               <a:rPr lang="de-DE" smtClean="0"/>
               <a:t>Titelmasterformat durch Klicken bearbeiten</a:t>
             </a:r>
-            <a:endParaRPr lang="de-DE"/>
-          </a:p>
-        </p:txBody>
-      </p:sp>
-      <p:sp>
-        <p:nvSpPr>
-          <p:cNvPr id="3" name="Vertikaler Textplatzhalter 2"/>
+            <a:endParaRPr lang="en-US" dirty="0"/>
+          </a:p>
+        </p:txBody>
+      </p:sp>
+      <p:sp>
+        <p:nvSpPr>
+          <p:cNvPr id="3" name="Vertical Text Placeholder 2"/>
           <p:cNvSpPr>
             <a:spLocks noGrp="1"/>
           </p:cNvSpPr>
@@ -1025,8 +1478,8 @@
         </p:nvSpPr>
         <p:spPr>
           <a:xfrm>
-            <a:off x="457200" y="274638"/>
-            <a:ext cx="6019800" cy="5851525"/>
+            <a:off x="1298221" y="1106312"/>
+            <a:ext cx="5178779" cy="4402667"/>
           </a:xfrm>
         </p:spPr>
         <p:txBody>
@@ -1066,13 +1519,13 @@
               <a:rPr lang="de-DE" smtClean="0"/>
               <a:t>Fünfte Ebene</a:t>
             </a:r>
-            <a:endParaRPr lang="de-DE"/>
-          </a:p>
-        </p:txBody>
-      </p:sp>
-      <p:sp>
-        <p:nvSpPr>
-          <p:cNvPr id="4" name="Datumsplatzhalter 3"/>
+            <a:endParaRPr lang="en-US"/>
+          </a:p>
+        </p:txBody>
+      </p:sp>
+      <p:sp>
+        <p:nvSpPr>
+          <p:cNvPr id="4" name="Date Placeholder 3"/>
           <p:cNvSpPr>
             <a:spLocks noGrp="1"/>
           </p:cNvSpPr>
@@ -1085,7 +1538,7 @@
           <a:bodyPr/>
           <a:lstStyle/>
           <a:p>
-            <a:fld id="{82ED6269-9158-4ECD-8C87-B0ADE2DD6D80}" type="datetimeFigureOut">
+            <a:fld id="{C5EF23D3-C855-4A7E-8EA0-EC67C0A606D7}" type="datetime1">
               <a:rPr lang="de-DE" smtClean="0"/>
               <a:t>22.11.2018</a:t>
             </a:fld>
@@ -1095,7 +1548,7 @@
       </p:sp>
       <p:sp>
         <p:nvSpPr>
-          <p:cNvPr id="5" name="Fußzeilenplatzhalter 4"/>
+          <p:cNvPr id="5" name="Footer Placeholder 4"/>
           <p:cNvSpPr>
             <a:spLocks noGrp="1"/>
           </p:cNvSpPr>
@@ -1114,7 +1567,7 @@
       </p:sp>
       <p:sp>
         <p:nvSpPr>
-          <p:cNvPr id="6" name="Foliennummernplatzhalter 5"/>
+          <p:cNvPr id="6" name="Slide Number Placeholder 5"/>
           <p:cNvSpPr>
             <a:spLocks noGrp="1"/>
           </p:cNvSpPr>
@@ -1136,11 +1589,6 @@
         </p:txBody>
       </p:sp>
     </p:spTree>
-    <p:extLst>
-      <p:ext uri="{BB962C8B-B14F-4D97-AF65-F5344CB8AC3E}">
-        <p14:creationId xmlns:p14="http://schemas.microsoft.com/office/powerpoint/2010/main" val="1215659014"/>
-      </p:ext>
-    </p:extLst>
   </p:cSld>
   <p:clrMapOvr>
     <a:masterClrMapping/>
@@ -1167,7 +1615,7 @@
       </p:grpSpPr>
       <p:sp>
         <p:nvSpPr>
-          <p:cNvPr id="2" name="Titel 1"/>
+          <p:cNvPr id="2" name="Title 1"/>
           <p:cNvSpPr>
             <a:spLocks noGrp="1"/>
           </p:cNvSpPr>
@@ -1184,13 +1632,13 @@
               <a:rPr lang="de-DE" smtClean="0"/>
               <a:t>Titelmasterformat durch Klicken bearbeiten</a:t>
             </a:r>
-            <a:endParaRPr lang="de-DE"/>
-          </a:p>
-        </p:txBody>
-      </p:sp>
-      <p:sp>
-        <p:nvSpPr>
-          <p:cNvPr id="3" name="Inhaltsplatzhalter 2"/>
+            <a:endParaRPr lang="en-US"/>
+          </a:p>
+        </p:txBody>
+      </p:sp>
+      <p:sp>
+        <p:nvSpPr>
+          <p:cNvPr id="3" name="Content Placeholder 2"/>
           <p:cNvSpPr>
             <a:spLocks noGrp="1"/>
           </p:cNvSpPr>
@@ -1236,13 +1684,13 @@
               <a:rPr lang="de-DE" smtClean="0"/>
               <a:t>Fünfte Ebene</a:t>
             </a:r>
-            <a:endParaRPr lang="de-DE"/>
-          </a:p>
-        </p:txBody>
-      </p:sp>
-      <p:sp>
-        <p:nvSpPr>
-          <p:cNvPr id="4" name="Datumsplatzhalter 3"/>
+            <a:endParaRPr lang="en-US"/>
+          </a:p>
+        </p:txBody>
+      </p:sp>
+      <p:sp>
+        <p:nvSpPr>
+          <p:cNvPr id="4" name="Date Placeholder 3"/>
           <p:cNvSpPr>
             <a:spLocks noGrp="1"/>
           </p:cNvSpPr>
@@ -1255,7 +1703,7 @@
           <a:bodyPr/>
           <a:lstStyle/>
           <a:p>
-            <a:fld id="{82ED6269-9158-4ECD-8C87-B0ADE2DD6D80}" type="datetimeFigureOut">
+            <a:fld id="{B74C7E60-25D4-4ADD-9AAB-2EB33DD8278C}" type="datetime1">
               <a:rPr lang="de-DE" smtClean="0"/>
               <a:t>22.11.2018</a:t>
             </a:fld>
@@ -1265,7 +1713,7 @@
       </p:sp>
       <p:sp>
         <p:nvSpPr>
-          <p:cNvPr id="5" name="Fußzeilenplatzhalter 4"/>
+          <p:cNvPr id="5" name="Footer Placeholder 4"/>
           <p:cNvSpPr>
             <a:spLocks noGrp="1"/>
           </p:cNvSpPr>
@@ -1284,7 +1732,7 @@
       </p:sp>
       <p:sp>
         <p:nvSpPr>
-          <p:cNvPr id="6" name="Foliennummernplatzhalter 5"/>
+          <p:cNvPr id="6" name="Slide Number Placeholder 5"/>
           <p:cNvSpPr>
             <a:spLocks noGrp="1"/>
           </p:cNvSpPr>
@@ -1306,11 +1754,6 @@
         </p:txBody>
       </p:sp>
     </p:spTree>
-    <p:extLst>
-      <p:ext uri="{BB962C8B-B14F-4D97-AF65-F5344CB8AC3E}">
-        <p14:creationId xmlns:p14="http://schemas.microsoft.com/office/powerpoint/2010/main" val="492899967"/>
-      </p:ext>
-    </p:extLst>
   </p:cSld>
   <p:clrMapOvr>
     <a:masterClrMapping/>
@@ -1337,7 +1780,7 @@
       </p:grpSpPr>
       <p:sp>
         <p:nvSpPr>
-          <p:cNvPr id="2" name="Titel 1"/>
+          <p:cNvPr id="2" name="Title 1"/>
           <p:cNvSpPr>
             <a:spLocks noGrp="1"/>
           </p:cNvSpPr>
@@ -1347,52 +1790,50 @@
         </p:nvSpPr>
         <p:spPr>
           <a:xfrm>
-            <a:off x="722313" y="4406900"/>
-            <a:ext cx="7772400" cy="1362075"/>
+            <a:off x="1444979" y="2239430"/>
+            <a:ext cx="6254044" cy="1362075"/>
           </a:xfrm>
         </p:spPr>
         <p:txBody>
+          <a:bodyPr anchor="b"/>
+          <a:lstStyle>
+            <a:lvl1pPr algn="ctr">
+              <a:defRPr sz="4000" b="0" cap="none" baseline="0"/>
+            </a:lvl1pPr>
+          </a:lstStyle>
+          <a:p>
+            <a:r>
+              <a:rPr lang="de-DE" smtClean="0"/>
+              <a:t>Titelmasterformat durch Klicken bearbeiten</a:t>
+            </a:r>
+            <a:endParaRPr lang="en-US" dirty="0"/>
+          </a:p>
+        </p:txBody>
+      </p:sp>
+      <p:sp>
+        <p:nvSpPr>
+          <p:cNvPr id="3" name="Text Placeholder 2"/>
+          <p:cNvSpPr>
+            <a:spLocks noGrp="1"/>
+          </p:cNvSpPr>
+          <p:nvPr>
+            <p:ph type="body" idx="1"/>
+          </p:nvPr>
+        </p:nvSpPr>
+        <p:spPr>
+          <a:xfrm>
+            <a:off x="1456267" y="3725334"/>
+            <a:ext cx="6231467" cy="1309511"/>
+          </a:xfrm>
+        </p:spPr>
+        <p:txBody>
           <a:bodyPr anchor="t"/>
           <a:lstStyle>
-            <a:lvl1pPr algn="l">
-              <a:defRPr sz="4000" b="1" cap="all"/>
-            </a:lvl1pPr>
-          </a:lstStyle>
-          <a:p>
-            <a:r>
-              <a:rPr lang="de-DE" smtClean="0"/>
-              <a:t>Titelmasterformat durch Klicken bearbeiten</a:t>
-            </a:r>
-            <a:endParaRPr lang="de-DE"/>
-          </a:p>
-        </p:txBody>
-      </p:sp>
-      <p:sp>
-        <p:nvSpPr>
-          <p:cNvPr id="3" name="Textplatzhalter 2"/>
-          <p:cNvSpPr>
-            <a:spLocks noGrp="1"/>
-          </p:cNvSpPr>
-          <p:nvPr>
-            <p:ph type="body" idx="1"/>
-          </p:nvPr>
-        </p:nvSpPr>
-        <p:spPr>
-          <a:xfrm>
-            <a:off x="722313" y="2906713"/>
-            <a:ext cx="7772400" cy="1500187"/>
-          </a:xfrm>
-        </p:spPr>
-        <p:txBody>
-          <a:bodyPr anchor="b"/>
-          <a:lstStyle>
-            <a:lvl1pPr marL="0" indent="0">
+            <a:lvl1pPr marL="0" indent="0" algn="ctr">
               <a:buNone/>
               <a:defRPr sz="2000">
                 <a:solidFill>
-                  <a:schemeClr val="tx1">
-                    <a:tint val="75000"/>
-                  </a:schemeClr>
+                  <a:schemeClr val="tx2"/>
                 </a:solidFill>
               </a:defRPr>
             </a:lvl1pPr>
@@ -1488,7 +1929,7 @@
       </p:sp>
       <p:sp>
         <p:nvSpPr>
-          <p:cNvPr id="4" name="Datumsplatzhalter 3"/>
+          <p:cNvPr id="4" name="Date Placeholder 3"/>
           <p:cNvSpPr>
             <a:spLocks noGrp="1"/>
           </p:cNvSpPr>
@@ -1501,7 +1942,7 @@
           <a:bodyPr/>
           <a:lstStyle/>
           <a:p>
-            <a:fld id="{82ED6269-9158-4ECD-8C87-B0ADE2DD6D80}" type="datetimeFigureOut">
+            <a:fld id="{9144881E-A892-423F-ACA2-A5273C3FC065}" type="datetime1">
               <a:rPr lang="de-DE" smtClean="0"/>
               <a:t>22.11.2018</a:t>
             </a:fld>
@@ -1511,7 +1952,7 @@
       </p:sp>
       <p:sp>
         <p:nvSpPr>
-          <p:cNvPr id="5" name="Fußzeilenplatzhalter 4"/>
+          <p:cNvPr id="5" name="Footer Placeholder 4"/>
           <p:cNvSpPr>
             <a:spLocks noGrp="1"/>
           </p:cNvSpPr>
@@ -1530,7 +1971,7 @@
       </p:sp>
       <p:sp>
         <p:nvSpPr>
-          <p:cNvPr id="6" name="Foliennummernplatzhalter 5"/>
+          <p:cNvPr id="6" name="Slide Number Placeholder 5"/>
           <p:cNvSpPr>
             <a:spLocks noGrp="1"/>
           </p:cNvSpPr>
@@ -1552,11 +1993,6 @@
         </p:txBody>
       </p:sp>
     </p:spTree>
-    <p:extLst>
-      <p:ext uri="{BB962C8B-B14F-4D97-AF65-F5344CB8AC3E}">
-        <p14:creationId xmlns:p14="http://schemas.microsoft.com/office/powerpoint/2010/main" val="2416235099"/>
-      </p:ext>
-    </p:extLst>
   </p:cSld>
   <p:clrMapOvr>
     <a:masterClrMapping/>
@@ -1583,7 +2019,7 @@
       </p:grpSpPr>
       <p:sp>
         <p:nvSpPr>
-          <p:cNvPr id="2" name="Titel 1"/>
+          <p:cNvPr id="2" name="Title 1"/>
           <p:cNvSpPr>
             <a:spLocks noGrp="1"/>
           </p:cNvSpPr>
@@ -1600,183 +2036,13 @@
               <a:rPr lang="de-DE" smtClean="0"/>
               <a:t>Titelmasterformat durch Klicken bearbeiten</a:t>
             </a:r>
-            <a:endParaRPr lang="de-DE"/>
-          </a:p>
-        </p:txBody>
-      </p:sp>
-      <p:sp>
-        <p:nvSpPr>
-          <p:cNvPr id="3" name="Inhaltsplatzhalter 2"/>
-          <p:cNvSpPr>
-            <a:spLocks noGrp="1"/>
-          </p:cNvSpPr>
-          <p:nvPr>
-            <p:ph sz="half" idx="1"/>
-          </p:nvPr>
-        </p:nvSpPr>
-        <p:spPr>
-          <a:xfrm>
-            <a:off x="457200" y="1600200"/>
-            <a:ext cx="4038600" cy="4525963"/>
-          </a:xfrm>
-        </p:spPr>
-        <p:txBody>
-          <a:bodyPr/>
-          <a:lstStyle>
-            <a:lvl1pPr>
-              <a:defRPr sz="2800"/>
-            </a:lvl1pPr>
-            <a:lvl2pPr>
-              <a:defRPr sz="2400"/>
-            </a:lvl2pPr>
-            <a:lvl3pPr>
-              <a:defRPr sz="2000"/>
-            </a:lvl3pPr>
-            <a:lvl4pPr>
-              <a:defRPr sz="1800"/>
-            </a:lvl4pPr>
-            <a:lvl5pPr>
-              <a:defRPr sz="1800"/>
-            </a:lvl5pPr>
-            <a:lvl6pPr>
-              <a:defRPr sz="1800"/>
-            </a:lvl6pPr>
-            <a:lvl7pPr>
-              <a:defRPr sz="1800"/>
-            </a:lvl7pPr>
-            <a:lvl8pPr>
-              <a:defRPr sz="1800"/>
-            </a:lvl8pPr>
-            <a:lvl9pPr>
-              <a:defRPr sz="1800"/>
-            </a:lvl9pPr>
-          </a:lstStyle>
-          <a:p>
-            <a:pPr lvl="0"/>
-            <a:r>
-              <a:rPr lang="de-DE" smtClean="0"/>
-              <a:t>Textmasterformat bearbeiten</a:t>
-            </a:r>
-          </a:p>
-          <a:p>
-            <a:pPr lvl="1"/>
-            <a:r>
-              <a:rPr lang="de-DE" smtClean="0"/>
-              <a:t>Zweite Ebene</a:t>
-            </a:r>
-          </a:p>
-          <a:p>
-            <a:pPr lvl="2"/>
-            <a:r>
-              <a:rPr lang="de-DE" smtClean="0"/>
-              <a:t>Dritte Ebene</a:t>
-            </a:r>
-          </a:p>
-          <a:p>
-            <a:pPr lvl="3"/>
-            <a:r>
-              <a:rPr lang="de-DE" smtClean="0"/>
-              <a:t>Vierte Ebene</a:t>
-            </a:r>
-          </a:p>
-          <a:p>
-            <a:pPr lvl="4"/>
-            <a:r>
-              <a:rPr lang="de-DE" smtClean="0"/>
-              <a:t>Fünfte Ebene</a:t>
-            </a:r>
-            <a:endParaRPr lang="de-DE"/>
-          </a:p>
-        </p:txBody>
-      </p:sp>
-      <p:sp>
-        <p:nvSpPr>
-          <p:cNvPr id="4" name="Inhaltsplatzhalter 3"/>
-          <p:cNvSpPr>
-            <a:spLocks noGrp="1"/>
-          </p:cNvSpPr>
-          <p:nvPr>
-            <p:ph sz="half" idx="2"/>
-          </p:nvPr>
-        </p:nvSpPr>
-        <p:spPr>
-          <a:xfrm>
-            <a:off x="4648200" y="1600200"/>
-            <a:ext cx="4038600" cy="4525963"/>
-          </a:xfrm>
-        </p:spPr>
-        <p:txBody>
-          <a:bodyPr/>
-          <a:lstStyle>
-            <a:lvl1pPr>
-              <a:defRPr sz="2800"/>
-            </a:lvl1pPr>
-            <a:lvl2pPr>
-              <a:defRPr sz="2400"/>
-            </a:lvl2pPr>
-            <a:lvl3pPr>
-              <a:defRPr sz="2000"/>
-            </a:lvl3pPr>
-            <a:lvl4pPr>
-              <a:defRPr sz="1800"/>
-            </a:lvl4pPr>
-            <a:lvl5pPr>
-              <a:defRPr sz="1800"/>
-            </a:lvl5pPr>
-            <a:lvl6pPr>
-              <a:defRPr sz="1800"/>
-            </a:lvl6pPr>
-            <a:lvl7pPr>
-              <a:defRPr sz="1800"/>
-            </a:lvl7pPr>
-            <a:lvl8pPr>
-              <a:defRPr sz="1800"/>
-            </a:lvl8pPr>
-            <a:lvl9pPr>
-              <a:defRPr sz="1800"/>
-            </a:lvl9pPr>
-          </a:lstStyle>
-          <a:p>
-            <a:pPr lvl="0"/>
-            <a:r>
-              <a:rPr lang="de-DE" smtClean="0"/>
-              <a:t>Textmasterformat bearbeiten</a:t>
-            </a:r>
-          </a:p>
-          <a:p>
-            <a:pPr lvl="1"/>
-            <a:r>
-              <a:rPr lang="de-DE" smtClean="0"/>
-              <a:t>Zweite Ebene</a:t>
-            </a:r>
-          </a:p>
-          <a:p>
-            <a:pPr lvl="2"/>
-            <a:r>
-              <a:rPr lang="de-DE" smtClean="0"/>
-              <a:t>Dritte Ebene</a:t>
-            </a:r>
-          </a:p>
-          <a:p>
-            <a:pPr lvl="3"/>
-            <a:r>
-              <a:rPr lang="de-DE" smtClean="0"/>
-              <a:t>Vierte Ebene</a:t>
-            </a:r>
-          </a:p>
-          <a:p>
-            <a:pPr lvl="4"/>
-            <a:r>
-              <a:rPr lang="de-DE" smtClean="0"/>
-              <a:t>Fünfte Ebene</a:t>
-            </a:r>
-            <a:endParaRPr lang="de-DE"/>
-          </a:p>
-        </p:txBody>
-      </p:sp>
-      <p:sp>
-        <p:nvSpPr>
-          <p:cNvPr id="5" name="Datumsplatzhalter 4"/>
+            <a:endParaRPr lang="en-US"/>
+          </a:p>
+        </p:txBody>
+      </p:sp>
+      <p:sp>
+        <p:nvSpPr>
+          <p:cNvPr id="5" name="Date Placeholder 4"/>
           <p:cNvSpPr>
             <a:spLocks noGrp="1"/>
           </p:cNvSpPr>
@@ -1789,7 +2055,7 @@
           <a:bodyPr/>
           <a:lstStyle/>
           <a:p>
-            <a:fld id="{82ED6269-9158-4ECD-8C87-B0ADE2DD6D80}" type="datetimeFigureOut">
+            <a:fld id="{F1766F2C-9DF1-431C-9895-2343482E4A96}" type="datetime1">
               <a:rPr lang="de-DE" smtClean="0"/>
               <a:t>22.11.2018</a:t>
             </a:fld>
@@ -1799,7 +2065,7 @@
       </p:sp>
       <p:sp>
         <p:nvSpPr>
-          <p:cNvPr id="6" name="Fußzeilenplatzhalter 5"/>
+          <p:cNvPr id="6" name="Footer Placeholder 5"/>
           <p:cNvSpPr>
             <a:spLocks noGrp="1"/>
           </p:cNvSpPr>
@@ -1818,7 +2084,7 @@
       </p:sp>
       <p:sp>
         <p:nvSpPr>
-          <p:cNvPr id="7" name="Foliennummernplatzhalter 6"/>
+          <p:cNvPr id="7" name="Slide Number Placeholder 6"/>
           <p:cNvSpPr>
             <a:spLocks noGrp="1"/>
           </p:cNvSpPr>
@@ -1839,12 +2105,121 @@
           </a:p>
         </p:txBody>
       </p:sp>
+      <p:sp>
+        <p:nvSpPr>
+          <p:cNvPr id="9" name="Content Placeholder 8"/>
+          <p:cNvSpPr>
+            <a:spLocks noGrp="1"/>
+          </p:cNvSpPr>
+          <p:nvPr>
+            <p:ph sz="quarter" idx="13"/>
+          </p:nvPr>
+        </p:nvSpPr>
+        <p:spPr>
+          <a:xfrm>
+            <a:off x="1298448" y="2121407"/>
+            <a:ext cx="3200400" cy="3602736"/>
+          </a:xfrm>
+        </p:spPr>
+        <p:txBody>
+          <a:bodyPr/>
+          <a:lstStyle/>
+          <a:p>
+            <a:pPr lvl="0"/>
+            <a:r>
+              <a:rPr lang="de-DE" smtClean="0"/>
+              <a:t>Textmasterformat bearbeiten</a:t>
+            </a:r>
+          </a:p>
+          <a:p>
+            <a:pPr lvl="1"/>
+            <a:r>
+              <a:rPr lang="de-DE" smtClean="0"/>
+              <a:t>Zweite Ebene</a:t>
+            </a:r>
+          </a:p>
+          <a:p>
+            <a:pPr lvl="2"/>
+            <a:r>
+              <a:rPr lang="de-DE" smtClean="0"/>
+              <a:t>Dritte Ebene</a:t>
+            </a:r>
+          </a:p>
+          <a:p>
+            <a:pPr lvl="3"/>
+            <a:r>
+              <a:rPr lang="de-DE" smtClean="0"/>
+              <a:t>Vierte Ebene</a:t>
+            </a:r>
+          </a:p>
+          <a:p>
+            <a:pPr lvl="4"/>
+            <a:r>
+              <a:rPr lang="de-DE" smtClean="0"/>
+              <a:t>Fünfte Ebene</a:t>
+            </a:r>
+            <a:endParaRPr lang="en-US"/>
+          </a:p>
+        </p:txBody>
+      </p:sp>
+      <p:sp>
+        <p:nvSpPr>
+          <p:cNvPr id="11" name="Content Placeholder 10"/>
+          <p:cNvSpPr>
+            <a:spLocks noGrp="1"/>
+          </p:cNvSpPr>
+          <p:nvPr>
+            <p:ph sz="quarter" idx="14"/>
+          </p:nvPr>
+        </p:nvSpPr>
+        <p:spPr>
+          <a:xfrm>
+            <a:off x="4663440" y="2119313"/>
+            <a:ext cx="3200400" cy="3605212"/>
+          </a:xfrm>
+        </p:spPr>
+        <p:txBody>
+          <a:bodyPr/>
+          <a:lstStyle/>
+          <a:p>
+            <a:pPr lvl="0"/>
+            <a:r>
+              <a:rPr lang="de-DE" smtClean="0"/>
+              <a:t>Textmasterformat bearbeiten</a:t>
+            </a:r>
+          </a:p>
+          <a:p>
+            <a:pPr lvl="1"/>
+            <a:r>
+              <a:rPr lang="de-DE" smtClean="0"/>
+              <a:t>Zweite Ebene</a:t>
+            </a:r>
+          </a:p>
+          <a:p>
+            <a:pPr lvl="2"/>
+            <a:r>
+              <a:rPr lang="de-DE" smtClean="0"/>
+              <a:t>Dritte Ebene</a:t>
+            </a:r>
+          </a:p>
+          <a:p>
+            <a:pPr lvl="3"/>
+            <a:r>
+              <a:rPr lang="de-DE" smtClean="0"/>
+              <a:t>Vierte Ebene</a:t>
+            </a:r>
+          </a:p>
+          <a:p>
+            <a:pPr lvl="4"/>
+            <a:r>
+              <a:rPr lang="de-DE" smtClean="0"/>
+              <a:t>Fünfte Ebene</a:t>
+            </a:r>
+            <a:endParaRPr lang="en-US"/>
+          </a:p>
+        </p:txBody>
+      </p:sp>
     </p:spTree>
-    <p:extLst>
-      <p:ext uri="{BB962C8B-B14F-4D97-AF65-F5344CB8AC3E}">
-        <p14:creationId xmlns:p14="http://schemas.microsoft.com/office/powerpoint/2010/main" val="3260968441"/>
-      </p:ext>
-    </p:extLst>
   </p:cSld>
   <p:clrMapOvr>
     <a:masterClrMapping/>
@@ -1871,7 +2246,7 @@
       </p:grpSpPr>
       <p:sp>
         <p:nvSpPr>
-          <p:cNvPr id="2" name="Titel 1"/>
+          <p:cNvPr id="2" name="Title 1"/>
           <p:cNvSpPr>
             <a:spLocks noGrp="1"/>
           </p:cNvSpPr>
@@ -1892,13 +2267,13 @@
               <a:rPr lang="de-DE" smtClean="0"/>
               <a:t>Titelmasterformat durch Klicken bearbeiten</a:t>
             </a:r>
-            <a:endParaRPr lang="de-DE"/>
-          </a:p>
-        </p:txBody>
-      </p:sp>
-      <p:sp>
-        <p:nvSpPr>
-          <p:cNvPr id="3" name="Textplatzhalter 2"/>
+            <a:endParaRPr lang="en-US"/>
+          </a:p>
+        </p:txBody>
+      </p:sp>
+      <p:sp>
+        <p:nvSpPr>
+          <p:cNvPr id="3" name="Text Placeholder 2"/>
           <p:cNvSpPr>
             <a:spLocks noGrp="1"/>
           </p:cNvSpPr>
@@ -1908,16 +2283,22 @@
         </p:nvSpPr>
         <p:spPr>
           <a:xfrm>
-            <a:off x="457200" y="1535113"/>
-            <a:ext cx="4040188" cy="639762"/>
+            <a:off x="1557869" y="2122312"/>
+            <a:ext cx="2939521" cy="820208"/>
           </a:xfrm>
         </p:spPr>
         <p:txBody>
-          <a:bodyPr anchor="b"/>
+          <a:bodyPr anchor="b">
+            <a:normAutofit/>
+          </a:bodyPr>
           <a:lstStyle>
-            <a:lvl1pPr marL="0" indent="0">
+            <a:lvl1pPr marL="0" indent="0" algn="ctr">
               <a:buNone/>
-              <a:defRPr sz="2400" b="1"/>
+              <a:defRPr sz="2000" b="1">
+                <a:solidFill>
+                  <a:schemeClr val="tx2"/>
+                </a:solidFill>
+              </a:defRPr>
             </a:lvl1pPr>
             <a:lvl2pPr marL="457200" indent="0">
               <a:buNone/>
@@ -1963,111 +2344,32 @@
       </p:sp>
       <p:sp>
         <p:nvSpPr>
-          <p:cNvPr id="4" name="Inhaltsplatzhalter 3"/>
-          <p:cNvSpPr>
-            <a:spLocks noGrp="1"/>
-          </p:cNvSpPr>
-          <p:nvPr>
-            <p:ph sz="half" idx="2"/>
+          <p:cNvPr id="5" name="Text Placeholder 4"/>
+          <p:cNvSpPr>
+            <a:spLocks noGrp="1"/>
+          </p:cNvSpPr>
+          <p:nvPr>
+            <p:ph type="body" sz="quarter" idx="3"/>
           </p:nvPr>
         </p:nvSpPr>
         <p:spPr>
           <a:xfrm>
-            <a:off x="457200" y="2174875"/>
-            <a:ext cx="4040188" cy="3951288"/>
+            <a:off x="4910669" y="2122311"/>
+            <a:ext cx="2944368" cy="822960"/>
           </a:xfrm>
         </p:spPr>
         <p:txBody>
-          <a:bodyPr/>
+          <a:bodyPr anchor="b">
+            <a:normAutofit/>
+          </a:bodyPr>
           <a:lstStyle>
-            <a:lvl1pPr>
-              <a:defRPr sz="2400"/>
-            </a:lvl1pPr>
-            <a:lvl2pPr>
-              <a:defRPr sz="2000"/>
-            </a:lvl2pPr>
-            <a:lvl3pPr>
-              <a:defRPr sz="1800"/>
-            </a:lvl3pPr>
-            <a:lvl4pPr>
-              <a:defRPr sz="1600"/>
-            </a:lvl4pPr>
-            <a:lvl5pPr>
-              <a:defRPr sz="1600"/>
-            </a:lvl5pPr>
-            <a:lvl6pPr>
-              <a:defRPr sz="1600"/>
-            </a:lvl6pPr>
-            <a:lvl7pPr>
-              <a:defRPr sz="1600"/>
-            </a:lvl7pPr>
-            <a:lvl8pPr>
-              <a:defRPr sz="1600"/>
-            </a:lvl8pPr>
-            <a:lvl9pPr>
-              <a:defRPr sz="1600"/>
-            </a:lvl9pPr>
-          </a:lstStyle>
-          <a:p>
-            <a:pPr lvl="0"/>
-            <a:r>
-              <a:rPr lang="de-DE" smtClean="0"/>
-              <a:t>Textmasterformat bearbeiten</a:t>
-            </a:r>
-          </a:p>
-          <a:p>
-            <a:pPr lvl="1"/>
-            <a:r>
-              <a:rPr lang="de-DE" smtClean="0"/>
-              <a:t>Zweite Ebene</a:t>
-            </a:r>
-          </a:p>
-          <a:p>
-            <a:pPr lvl="2"/>
-            <a:r>
-              <a:rPr lang="de-DE" smtClean="0"/>
-              <a:t>Dritte Ebene</a:t>
-            </a:r>
-          </a:p>
-          <a:p>
-            <a:pPr lvl="3"/>
-            <a:r>
-              <a:rPr lang="de-DE" smtClean="0"/>
-              <a:t>Vierte Ebene</a:t>
-            </a:r>
-          </a:p>
-          <a:p>
-            <a:pPr lvl="4"/>
-            <a:r>
-              <a:rPr lang="de-DE" smtClean="0"/>
-              <a:t>Fünfte Ebene</a:t>
-            </a:r>
-            <a:endParaRPr lang="de-DE"/>
-          </a:p>
-        </p:txBody>
-      </p:sp>
-      <p:sp>
-        <p:nvSpPr>
-          <p:cNvPr id="5" name="Textplatzhalter 4"/>
-          <p:cNvSpPr>
-            <a:spLocks noGrp="1"/>
-          </p:cNvSpPr>
-          <p:nvPr>
-            <p:ph type="body" sz="quarter" idx="3"/>
-          </p:nvPr>
-        </p:nvSpPr>
-        <p:spPr>
-          <a:xfrm>
-            <a:off x="4645025" y="1535113"/>
-            <a:ext cx="4041775" cy="639762"/>
-          </a:xfrm>
-        </p:spPr>
-        <p:txBody>
-          <a:bodyPr anchor="b"/>
-          <a:lstStyle>
-            <a:lvl1pPr marL="0" indent="0">
+            <a:lvl1pPr marL="0" indent="0" algn="ctr">
               <a:buNone/>
-              <a:defRPr sz="2400" b="1"/>
+              <a:defRPr sz="2000" b="1">
+                <a:solidFill>
+                  <a:schemeClr val="tx2"/>
+                </a:solidFill>
+              </a:defRPr>
             </a:lvl1pPr>
             <a:lvl2pPr marL="457200" indent="0">
               <a:buNone/>
@@ -2113,92 +2415,7 @@
       </p:sp>
       <p:sp>
         <p:nvSpPr>
-          <p:cNvPr id="6" name="Inhaltsplatzhalter 5"/>
-          <p:cNvSpPr>
-            <a:spLocks noGrp="1"/>
-          </p:cNvSpPr>
-          <p:nvPr>
-            <p:ph sz="quarter" idx="4"/>
-          </p:nvPr>
-        </p:nvSpPr>
-        <p:spPr>
-          <a:xfrm>
-            <a:off x="4645025" y="2174875"/>
-            <a:ext cx="4041775" cy="3951288"/>
-          </a:xfrm>
-        </p:spPr>
-        <p:txBody>
-          <a:bodyPr/>
-          <a:lstStyle>
-            <a:lvl1pPr>
-              <a:defRPr sz="2400"/>
-            </a:lvl1pPr>
-            <a:lvl2pPr>
-              <a:defRPr sz="2000"/>
-            </a:lvl2pPr>
-            <a:lvl3pPr>
-              <a:defRPr sz="1800"/>
-            </a:lvl3pPr>
-            <a:lvl4pPr>
-              <a:defRPr sz="1600"/>
-            </a:lvl4pPr>
-            <a:lvl5pPr>
-              <a:defRPr sz="1600"/>
-            </a:lvl5pPr>
-            <a:lvl6pPr>
-              <a:defRPr sz="1600"/>
-            </a:lvl6pPr>
-            <a:lvl7pPr>
-              <a:defRPr sz="1600"/>
-            </a:lvl7pPr>
-            <a:lvl8pPr>
-              <a:defRPr sz="1600"/>
-            </a:lvl8pPr>
-            <a:lvl9pPr>
-              <a:defRPr sz="1600"/>
-            </a:lvl9pPr>
-          </a:lstStyle>
-          <a:p>
-            <a:pPr lvl="0"/>
-            <a:r>
-              <a:rPr lang="de-DE" smtClean="0"/>
-              <a:t>Textmasterformat bearbeiten</a:t>
-            </a:r>
-          </a:p>
-          <a:p>
-            <a:pPr lvl="1"/>
-            <a:r>
-              <a:rPr lang="de-DE" smtClean="0"/>
-              <a:t>Zweite Ebene</a:t>
-            </a:r>
-          </a:p>
-          <a:p>
-            <a:pPr lvl="2"/>
-            <a:r>
-              <a:rPr lang="de-DE" smtClean="0"/>
-              <a:t>Dritte Ebene</a:t>
-            </a:r>
-          </a:p>
-          <a:p>
-            <a:pPr lvl="3"/>
-            <a:r>
-              <a:rPr lang="de-DE" smtClean="0"/>
-              <a:t>Vierte Ebene</a:t>
-            </a:r>
-          </a:p>
-          <a:p>
-            <a:pPr lvl="4"/>
-            <a:r>
-              <a:rPr lang="de-DE" smtClean="0"/>
-              <a:t>Fünfte Ebene</a:t>
-            </a:r>
-            <a:endParaRPr lang="de-DE"/>
-          </a:p>
-        </p:txBody>
-      </p:sp>
-      <p:sp>
-        <p:nvSpPr>
-          <p:cNvPr id="7" name="Datumsplatzhalter 6"/>
+          <p:cNvPr id="7" name="Date Placeholder 6"/>
           <p:cNvSpPr>
             <a:spLocks noGrp="1"/>
           </p:cNvSpPr>
@@ -2211,7 +2428,7 @@
           <a:bodyPr/>
           <a:lstStyle/>
           <a:p>
-            <a:fld id="{82ED6269-9158-4ECD-8C87-B0ADE2DD6D80}" type="datetimeFigureOut">
+            <a:fld id="{8D8DE0BF-FD21-4827-AB41-20243076D8AF}" type="datetime1">
               <a:rPr lang="de-DE" smtClean="0"/>
               <a:t>22.11.2018</a:t>
             </a:fld>
@@ -2221,7 +2438,7 @@
       </p:sp>
       <p:sp>
         <p:nvSpPr>
-          <p:cNvPr id="8" name="Fußzeilenplatzhalter 7"/>
+          <p:cNvPr id="8" name="Footer Placeholder 7"/>
           <p:cNvSpPr>
             <a:spLocks noGrp="1"/>
           </p:cNvSpPr>
@@ -2240,7 +2457,7 @@
       </p:sp>
       <p:sp>
         <p:nvSpPr>
-          <p:cNvPr id="9" name="Foliennummernplatzhalter 8"/>
+          <p:cNvPr id="9" name="Slide Number Placeholder 8"/>
           <p:cNvSpPr>
             <a:spLocks noGrp="1"/>
           </p:cNvSpPr>
@@ -2261,12 +2478,121 @@
           </a:p>
         </p:txBody>
       </p:sp>
+      <p:sp>
+        <p:nvSpPr>
+          <p:cNvPr id="11" name="Content Placeholder 10"/>
+          <p:cNvSpPr>
+            <a:spLocks noGrp="1"/>
+          </p:cNvSpPr>
+          <p:nvPr>
+            <p:ph sz="quarter" idx="13"/>
+          </p:nvPr>
+        </p:nvSpPr>
+        <p:spPr>
+          <a:xfrm>
+            <a:off x="1298448" y="2944368"/>
+            <a:ext cx="3227832" cy="2779776"/>
+          </a:xfrm>
+        </p:spPr>
+        <p:txBody>
+          <a:bodyPr/>
+          <a:lstStyle/>
+          <a:p>
+            <a:pPr lvl="0"/>
+            <a:r>
+              <a:rPr lang="de-DE" smtClean="0"/>
+              <a:t>Textmasterformat bearbeiten</a:t>
+            </a:r>
+          </a:p>
+          <a:p>
+            <a:pPr lvl="1"/>
+            <a:r>
+              <a:rPr lang="de-DE" smtClean="0"/>
+              <a:t>Zweite Ebene</a:t>
+            </a:r>
+          </a:p>
+          <a:p>
+            <a:pPr lvl="2"/>
+            <a:r>
+              <a:rPr lang="de-DE" smtClean="0"/>
+              <a:t>Dritte Ebene</a:t>
+            </a:r>
+          </a:p>
+          <a:p>
+            <a:pPr lvl="3"/>
+            <a:r>
+              <a:rPr lang="de-DE" smtClean="0"/>
+              <a:t>Vierte Ebene</a:t>
+            </a:r>
+          </a:p>
+          <a:p>
+            <a:pPr lvl="4"/>
+            <a:r>
+              <a:rPr lang="de-DE" smtClean="0"/>
+              <a:t>Fünfte Ebene</a:t>
+            </a:r>
+            <a:endParaRPr lang="en-US" dirty="0"/>
+          </a:p>
+        </p:txBody>
+      </p:sp>
+      <p:sp>
+        <p:nvSpPr>
+          <p:cNvPr id="13" name="Content Placeholder 12"/>
+          <p:cNvSpPr>
+            <a:spLocks noGrp="1"/>
+          </p:cNvSpPr>
+          <p:nvPr>
+            <p:ph sz="quarter" idx="14"/>
+          </p:nvPr>
+        </p:nvSpPr>
+        <p:spPr>
+          <a:xfrm>
+            <a:off x="4645151" y="2944813"/>
+            <a:ext cx="3227832" cy="2779776"/>
+          </a:xfrm>
+        </p:spPr>
+        <p:txBody>
+          <a:bodyPr/>
+          <a:lstStyle/>
+          <a:p>
+            <a:pPr lvl="0"/>
+            <a:r>
+              <a:rPr lang="de-DE" smtClean="0"/>
+              <a:t>Textmasterformat bearbeiten</a:t>
+            </a:r>
+          </a:p>
+          <a:p>
+            <a:pPr lvl="1"/>
+            <a:r>
+              <a:rPr lang="de-DE" smtClean="0"/>
+              <a:t>Zweite Ebene</a:t>
+            </a:r>
+          </a:p>
+          <a:p>
+            <a:pPr lvl="2"/>
+            <a:r>
+              <a:rPr lang="de-DE" smtClean="0"/>
+              <a:t>Dritte Ebene</a:t>
+            </a:r>
+          </a:p>
+          <a:p>
+            <a:pPr lvl="3"/>
+            <a:r>
+              <a:rPr lang="de-DE" smtClean="0"/>
+              <a:t>Vierte Ebene</a:t>
+            </a:r>
+          </a:p>
+          <a:p>
+            <a:pPr lvl="4"/>
+            <a:r>
+              <a:rPr lang="de-DE" smtClean="0"/>
+              <a:t>Fünfte Ebene</a:t>
+            </a:r>
+            <a:endParaRPr lang="en-US"/>
+          </a:p>
+        </p:txBody>
+      </p:sp>
     </p:spTree>
-    <p:extLst>
-      <p:ext uri="{BB962C8B-B14F-4D97-AF65-F5344CB8AC3E}">
-        <p14:creationId xmlns:p14="http://schemas.microsoft.com/office/powerpoint/2010/main" val="3050209046"/>
-      </p:ext>
-    </p:extLst>
   </p:cSld>
   <p:clrMapOvr>
     <a:masterClrMapping/>
@@ -2293,7 +2619,7 @@
       </p:grpSpPr>
       <p:sp>
         <p:nvSpPr>
-          <p:cNvPr id="2" name="Titel 1"/>
+          <p:cNvPr id="2" name="Title 1"/>
           <p:cNvSpPr>
             <a:spLocks noGrp="1"/>
           </p:cNvSpPr>
@@ -2310,13 +2636,13 @@
               <a:rPr lang="de-DE" smtClean="0"/>
               <a:t>Titelmasterformat durch Klicken bearbeiten</a:t>
             </a:r>
-            <a:endParaRPr lang="de-DE"/>
-          </a:p>
-        </p:txBody>
-      </p:sp>
-      <p:sp>
-        <p:nvSpPr>
-          <p:cNvPr id="3" name="Datumsplatzhalter 2"/>
+            <a:endParaRPr lang="en-US"/>
+          </a:p>
+        </p:txBody>
+      </p:sp>
+      <p:sp>
+        <p:nvSpPr>
+          <p:cNvPr id="3" name="Date Placeholder 2"/>
           <p:cNvSpPr>
             <a:spLocks noGrp="1"/>
           </p:cNvSpPr>
@@ -2329,7 +2655,7 @@
           <a:bodyPr/>
           <a:lstStyle/>
           <a:p>
-            <a:fld id="{82ED6269-9158-4ECD-8C87-B0ADE2DD6D80}" type="datetimeFigureOut">
+            <a:fld id="{A8B4B476-BF9C-4532-B218-0659991218A7}" type="datetime1">
               <a:rPr lang="de-DE" smtClean="0"/>
               <a:t>22.11.2018</a:t>
             </a:fld>
@@ -2339,7 +2665,7 @@
       </p:sp>
       <p:sp>
         <p:nvSpPr>
-          <p:cNvPr id="4" name="Fußzeilenplatzhalter 3"/>
+          <p:cNvPr id="4" name="Footer Placeholder 3"/>
           <p:cNvSpPr>
             <a:spLocks noGrp="1"/>
           </p:cNvSpPr>
@@ -2358,7 +2684,7 @@
       </p:sp>
       <p:sp>
         <p:nvSpPr>
-          <p:cNvPr id="5" name="Foliennummernplatzhalter 4"/>
+          <p:cNvPr id="5" name="Slide Number Placeholder 4"/>
           <p:cNvSpPr>
             <a:spLocks noGrp="1"/>
           </p:cNvSpPr>
@@ -2380,11 +2706,6 @@
         </p:txBody>
       </p:sp>
     </p:spTree>
-    <p:extLst>
-      <p:ext uri="{BB962C8B-B14F-4D97-AF65-F5344CB8AC3E}">
-        <p14:creationId xmlns:p14="http://schemas.microsoft.com/office/powerpoint/2010/main" val="2716829327"/>
-      </p:ext>
-    </p:extLst>
   </p:cSld>
   <p:clrMapOvr>
     <a:masterClrMapping/>
@@ -2411,7 +2732,7 @@
       </p:grpSpPr>
       <p:sp>
         <p:nvSpPr>
-          <p:cNvPr id="2" name="Datumsplatzhalter 1"/>
+          <p:cNvPr id="2" name="Date Placeholder 1"/>
           <p:cNvSpPr>
             <a:spLocks noGrp="1"/>
           </p:cNvSpPr>
@@ -2424,7 +2745,7 @@
           <a:bodyPr/>
           <a:lstStyle/>
           <a:p>
-            <a:fld id="{82ED6269-9158-4ECD-8C87-B0ADE2DD6D80}" type="datetimeFigureOut">
+            <a:fld id="{1E2B3704-23A3-4CBB-8C15-5FFFFF2192F5}" type="datetime1">
               <a:rPr lang="de-DE" smtClean="0"/>
               <a:t>22.11.2018</a:t>
             </a:fld>
@@ -2434,7 +2755,7 @@
       </p:sp>
       <p:sp>
         <p:nvSpPr>
-          <p:cNvPr id="3" name="Fußzeilenplatzhalter 2"/>
+          <p:cNvPr id="3" name="Footer Placeholder 2"/>
           <p:cNvSpPr>
             <a:spLocks noGrp="1"/>
           </p:cNvSpPr>
@@ -2453,7 +2774,7 @@
       </p:sp>
       <p:sp>
         <p:nvSpPr>
-          <p:cNvPr id="4" name="Foliennummernplatzhalter 3"/>
+          <p:cNvPr id="4" name="Slide Number Placeholder 3"/>
           <p:cNvSpPr>
             <a:spLocks noGrp="1"/>
           </p:cNvSpPr>
@@ -2475,11 +2796,6 @@
         </p:txBody>
       </p:sp>
     </p:spTree>
-    <p:extLst>
-      <p:ext uri="{BB962C8B-B14F-4D97-AF65-F5344CB8AC3E}">
-        <p14:creationId xmlns:p14="http://schemas.microsoft.com/office/powerpoint/2010/main" val="2880570475"/>
-      </p:ext>
-    </p:extLst>
   </p:cSld>
   <p:clrMapOvr>
     <a:masterClrMapping/>
@@ -2488,7 +2804,7 @@
 </file>
 
 <file path=ppt/slideLayouts/slideLayout8.xml><?xml version="1.0" encoding="utf-8"?>
-<p:sldLayout xmlns:a="http://schemas.openxmlformats.org/drawingml/2006/main" xmlns:r="http://schemas.openxmlformats.org/officeDocument/2006/relationships" xmlns:p="http://schemas.openxmlformats.org/presentationml/2006/main" type="objTx" preserve="1">
+<p:sldLayout xmlns:a="http://schemas.openxmlformats.org/drawingml/2006/main" xmlns:r="http://schemas.openxmlformats.org/officeDocument/2006/relationships" xmlns:p="http://schemas.openxmlformats.org/presentationml/2006/main" showMasterSp="0" type="objTx" preserve="1">
   <p:cSld name="Inhalt mit Überschrift">
     <p:spTree>
       <p:nvGrpSpPr>
@@ -2504,9 +2820,555 @@
           <a:chExt cx="0" cy="0"/>
         </a:xfrm>
       </p:grpSpPr>
-      <p:sp>
-        <p:nvSpPr>
-          <p:cNvPr id="2" name="Titel 1"/>
+      <p:grpSp>
+        <p:nvGrpSpPr>
+          <p:cNvPr id="8" name="Group 15"/>
+          <p:cNvGrpSpPr/>
+          <p:nvPr/>
+        </p:nvGrpSpPr>
+        <p:grpSpPr>
+          <a:xfrm>
+            <a:off x="0" y="0"/>
+            <a:ext cx="9144000" cy="6858000"/>
+            <a:chOff x="0" y="0"/>
+            <a:chExt cx="9144000" cy="6858000"/>
+          </a:xfrm>
+        </p:grpSpPr>
+        <p:sp>
+          <p:nvSpPr>
+            <p:cNvPr id="9" name="Rectangle 8"/>
+            <p:cNvSpPr/>
+            <p:nvPr/>
+          </p:nvSpPr>
+          <p:spPr>
+            <a:xfrm>
+              <a:off x="0" y="0"/>
+              <a:ext cx="7162800" cy="6858000"/>
+            </a:xfrm>
+            <a:prstGeom prst="rect">
+              <a:avLst/>
+            </a:prstGeom>
+            <a:gradFill flip="none" rotWithShape="1">
+              <a:gsLst>
+                <a:gs pos="0">
+                  <a:srgbClr val="010101">
+                    <a:alpha val="51765"/>
+                  </a:srgbClr>
+                </a:gs>
+                <a:gs pos="60000">
+                  <a:srgbClr val="FEFEFE">
+                    <a:alpha val="0"/>
+                  </a:srgbClr>
+                </a:gs>
+              </a:gsLst>
+              <a:path path="circle">
+                <a:fillToRect t="100000" r="100000"/>
+              </a:path>
+              <a:tileRect l="-100000" b="-100000"/>
+            </a:gradFill>
+            <a:ln>
+              <a:noFill/>
+            </a:ln>
+          </p:spPr>
+          <p:style>
+            <a:lnRef idx="2">
+              <a:schemeClr val="accent1">
+                <a:shade val="50000"/>
+              </a:schemeClr>
+            </a:lnRef>
+            <a:fillRef idx="1">
+              <a:schemeClr val="accent1"/>
+            </a:fillRef>
+            <a:effectRef idx="0">
+              <a:schemeClr val="accent1"/>
+            </a:effectRef>
+            <a:fontRef idx="minor">
+              <a:schemeClr val="lt1"/>
+            </a:fontRef>
+          </p:style>
+          <p:txBody>
+            <a:bodyPr rtlCol="0" anchor="ctr"/>
+            <a:lstStyle/>
+            <a:p>
+              <a:pPr algn="ctr"/>
+              <a:endParaRPr lang="en-US"/>
+            </a:p>
+          </p:txBody>
+        </p:sp>
+        <p:sp>
+          <p:nvSpPr>
+            <p:cNvPr id="10" name="Rectangle 9"/>
+            <p:cNvSpPr/>
+            <p:nvPr/>
+          </p:nvSpPr>
+          <p:spPr>
+            <a:xfrm>
+              <a:off x="1143000" y="0"/>
+              <a:ext cx="8001000" cy="6858000"/>
+            </a:xfrm>
+            <a:prstGeom prst="rect">
+              <a:avLst/>
+            </a:prstGeom>
+            <a:gradFill flip="none" rotWithShape="1">
+              <a:gsLst>
+                <a:gs pos="0">
+                  <a:srgbClr val="010101">
+                    <a:alpha val="56000"/>
+                  </a:srgbClr>
+                </a:gs>
+                <a:gs pos="61000">
+                  <a:srgbClr val="FEFEFE">
+                    <a:alpha val="0"/>
+                  </a:srgbClr>
+                </a:gs>
+              </a:gsLst>
+              <a:path path="circle">
+                <a:fillToRect l="100000" t="100000"/>
+              </a:path>
+              <a:tileRect r="-100000" b="-100000"/>
+            </a:gradFill>
+            <a:ln>
+              <a:noFill/>
+            </a:ln>
+          </p:spPr>
+          <p:style>
+            <a:lnRef idx="2">
+              <a:schemeClr val="accent1">
+                <a:shade val="50000"/>
+              </a:schemeClr>
+            </a:lnRef>
+            <a:fillRef idx="1">
+              <a:schemeClr val="accent1"/>
+            </a:fillRef>
+            <a:effectRef idx="0">
+              <a:schemeClr val="accent1"/>
+            </a:effectRef>
+            <a:fontRef idx="minor">
+              <a:schemeClr val="lt1"/>
+            </a:fontRef>
+          </p:style>
+          <p:txBody>
+            <a:bodyPr rtlCol="0" anchor="ctr"/>
+            <a:lstStyle/>
+            <a:p>
+              <a:pPr algn="ctr"/>
+              <a:endParaRPr lang="en-US"/>
+            </a:p>
+          </p:txBody>
+        </p:sp>
+      </p:grpSp>
+      <p:sp>
+        <p:nvSpPr>
+          <p:cNvPr id="11" name="Freeform 10"/>
+          <p:cNvSpPr/>
+          <p:nvPr/>
+        </p:nvSpPr>
+        <p:spPr>
+          <a:xfrm rot="10800000">
+            <a:off x="632177" y="6058038"/>
+            <a:ext cx="7721601" cy="537210"/>
+          </a:xfrm>
+          <a:custGeom>
+            <a:avLst/>
+            <a:gdLst>
+              <a:gd name="connsiteX0" fmla="*/ 0 w 7955280"/>
+              <a:gd name="connsiteY0" fmla="*/ 495300 h 495300"/>
+              <a:gd name="connsiteX1" fmla="*/ 169546 w 7955280"/>
+              <a:gd name="connsiteY1" fmla="*/ 0 h 495300"/>
+              <a:gd name="connsiteX2" fmla="*/ 7785734 w 7955280"/>
+              <a:gd name="connsiteY2" fmla="*/ 0 h 495300"/>
+              <a:gd name="connsiteX3" fmla="*/ 7955280 w 7955280"/>
+              <a:gd name="connsiteY3" fmla="*/ 495300 h 495300"/>
+              <a:gd name="connsiteX4" fmla="*/ 0 w 7955280"/>
+              <a:gd name="connsiteY4" fmla="*/ 495300 h 495300"/>
+              <a:gd name="connsiteX0" fmla="*/ 0 w 7955280"/>
+              <a:gd name="connsiteY0" fmla="*/ 495300 h 495300"/>
+              <a:gd name="connsiteX1" fmla="*/ 169546 w 7955280"/>
+              <a:gd name="connsiteY1" fmla="*/ 0 h 495300"/>
+              <a:gd name="connsiteX2" fmla="*/ 3966210 w 7955280"/>
+              <a:gd name="connsiteY2" fmla="*/ 95250 h 495300"/>
+              <a:gd name="connsiteX3" fmla="*/ 7785734 w 7955280"/>
+              <a:gd name="connsiteY3" fmla="*/ 0 h 495300"/>
+              <a:gd name="connsiteX4" fmla="*/ 7955280 w 7955280"/>
+              <a:gd name="connsiteY4" fmla="*/ 495300 h 495300"/>
+              <a:gd name="connsiteX5" fmla="*/ 0 w 7955280"/>
+              <a:gd name="connsiteY5" fmla="*/ 495300 h 495300"/>
+            </a:gdLst>
+            <a:ahLst/>
+            <a:cxnLst>
+              <a:cxn ang="0">
+                <a:pos x="connsiteX0" y="connsiteY0"/>
+              </a:cxn>
+              <a:cxn ang="0">
+                <a:pos x="connsiteX1" y="connsiteY1"/>
+              </a:cxn>
+              <a:cxn ang="0">
+                <a:pos x="connsiteX2" y="connsiteY2"/>
+              </a:cxn>
+              <a:cxn ang="0">
+                <a:pos x="connsiteX3" y="connsiteY3"/>
+              </a:cxn>
+              <a:cxn ang="0">
+                <a:pos x="connsiteX4" y="connsiteY4"/>
+              </a:cxn>
+              <a:cxn ang="0">
+                <a:pos x="connsiteX5" y="connsiteY5"/>
+              </a:cxn>
+            </a:cxnLst>
+            <a:rect l="l" t="t" r="r" b="b"/>
+            <a:pathLst>
+              <a:path w="7955280" h="495300">
+                <a:moveTo>
+                  <a:pt x="0" y="495300"/>
+                </a:moveTo>
+                <a:lnTo>
+                  <a:pt x="169546" y="0"/>
+                </a:lnTo>
+                <a:lnTo>
+                  <a:pt x="3966210" y="95250"/>
+                </a:lnTo>
+                <a:lnTo>
+                  <a:pt x="7785734" y="0"/>
+                </a:lnTo>
+                <a:lnTo>
+                  <a:pt x="7955280" y="495300"/>
+                </a:lnTo>
+                <a:lnTo>
+                  <a:pt x="0" y="495300"/>
+                </a:lnTo>
+                <a:close/>
+              </a:path>
+            </a:pathLst>
+          </a:custGeom>
+          <a:gradFill flip="none" rotWithShape="1">
+            <a:gsLst>
+              <a:gs pos="30000">
+                <a:srgbClr val="010101">
+                  <a:alpha val="34000"/>
+                </a:srgbClr>
+              </a:gs>
+              <a:gs pos="100000">
+                <a:srgbClr val="010101">
+                  <a:alpha val="26000"/>
+                </a:srgbClr>
+              </a:gs>
+            </a:gsLst>
+            <a:path path="circle">
+              <a:fillToRect l="50000" t="50000" r="50000" b="50000"/>
+            </a:path>
+            <a:tileRect/>
+          </a:gradFill>
+          <a:ln>
+            <a:noFill/>
+          </a:ln>
+          <a:effectLst>
+            <a:softEdge rad="127000"/>
+          </a:effectLst>
+        </p:spPr>
+        <p:style>
+          <a:lnRef idx="2">
+            <a:schemeClr val="accent1">
+              <a:shade val="50000"/>
+            </a:schemeClr>
+          </a:lnRef>
+          <a:fillRef idx="1">
+            <a:schemeClr val="accent1"/>
+          </a:fillRef>
+          <a:effectRef idx="0">
+            <a:schemeClr val="accent1"/>
+          </a:effectRef>
+          <a:fontRef idx="minor">
+            <a:schemeClr val="lt1"/>
+          </a:fontRef>
+        </p:style>
+        <p:txBody>
+          <a:bodyPr rtlCol="0" anchor="ctr"/>
+          <a:lstStyle/>
+          <a:p>
+            <a:pPr algn="ctr"/>
+            <a:endParaRPr lang="en-US"/>
+          </a:p>
+        </p:txBody>
+      </p:sp>
+      <p:sp>
+        <p:nvSpPr>
+          <p:cNvPr id="16" name="Rectangle 15"/>
+          <p:cNvSpPr/>
+          <p:nvPr/>
+        </p:nvSpPr>
+        <p:spPr>
+          <a:xfrm rot="60000">
+            <a:off x="4468872" y="605163"/>
+            <a:ext cx="3788941" cy="5722296"/>
+          </a:xfrm>
+          <a:prstGeom prst="rect">
+            <a:avLst/>
+          </a:prstGeom>
+          <a:solidFill>
+            <a:schemeClr val="bg1"/>
+          </a:solidFill>
+          <a:ln w="6350">
+            <a:noFill/>
+          </a:ln>
+          <a:effectLst>
+            <a:outerShdw blurRad="101600" dist="50800" dir="5400000" algn="t" rotWithShape="0">
+              <a:prstClr val="black">
+                <a:alpha val="20000"/>
+              </a:prstClr>
+            </a:outerShdw>
+          </a:effectLst>
+        </p:spPr>
+        <p:style>
+          <a:lnRef idx="2">
+            <a:schemeClr val="accent1">
+              <a:shade val="50000"/>
+            </a:schemeClr>
+          </a:lnRef>
+          <a:fillRef idx="1">
+            <a:schemeClr val="accent1"/>
+          </a:fillRef>
+          <a:effectRef idx="0">
+            <a:schemeClr val="accent1"/>
+          </a:effectRef>
+          <a:fontRef idx="minor">
+            <a:schemeClr val="lt1"/>
+          </a:fontRef>
+        </p:style>
+        <p:txBody>
+          <a:bodyPr rtlCol="0" anchor="ctr"/>
+          <a:lstStyle/>
+          <a:p>
+            <a:pPr algn="ctr"/>
+            <a:endParaRPr lang="en-US"/>
+          </a:p>
+        </p:txBody>
+      </p:sp>
+      <p:sp>
+        <p:nvSpPr>
+          <p:cNvPr id="17" name="Rectangle 16"/>
+          <p:cNvSpPr/>
+          <p:nvPr/>
+        </p:nvSpPr>
+        <p:spPr>
+          <a:xfrm rot="60000">
+            <a:off x="4471416" y="603504"/>
+            <a:ext cx="3788941" cy="5722296"/>
+          </a:xfrm>
+          <a:prstGeom prst="rect">
+            <a:avLst/>
+          </a:prstGeom>
+          <a:blipFill dpi="0" rotWithShape="1">
+            <a:blip r:embed="rId2" cstate="print">
+              <a:alphaModFix amt="20000"/>
+              <a:grayscl/>
+              <a:lum contrast="12000"/>
+            </a:blip>
+            <a:srcRect/>
+            <a:tile tx="0" ty="0" sx="100000" sy="100000" flip="none" algn="tl"/>
+          </a:blipFill>
+          <a:ln w="6350">
+            <a:noFill/>
+          </a:ln>
+          <a:effectLst>
+            <a:outerShdw blurRad="101600" dist="50800" dir="5400000" algn="t" rotWithShape="0">
+              <a:prstClr val="black">
+                <a:alpha val="20000"/>
+              </a:prstClr>
+            </a:outerShdw>
+          </a:effectLst>
+        </p:spPr>
+        <p:style>
+          <a:lnRef idx="2">
+            <a:schemeClr val="accent1">
+              <a:shade val="50000"/>
+            </a:schemeClr>
+          </a:lnRef>
+          <a:fillRef idx="1">
+            <a:schemeClr val="accent1"/>
+          </a:fillRef>
+          <a:effectRef idx="0">
+            <a:schemeClr val="accent1"/>
+          </a:effectRef>
+          <a:fontRef idx="minor">
+            <a:schemeClr val="lt1"/>
+          </a:fontRef>
+        </p:style>
+        <p:txBody>
+          <a:bodyPr rtlCol="0" anchor="ctr"/>
+          <a:lstStyle/>
+          <a:p>
+            <a:pPr algn="ctr"/>
+            <a:endParaRPr lang="en-US"/>
+          </a:p>
+        </p:txBody>
+      </p:sp>
+      <p:sp>
+        <p:nvSpPr>
+          <p:cNvPr id="13" name="Rectangle 12"/>
+          <p:cNvSpPr/>
+          <p:nvPr/>
+        </p:nvSpPr>
+        <p:spPr>
+          <a:xfrm rot="21540000">
+            <a:off x="749204" y="576868"/>
+            <a:ext cx="3788941" cy="5722296"/>
+          </a:xfrm>
+          <a:prstGeom prst="rect">
+            <a:avLst/>
+          </a:prstGeom>
+          <a:solidFill>
+            <a:schemeClr val="bg1"/>
+          </a:solidFill>
+          <a:ln w="6350">
+            <a:noFill/>
+          </a:ln>
+          <a:effectLst>
+            <a:outerShdw blurRad="101600" dist="50800" dir="5400000" algn="t" rotWithShape="0">
+              <a:prstClr val="black">
+                <a:alpha val="20000"/>
+              </a:prstClr>
+            </a:outerShdw>
+          </a:effectLst>
+        </p:spPr>
+        <p:style>
+          <a:lnRef idx="2">
+            <a:schemeClr val="accent1">
+              <a:shade val="50000"/>
+            </a:schemeClr>
+          </a:lnRef>
+          <a:fillRef idx="1">
+            <a:schemeClr val="accent1"/>
+          </a:fillRef>
+          <a:effectRef idx="0">
+            <a:schemeClr val="accent1"/>
+          </a:effectRef>
+          <a:fontRef idx="minor">
+            <a:schemeClr val="lt1"/>
+          </a:fontRef>
+        </p:style>
+        <p:txBody>
+          <a:bodyPr rtlCol="0" anchor="ctr"/>
+          <a:lstStyle/>
+          <a:p>
+            <a:pPr algn="ctr"/>
+            <a:endParaRPr lang="en-US"/>
+          </a:p>
+        </p:txBody>
+      </p:sp>
+      <p:sp>
+        <p:nvSpPr>
+          <p:cNvPr id="14" name="Rectangle 13"/>
+          <p:cNvSpPr/>
+          <p:nvPr/>
+        </p:nvSpPr>
+        <p:spPr>
+          <a:xfrm rot="21540000">
+            <a:off x="749808" y="576072"/>
+            <a:ext cx="3788941" cy="5722296"/>
+          </a:xfrm>
+          <a:prstGeom prst="rect">
+            <a:avLst/>
+          </a:prstGeom>
+          <a:blipFill dpi="0" rotWithShape="1">
+            <a:blip r:embed="rId2" cstate="print">
+              <a:alphaModFix amt="20000"/>
+              <a:grayscl/>
+              <a:lum contrast="12000"/>
+            </a:blip>
+            <a:srcRect/>
+            <a:tile tx="0" ty="0" sx="100000" sy="100000" flip="none" algn="tl"/>
+          </a:blipFill>
+          <a:ln w="6350">
+            <a:noFill/>
+          </a:ln>
+          <a:effectLst>
+            <a:outerShdw blurRad="101600" dist="50800" dir="5400000" algn="t" rotWithShape="0">
+              <a:prstClr val="black">
+                <a:alpha val="20000"/>
+              </a:prstClr>
+            </a:outerShdw>
+          </a:effectLst>
+        </p:spPr>
+        <p:style>
+          <a:lnRef idx="2">
+            <a:schemeClr val="accent1">
+              <a:shade val="50000"/>
+            </a:schemeClr>
+          </a:lnRef>
+          <a:fillRef idx="1">
+            <a:schemeClr val="accent1"/>
+          </a:fillRef>
+          <a:effectRef idx="0">
+            <a:schemeClr val="accent1"/>
+          </a:effectRef>
+          <a:fontRef idx="minor">
+            <a:schemeClr val="lt1"/>
+          </a:fontRef>
+        </p:style>
+        <p:txBody>
+          <a:bodyPr rtlCol="0" anchor="ctr"/>
+          <a:lstStyle/>
+          <a:p>
+            <a:pPr algn="ctr"/>
+            <a:endParaRPr lang="en-US"/>
+          </a:p>
+        </p:txBody>
+      </p:sp>
+      <p:pic>
+        <p:nvPicPr>
+          <p:cNvPr id="18" name="Picture 2" descr="C:\Users\Administrator\Desktop\Pushpin Dev\Assets\pushpinLeft.png"/>
+          <p:cNvPicPr>
+            <a:picLocks noChangeAspect="1" noChangeArrowheads="1"/>
+          </p:cNvPicPr>
+          <p:nvPr/>
+        </p:nvPicPr>
+        <p:blipFill>
+          <a:blip r:embed="rId3" cstate="print"/>
+          <a:srcRect/>
+          <a:stretch>
+            <a:fillRect/>
+          </a:stretch>
+        </p:blipFill>
+        <p:spPr bwMode="auto">
+          <a:xfrm rot="1435684">
+            <a:off x="2371106" y="293953"/>
+            <a:ext cx="567831" cy="567830"/>
+          </a:xfrm>
+          <a:prstGeom prst="rect">
+            <a:avLst/>
+          </a:prstGeom>
+          <a:noFill/>
+        </p:spPr>
+      </p:pic>
+      <p:pic>
+        <p:nvPicPr>
+          <p:cNvPr id="19" name="Picture 2" descr="C:\Users\Administrator\Desktop\Pushpin Dev\Assets\pushpinLeft.png"/>
+          <p:cNvPicPr>
+            <a:picLocks noChangeAspect="1" noChangeArrowheads="1"/>
+          </p:cNvPicPr>
+          <p:nvPr/>
+        </p:nvPicPr>
+        <p:blipFill>
+          <a:blip r:embed="rId3" cstate="print"/>
+          <a:srcRect/>
+          <a:stretch>
+            <a:fillRect/>
+          </a:stretch>
+        </p:blipFill>
+        <p:spPr bwMode="auto">
+          <a:xfrm rot="4096196">
+            <a:off x="6279647" y="333163"/>
+            <a:ext cx="566928" cy="566928"/>
+          </a:xfrm>
+          <a:prstGeom prst="rect">
+            <a:avLst/>
+          </a:prstGeom>
+          <a:noFill/>
+        </p:spPr>
+      </p:pic>
+      <p:sp>
+        <p:nvSpPr>
+          <p:cNvPr id="2" name="Title 1"/>
           <p:cNvSpPr>
             <a:spLocks noGrp="1"/>
           </p:cNvSpPr>
@@ -2515,16 +3377,18 @@
           </p:nvPr>
         </p:nvSpPr>
         <p:spPr>
-          <a:xfrm>
-            <a:off x="457200" y="273050"/>
-            <a:ext cx="3008313" cy="1162050"/>
+          <a:xfrm rot="-60000">
+            <a:off x="1108976" y="2020042"/>
+            <a:ext cx="3064827" cy="1503037"/>
           </a:xfrm>
         </p:spPr>
         <p:txBody>
-          <a:bodyPr anchor="b"/>
+          <a:bodyPr anchor="b">
+            <a:normAutofit/>
+          </a:bodyPr>
           <a:lstStyle>
-            <a:lvl1pPr algn="l">
-              <a:defRPr sz="2000" b="1"/>
+            <a:lvl1pPr algn="ctr">
+              <a:defRPr sz="2400" b="0"/>
             </a:lvl1pPr>
           </a:lstStyle>
           <a:p>
@@ -2532,13 +3396,13 @@
               <a:rPr lang="de-DE" smtClean="0"/>
               <a:t>Titelmasterformat durch Klicken bearbeiten</a:t>
             </a:r>
-            <a:endParaRPr lang="de-DE"/>
-          </a:p>
-        </p:txBody>
-      </p:sp>
-      <p:sp>
-        <p:nvSpPr>
-          <p:cNvPr id="3" name="Inhaltsplatzhalter 2"/>
+            <a:endParaRPr lang="en-US"/>
+          </a:p>
+        </p:txBody>
+      </p:sp>
+      <p:sp>
+        <p:nvSpPr>
+          <p:cNvPr id="3" name="Content Placeholder 2"/>
           <p:cNvSpPr>
             <a:spLocks noGrp="1"/>
           </p:cNvSpPr>
@@ -2547,28 +3411,28 @@
           </p:nvPr>
         </p:nvSpPr>
         <p:spPr>
-          <a:xfrm>
-            <a:off x="3575050" y="273050"/>
-            <a:ext cx="5111750" cy="5853113"/>
+          <a:xfrm rot="60000">
+            <a:off x="4854291" y="1150993"/>
+            <a:ext cx="3020792" cy="4625489"/>
           </a:xfrm>
         </p:spPr>
         <p:txBody>
-          <a:bodyPr/>
+          <a:bodyPr anchor="ctr"/>
           <a:lstStyle>
             <a:lvl1pPr>
-              <a:defRPr sz="3200"/>
+              <a:defRPr sz="2200"/>
             </a:lvl1pPr>
             <a:lvl2pPr>
-              <a:defRPr sz="2800"/>
+              <a:defRPr sz="2000"/>
             </a:lvl2pPr>
             <a:lvl3pPr>
-              <a:defRPr sz="2400"/>
+              <a:defRPr sz="1800"/>
             </a:lvl3pPr>
             <a:lvl4pPr>
-              <a:defRPr sz="2000"/>
+              <a:defRPr sz="1600"/>
             </a:lvl4pPr>
             <a:lvl5pPr>
-              <a:defRPr sz="2000"/>
+              <a:defRPr sz="1400"/>
             </a:lvl5pPr>
             <a:lvl6pPr>
               <a:defRPr sz="2000"/>
@@ -2617,13 +3481,13 @@
               <a:rPr lang="de-DE" smtClean="0"/>
               <a:t>Fünfte Ebene</a:t>
             </a:r>
-            <a:endParaRPr lang="de-DE"/>
-          </a:p>
-        </p:txBody>
-      </p:sp>
-      <p:sp>
-        <p:nvSpPr>
-          <p:cNvPr id="4" name="Textplatzhalter 3"/>
+            <a:endParaRPr lang="en-US" dirty="0"/>
+          </a:p>
+        </p:txBody>
+      </p:sp>
+      <p:sp>
+        <p:nvSpPr>
+          <p:cNvPr id="4" name="Text Placeholder 3"/>
           <p:cNvSpPr>
             <a:spLocks noGrp="1"/>
           </p:cNvSpPr>
@@ -2632,17 +3496,19 @@
           </p:nvPr>
         </p:nvSpPr>
         <p:spPr>
-          <a:xfrm>
-            <a:off x="457200" y="1435100"/>
-            <a:ext cx="3008313" cy="4691063"/>
+          <a:xfrm rot="-60000">
+            <a:off x="1148125" y="3623748"/>
+            <a:ext cx="3048891" cy="2100400"/>
           </a:xfrm>
         </p:spPr>
         <p:txBody>
-          <a:bodyPr/>
+          <a:bodyPr>
+            <a:normAutofit/>
+          </a:bodyPr>
           <a:lstStyle>
-            <a:lvl1pPr marL="0" indent="0">
+            <a:lvl1pPr marL="0" indent="0" algn="ctr">
               <a:buNone/>
-              <a:defRPr sz="1400"/>
+              <a:defRPr sz="1600"/>
             </a:lvl1pPr>
             <a:lvl2pPr marL="457200" indent="0">
               <a:buNone/>
@@ -2688,7 +3554,7 @@
       </p:sp>
       <p:sp>
         <p:nvSpPr>
-          <p:cNvPr id="5" name="Datumsplatzhalter 4"/>
+          <p:cNvPr id="5" name="Date Placeholder 4"/>
           <p:cNvSpPr>
             <a:spLocks noGrp="1"/>
           </p:cNvSpPr>
@@ -2696,12 +3562,17 @@
             <p:ph type="dt" sz="half" idx="10"/>
           </p:nvPr>
         </p:nvSpPr>
-        <p:spPr/>
+        <p:spPr>
+          <a:xfrm rot="60000">
+            <a:off x="6341698" y="5885672"/>
+            <a:ext cx="1213821" cy="365125"/>
+          </a:xfrm>
+        </p:spPr>
         <p:txBody>
           <a:bodyPr/>
           <a:lstStyle/>
           <a:p>
-            <a:fld id="{82ED6269-9158-4ECD-8C87-B0ADE2DD6D80}" type="datetimeFigureOut">
+            <a:fld id="{E7195697-50E6-4880-8525-5DE1BFC921C9}" type="datetime1">
               <a:rPr lang="de-DE" smtClean="0"/>
               <a:t>22.11.2018</a:t>
             </a:fld>
@@ -2711,7 +3582,7 @@
       </p:sp>
       <p:sp>
         <p:nvSpPr>
-          <p:cNvPr id="6" name="Fußzeilenplatzhalter 5"/>
+          <p:cNvPr id="6" name="Footer Placeholder 5"/>
           <p:cNvSpPr>
             <a:spLocks noGrp="1"/>
           </p:cNvSpPr>
@@ -2719,7 +3590,12 @@
             <p:ph type="ftr" sz="quarter" idx="11"/>
           </p:nvPr>
         </p:nvSpPr>
-        <p:spPr/>
+        <p:spPr>
+          <a:xfrm rot="-60000">
+            <a:off x="914554" y="5829261"/>
+            <a:ext cx="3522607" cy="365125"/>
+          </a:xfrm>
+        </p:spPr>
         <p:txBody>
           <a:bodyPr/>
           <a:lstStyle/>
@@ -2730,7 +3606,7 @@
       </p:sp>
       <p:sp>
         <p:nvSpPr>
-          <p:cNvPr id="7" name="Foliennummernplatzhalter 6"/>
+          <p:cNvPr id="7" name="Slide Number Placeholder 6"/>
           <p:cNvSpPr>
             <a:spLocks noGrp="1"/>
           </p:cNvSpPr>
@@ -2738,7 +3614,12 @@
             <p:ph type="sldNum" sz="quarter" idx="12"/>
           </p:nvPr>
         </p:nvSpPr>
-        <p:spPr/>
+        <p:spPr>
+          <a:xfrm rot="60000">
+            <a:off x="7557313" y="5896961"/>
+            <a:ext cx="554023" cy="365125"/>
+          </a:xfrm>
+        </p:spPr>
         <p:txBody>
           <a:bodyPr/>
           <a:lstStyle/>
@@ -2752,11 +3633,6 @@
         </p:txBody>
       </p:sp>
     </p:spTree>
-    <p:extLst>
-      <p:ext uri="{BB962C8B-B14F-4D97-AF65-F5344CB8AC3E}">
-        <p14:creationId xmlns:p14="http://schemas.microsoft.com/office/powerpoint/2010/main" val="2383372863"/>
-      </p:ext>
-    </p:extLst>
   </p:cSld>
   <p:clrMapOvr>
     <a:masterClrMapping/>
@@ -2765,7 +3641,7 @@
 </file>
 
 <file path=ppt/slideLayouts/slideLayout9.xml><?xml version="1.0" encoding="utf-8"?>
-<p:sldLayout xmlns:a="http://schemas.openxmlformats.org/drawingml/2006/main" xmlns:r="http://schemas.openxmlformats.org/officeDocument/2006/relationships" xmlns:p="http://schemas.openxmlformats.org/presentationml/2006/main" type="picTx" preserve="1">
+<p:sldLayout xmlns:a="http://schemas.openxmlformats.org/drawingml/2006/main" xmlns:r="http://schemas.openxmlformats.org/officeDocument/2006/relationships" xmlns:p="http://schemas.openxmlformats.org/presentationml/2006/main" showMasterSp="0" type="picTx" preserve="1">
   <p:cSld name="Bild mit Überschrift">
     <p:spTree>
       <p:nvGrpSpPr>
@@ -2781,9 +3657,555 @@
           <a:chExt cx="0" cy="0"/>
         </a:xfrm>
       </p:grpSpPr>
-      <p:sp>
-        <p:nvSpPr>
-          <p:cNvPr id="2" name="Titel 1"/>
+      <p:grpSp>
+        <p:nvGrpSpPr>
+          <p:cNvPr id="8" name="Group 15"/>
+          <p:cNvGrpSpPr/>
+          <p:nvPr/>
+        </p:nvGrpSpPr>
+        <p:grpSpPr>
+          <a:xfrm>
+            <a:off x="0" y="0"/>
+            <a:ext cx="9144000" cy="6858000"/>
+            <a:chOff x="0" y="0"/>
+            <a:chExt cx="9144000" cy="6858000"/>
+          </a:xfrm>
+        </p:grpSpPr>
+        <p:sp>
+          <p:nvSpPr>
+            <p:cNvPr id="9" name="Rectangle 8"/>
+            <p:cNvSpPr/>
+            <p:nvPr/>
+          </p:nvSpPr>
+          <p:spPr>
+            <a:xfrm>
+              <a:off x="0" y="0"/>
+              <a:ext cx="7162800" cy="6858000"/>
+            </a:xfrm>
+            <a:prstGeom prst="rect">
+              <a:avLst/>
+            </a:prstGeom>
+            <a:gradFill flip="none" rotWithShape="1">
+              <a:gsLst>
+                <a:gs pos="0">
+                  <a:srgbClr val="010101">
+                    <a:alpha val="51765"/>
+                  </a:srgbClr>
+                </a:gs>
+                <a:gs pos="60000">
+                  <a:srgbClr val="FEFEFE">
+                    <a:alpha val="0"/>
+                  </a:srgbClr>
+                </a:gs>
+              </a:gsLst>
+              <a:path path="circle">
+                <a:fillToRect t="100000" r="100000"/>
+              </a:path>
+              <a:tileRect l="-100000" b="-100000"/>
+            </a:gradFill>
+            <a:ln>
+              <a:noFill/>
+            </a:ln>
+          </p:spPr>
+          <p:style>
+            <a:lnRef idx="2">
+              <a:schemeClr val="accent1">
+                <a:shade val="50000"/>
+              </a:schemeClr>
+            </a:lnRef>
+            <a:fillRef idx="1">
+              <a:schemeClr val="accent1"/>
+            </a:fillRef>
+            <a:effectRef idx="0">
+              <a:schemeClr val="accent1"/>
+            </a:effectRef>
+            <a:fontRef idx="minor">
+              <a:schemeClr val="lt1"/>
+            </a:fontRef>
+          </p:style>
+          <p:txBody>
+            <a:bodyPr rtlCol="0" anchor="ctr"/>
+            <a:lstStyle/>
+            <a:p>
+              <a:pPr algn="ctr"/>
+              <a:endParaRPr lang="en-US"/>
+            </a:p>
+          </p:txBody>
+        </p:sp>
+        <p:sp>
+          <p:nvSpPr>
+            <p:cNvPr id="10" name="Rectangle 9"/>
+            <p:cNvSpPr/>
+            <p:nvPr/>
+          </p:nvSpPr>
+          <p:spPr>
+            <a:xfrm>
+              <a:off x="1143000" y="0"/>
+              <a:ext cx="8001000" cy="6858000"/>
+            </a:xfrm>
+            <a:prstGeom prst="rect">
+              <a:avLst/>
+            </a:prstGeom>
+            <a:gradFill flip="none" rotWithShape="1">
+              <a:gsLst>
+                <a:gs pos="0">
+                  <a:srgbClr val="010101">
+                    <a:alpha val="56000"/>
+                  </a:srgbClr>
+                </a:gs>
+                <a:gs pos="61000">
+                  <a:srgbClr val="FEFEFE">
+                    <a:alpha val="0"/>
+                  </a:srgbClr>
+                </a:gs>
+              </a:gsLst>
+              <a:path path="circle">
+                <a:fillToRect l="100000" t="100000"/>
+              </a:path>
+              <a:tileRect r="-100000" b="-100000"/>
+            </a:gradFill>
+            <a:ln>
+              <a:noFill/>
+            </a:ln>
+          </p:spPr>
+          <p:style>
+            <a:lnRef idx="2">
+              <a:schemeClr val="accent1">
+                <a:shade val="50000"/>
+              </a:schemeClr>
+            </a:lnRef>
+            <a:fillRef idx="1">
+              <a:schemeClr val="accent1"/>
+            </a:fillRef>
+            <a:effectRef idx="0">
+              <a:schemeClr val="accent1"/>
+            </a:effectRef>
+            <a:fontRef idx="minor">
+              <a:schemeClr val="lt1"/>
+            </a:fontRef>
+          </p:style>
+          <p:txBody>
+            <a:bodyPr rtlCol="0" anchor="ctr"/>
+            <a:lstStyle/>
+            <a:p>
+              <a:pPr algn="ctr"/>
+              <a:endParaRPr lang="en-US"/>
+            </a:p>
+          </p:txBody>
+        </p:sp>
+      </p:grpSp>
+      <p:sp>
+        <p:nvSpPr>
+          <p:cNvPr id="31" name="Freeform 30"/>
+          <p:cNvSpPr/>
+          <p:nvPr/>
+        </p:nvSpPr>
+        <p:spPr>
+          <a:xfrm rot="10800000">
+            <a:off x="632177" y="6058038"/>
+            <a:ext cx="7721601" cy="537210"/>
+          </a:xfrm>
+          <a:custGeom>
+            <a:avLst/>
+            <a:gdLst>
+              <a:gd name="connsiteX0" fmla="*/ 0 w 7955280"/>
+              <a:gd name="connsiteY0" fmla="*/ 495300 h 495300"/>
+              <a:gd name="connsiteX1" fmla="*/ 169546 w 7955280"/>
+              <a:gd name="connsiteY1" fmla="*/ 0 h 495300"/>
+              <a:gd name="connsiteX2" fmla="*/ 7785734 w 7955280"/>
+              <a:gd name="connsiteY2" fmla="*/ 0 h 495300"/>
+              <a:gd name="connsiteX3" fmla="*/ 7955280 w 7955280"/>
+              <a:gd name="connsiteY3" fmla="*/ 495300 h 495300"/>
+              <a:gd name="connsiteX4" fmla="*/ 0 w 7955280"/>
+              <a:gd name="connsiteY4" fmla="*/ 495300 h 495300"/>
+              <a:gd name="connsiteX0" fmla="*/ 0 w 7955280"/>
+              <a:gd name="connsiteY0" fmla="*/ 495300 h 495300"/>
+              <a:gd name="connsiteX1" fmla="*/ 169546 w 7955280"/>
+              <a:gd name="connsiteY1" fmla="*/ 0 h 495300"/>
+              <a:gd name="connsiteX2" fmla="*/ 3966210 w 7955280"/>
+              <a:gd name="connsiteY2" fmla="*/ 95250 h 495300"/>
+              <a:gd name="connsiteX3" fmla="*/ 7785734 w 7955280"/>
+              <a:gd name="connsiteY3" fmla="*/ 0 h 495300"/>
+              <a:gd name="connsiteX4" fmla="*/ 7955280 w 7955280"/>
+              <a:gd name="connsiteY4" fmla="*/ 495300 h 495300"/>
+              <a:gd name="connsiteX5" fmla="*/ 0 w 7955280"/>
+              <a:gd name="connsiteY5" fmla="*/ 495300 h 495300"/>
+            </a:gdLst>
+            <a:ahLst/>
+            <a:cxnLst>
+              <a:cxn ang="0">
+                <a:pos x="connsiteX0" y="connsiteY0"/>
+              </a:cxn>
+              <a:cxn ang="0">
+                <a:pos x="connsiteX1" y="connsiteY1"/>
+              </a:cxn>
+              <a:cxn ang="0">
+                <a:pos x="connsiteX2" y="connsiteY2"/>
+              </a:cxn>
+              <a:cxn ang="0">
+                <a:pos x="connsiteX3" y="connsiteY3"/>
+              </a:cxn>
+              <a:cxn ang="0">
+                <a:pos x="connsiteX4" y="connsiteY4"/>
+              </a:cxn>
+              <a:cxn ang="0">
+                <a:pos x="connsiteX5" y="connsiteY5"/>
+              </a:cxn>
+            </a:cxnLst>
+            <a:rect l="l" t="t" r="r" b="b"/>
+            <a:pathLst>
+              <a:path w="7955280" h="495300">
+                <a:moveTo>
+                  <a:pt x="0" y="495300"/>
+                </a:moveTo>
+                <a:lnTo>
+                  <a:pt x="169546" y="0"/>
+                </a:lnTo>
+                <a:lnTo>
+                  <a:pt x="3966210" y="95250"/>
+                </a:lnTo>
+                <a:lnTo>
+                  <a:pt x="7785734" y="0"/>
+                </a:lnTo>
+                <a:lnTo>
+                  <a:pt x="7955280" y="495300"/>
+                </a:lnTo>
+                <a:lnTo>
+                  <a:pt x="0" y="495300"/>
+                </a:lnTo>
+                <a:close/>
+              </a:path>
+            </a:pathLst>
+          </a:custGeom>
+          <a:gradFill flip="none" rotWithShape="1">
+            <a:gsLst>
+              <a:gs pos="30000">
+                <a:srgbClr val="010101">
+                  <a:alpha val="34000"/>
+                </a:srgbClr>
+              </a:gs>
+              <a:gs pos="100000">
+                <a:srgbClr val="010101">
+                  <a:alpha val="26000"/>
+                </a:srgbClr>
+              </a:gs>
+            </a:gsLst>
+            <a:path path="circle">
+              <a:fillToRect l="50000" t="50000" r="50000" b="50000"/>
+            </a:path>
+            <a:tileRect/>
+          </a:gradFill>
+          <a:ln>
+            <a:noFill/>
+          </a:ln>
+          <a:effectLst>
+            <a:softEdge rad="127000"/>
+          </a:effectLst>
+        </p:spPr>
+        <p:style>
+          <a:lnRef idx="2">
+            <a:schemeClr val="accent1">
+              <a:shade val="50000"/>
+            </a:schemeClr>
+          </a:lnRef>
+          <a:fillRef idx="1">
+            <a:schemeClr val="accent1"/>
+          </a:fillRef>
+          <a:effectRef idx="0">
+            <a:schemeClr val="accent1"/>
+          </a:effectRef>
+          <a:fontRef idx="minor">
+            <a:schemeClr val="lt1"/>
+          </a:fontRef>
+        </p:style>
+        <p:txBody>
+          <a:bodyPr rtlCol="0" anchor="ctr"/>
+          <a:lstStyle/>
+          <a:p>
+            <a:pPr algn="ctr"/>
+            <a:endParaRPr lang="en-US"/>
+          </a:p>
+        </p:txBody>
+      </p:sp>
+      <p:sp>
+        <p:nvSpPr>
+          <p:cNvPr id="12" name="Rectangle 11"/>
+          <p:cNvSpPr/>
+          <p:nvPr/>
+        </p:nvSpPr>
+        <p:spPr>
+          <a:xfrm rot="21540000">
+            <a:off x="749204" y="576868"/>
+            <a:ext cx="3788941" cy="5722296"/>
+          </a:xfrm>
+          <a:prstGeom prst="rect">
+            <a:avLst/>
+          </a:prstGeom>
+          <a:solidFill>
+            <a:schemeClr val="bg1"/>
+          </a:solidFill>
+          <a:ln w="6350">
+            <a:noFill/>
+          </a:ln>
+          <a:effectLst>
+            <a:outerShdw blurRad="101600" dist="50800" dir="5400000" algn="t" rotWithShape="0">
+              <a:prstClr val="black">
+                <a:alpha val="20000"/>
+              </a:prstClr>
+            </a:outerShdw>
+          </a:effectLst>
+        </p:spPr>
+        <p:style>
+          <a:lnRef idx="2">
+            <a:schemeClr val="accent1">
+              <a:shade val="50000"/>
+            </a:schemeClr>
+          </a:lnRef>
+          <a:fillRef idx="1">
+            <a:schemeClr val="accent1"/>
+          </a:fillRef>
+          <a:effectRef idx="0">
+            <a:schemeClr val="accent1"/>
+          </a:effectRef>
+          <a:fontRef idx="minor">
+            <a:schemeClr val="lt1"/>
+          </a:fontRef>
+        </p:style>
+        <p:txBody>
+          <a:bodyPr rtlCol="0" anchor="ctr"/>
+          <a:lstStyle/>
+          <a:p>
+            <a:pPr algn="ctr"/>
+            <a:endParaRPr lang="en-US"/>
+          </a:p>
+        </p:txBody>
+      </p:sp>
+      <p:sp>
+        <p:nvSpPr>
+          <p:cNvPr id="13" name="Rectangle 12"/>
+          <p:cNvSpPr/>
+          <p:nvPr/>
+        </p:nvSpPr>
+        <p:spPr>
+          <a:xfrm rot="21540000">
+            <a:off x="745058" y="575769"/>
+            <a:ext cx="3788941" cy="5722296"/>
+          </a:xfrm>
+          <a:prstGeom prst="rect">
+            <a:avLst/>
+          </a:prstGeom>
+          <a:blipFill dpi="0" rotWithShape="1">
+            <a:blip r:embed="rId2" cstate="print">
+              <a:alphaModFix amt="20000"/>
+              <a:grayscl/>
+              <a:lum contrast="12000"/>
+            </a:blip>
+            <a:srcRect/>
+            <a:tile tx="0" ty="0" sx="100000" sy="100000" flip="none" algn="tl"/>
+          </a:blipFill>
+          <a:ln w="6350">
+            <a:noFill/>
+          </a:ln>
+          <a:effectLst>
+            <a:outerShdw blurRad="101600" dist="50800" dir="5400000" algn="t" rotWithShape="0">
+              <a:prstClr val="black">
+                <a:alpha val="20000"/>
+              </a:prstClr>
+            </a:outerShdw>
+          </a:effectLst>
+        </p:spPr>
+        <p:style>
+          <a:lnRef idx="2">
+            <a:schemeClr val="accent1">
+              <a:shade val="50000"/>
+            </a:schemeClr>
+          </a:lnRef>
+          <a:fillRef idx="1">
+            <a:schemeClr val="accent1"/>
+          </a:fillRef>
+          <a:effectRef idx="0">
+            <a:schemeClr val="accent1"/>
+          </a:effectRef>
+          <a:fontRef idx="minor">
+            <a:schemeClr val="lt1"/>
+          </a:fontRef>
+        </p:style>
+        <p:txBody>
+          <a:bodyPr rtlCol="0" anchor="ctr"/>
+          <a:lstStyle/>
+          <a:p>
+            <a:pPr algn="ctr"/>
+            <a:endParaRPr lang="en-US"/>
+          </a:p>
+        </p:txBody>
+      </p:sp>
+      <p:sp>
+        <p:nvSpPr>
+          <p:cNvPr id="29" name="Rectangle 28"/>
+          <p:cNvSpPr/>
+          <p:nvPr/>
+        </p:nvSpPr>
+        <p:spPr>
+          <a:xfrm rot="60000">
+            <a:off x="4468872" y="605163"/>
+            <a:ext cx="3788941" cy="5722296"/>
+          </a:xfrm>
+          <a:prstGeom prst="rect">
+            <a:avLst/>
+          </a:prstGeom>
+          <a:solidFill>
+            <a:schemeClr val="bg1"/>
+          </a:solidFill>
+          <a:ln w="6350">
+            <a:noFill/>
+          </a:ln>
+          <a:effectLst>
+            <a:outerShdw blurRad="101600" dist="50800" dir="5400000" algn="t" rotWithShape="0">
+              <a:prstClr val="black">
+                <a:alpha val="20000"/>
+              </a:prstClr>
+            </a:outerShdw>
+          </a:effectLst>
+        </p:spPr>
+        <p:style>
+          <a:lnRef idx="2">
+            <a:schemeClr val="accent1">
+              <a:shade val="50000"/>
+            </a:schemeClr>
+          </a:lnRef>
+          <a:fillRef idx="1">
+            <a:schemeClr val="accent1"/>
+          </a:fillRef>
+          <a:effectRef idx="0">
+            <a:schemeClr val="accent1"/>
+          </a:effectRef>
+          <a:fontRef idx="minor">
+            <a:schemeClr val="lt1"/>
+          </a:fontRef>
+        </p:style>
+        <p:txBody>
+          <a:bodyPr rtlCol="0" anchor="ctr"/>
+          <a:lstStyle/>
+          <a:p>
+            <a:pPr algn="ctr"/>
+            <a:endParaRPr lang="en-US"/>
+          </a:p>
+        </p:txBody>
+      </p:sp>
+      <p:sp>
+        <p:nvSpPr>
+          <p:cNvPr id="30" name="Rectangle 29"/>
+          <p:cNvSpPr/>
+          <p:nvPr/>
+        </p:nvSpPr>
+        <p:spPr>
+          <a:xfrm rot="60000">
+            <a:off x="4464768" y="603920"/>
+            <a:ext cx="3788941" cy="5722296"/>
+          </a:xfrm>
+          <a:prstGeom prst="rect">
+            <a:avLst/>
+          </a:prstGeom>
+          <a:blipFill dpi="0" rotWithShape="1">
+            <a:blip r:embed="rId2" cstate="print">
+              <a:alphaModFix amt="20000"/>
+              <a:grayscl/>
+              <a:lum contrast="12000"/>
+            </a:blip>
+            <a:srcRect/>
+            <a:tile tx="0" ty="0" sx="100000" sy="100000" flip="none" algn="tl"/>
+          </a:blipFill>
+          <a:ln w="6350">
+            <a:noFill/>
+          </a:ln>
+          <a:effectLst>
+            <a:outerShdw blurRad="101600" dist="50800" dir="5400000" algn="t" rotWithShape="0">
+              <a:prstClr val="black">
+                <a:alpha val="20000"/>
+              </a:prstClr>
+            </a:outerShdw>
+          </a:effectLst>
+        </p:spPr>
+        <p:style>
+          <a:lnRef idx="2">
+            <a:schemeClr val="accent1">
+              <a:shade val="50000"/>
+            </a:schemeClr>
+          </a:lnRef>
+          <a:fillRef idx="1">
+            <a:schemeClr val="accent1"/>
+          </a:fillRef>
+          <a:effectRef idx="0">
+            <a:schemeClr val="accent1"/>
+          </a:effectRef>
+          <a:fontRef idx="minor">
+            <a:schemeClr val="lt1"/>
+          </a:fontRef>
+        </p:style>
+        <p:txBody>
+          <a:bodyPr rtlCol="0" anchor="ctr"/>
+          <a:lstStyle/>
+          <a:p>
+            <a:pPr algn="ctr"/>
+            <a:endParaRPr lang="en-US"/>
+          </a:p>
+        </p:txBody>
+      </p:sp>
+      <p:pic>
+        <p:nvPicPr>
+          <p:cNvPr id="14" name="Picture 2" descr="C:\Users\Administrator\Desktop\Pushpin Dev\Assets\pushpinLeft.png"/>
+          <p:cNvPicPr>
+            <a:picLocks noChangeAspect="1" noChangeArrowheads="1"/>
+          </p:cNvPicPr>
+          <p:nvPr/>
+        </p:nvPicPr>
+        <p:blipFill>
+          <a:blip r:embed="rId3" cstate="print"/>
+          <a:srcRect/>
+          <a:stretch>
+            <a:fillRect/>
+          </a:stretch>
+        </p:blipFill>
+        <p:spPr bwMode="auto">
+          <a:xfrm rot="1435684">
+            <a:off x="2371106" y="293953"/>
+            <a:ext cx="567831" cy="567830"/>
+          </a:xfrm>
+          <a:prstGeom prst="rect">
+            <a:avLst/>
+          </a:prstGeom>
+          <a:noFill/>
+        </p:spPr>
+      </p:pic>
+      <p:pic>
+        <p:nvPicPr>
+          <p:cNvPr id="15" name="Picture 2" descr="C:\Users\Administrator\Desktop\Pushpin Dev\Assets\pushpinLeft.png"/>
+          <p:cNvPicPr>
+            <a:picLocks noChangeAspect="1" noChangeArrowheads="1"/>
+          </p:cNvPicPr>
+          <p:nvPr/>
+        </p:nvPicPr>
+        <p:blipFill>
+          <a:blip r:embed="rId3" cstate="print"/>
+          <a:srcRect/>
+          <a:stretch>
+            <a:fillRect/>
+          </a:stretch>
+        </p:blipFill>
+        <p:spPr bwMode="auto">
+          <a:xfrm rot="4096196">
+            <a:off x="6279647" y="333163"/>
+            <a:ext cx="566928" cy="566928"/>
+          </a:xfrm>
+          <a:prstGeom prst="rect">
+            <a:avLst/>
+          </a:prstGeom>
+          <a:noFill/>
+        </p:spPr>
+      </p:pic>
+      <p:sp>
+        <p:nvSpPr>
+          <p:cNvPr id="2" name="Title 1"/>
           <p:cNvSpPr>
             <a:spLocks noGrp="1"/>
           </p:cNvSpPr>
@@ -2792,16 +4214,18 @@
           </p:nvPr>
         </p:nvSpPr>
         <p:spPr>
-          <a:xfrm>
-            <a:off x="1792288" y="4800600"/>
-            <a:ext cx="5486400" cy="566738"/>
+          <a:xfrm rot="-60000">
+            <a:off x="1106424" y="2020824"/>
+            <a:ext cx="3063240" cy="1499616"/>
           </a:xfrm>
         </p:spPr>
         <p:txBody>
-          <a:bodyPr anchor="b"/>
+          <a:bodyPr anchor="b">
+            <a:normAutofit/>
+          </a:bodyPr>
           <a:lstStyle>
-            <a:lvl1pPr algn="l">
-              <a:defRPr sz="2000" b="1"/>
+            <a:lvl1pPr algn="ctr">
+              <a:defRPr sz="2400" b="0"/>
             </a:lvl1pPr>
           </a:lstStyle>
           <a:p>
@@ -2809,13 +4233,13 @@
               <a:rPr lang="de-DE" smtClean="0"/>
               <a:t>Titelmasterformat durch Klicken bearbeiten</a:t>
             </a:r>
-            <a:endParaRPr lang="de-DE"/>
-          </a:p>
-        </p:txBody>
-      </p:sp>
-      <p:sp>
-        <p:nvSpPr>
-          <p:cNvPr id="3" name="Bildplatzhalter 2"/>
+            <a:endParaRPr lang="en-US" dirty="0"/>
+          </a:p>
+        </p:txBody>
+      </p:sp>
+      <p:sp>
+        <p:nvSpPr>
+          <p:cNvPr id="3" name="Picture Placeholder 2"/>
           <p:cNvSpPr>
             <a:spLocks noGrp="1"/>
           </p:cNvSpPr>
@@ -2824,17 +4248,31 @@
           </p:nvPr>
         </p:nvSpPr>
         <p:spPr>
-          <a:xfrm>
-            <a:off x="1792288" y="612775"/>
-            <a:ext cx="5486400" cy="4114800"/>
+          <a:xfrm rot="60000">
+            <a:off x="4898615" y="1207272"/>
+            <a:ext cx="2913863" cy="4539412"/>
           </a:xfrm>
+          <a:ln w="101600" cap="rnd">
+            <a:solidFill>
+              <a:srgbClr val="FFFFFF"/>
+            </a:solidFill>
+          </a:ln>
+          <a:effectLst>
+            <a:outerShdw blurRad="88900" dir="2700000" algn="tl" rotWithShape="0">
+              <a:prstClr val="black">
+                <a:alpha val="40000"/>
+              </a:prstClr>
+            </a:outerShdw>
+          </a:effectLst>
         </p:spPr>
         <p:txBody>
-          <a:bodyPr/>
+          <a:bodyPr>
+            <a:normAutofit/>
+          </a:bodyPr>
           <a:lstStyle>
             <a:lvl1pPr marL="0" indent="0">
               <a:buNone/>
-              <a:defRPr sz="3200"/>
+              <a:defRPr sz="2400"/>
             </a:lvl1pPr>
             <a:lvl2pPr marL="457200" indent="0">
               <a:buNone/>
@@ -2870,13 +4308,17 @@
             </a:lvl9pPr>
           </a:lstStyle>
           <a:p>
-            <a:endParaRPr lang="de-DE"/>
-          </a:p>
-        </p:txBody>
-      </p:sp>
-      <p:sp>
-        <p:nvSpPr>
-          <p:cNvPr id="4" name="Textplatzhalter 3"/>
+            <a:r>
+              <a:rPr lang="de-DE" smtClean="0"/>
+              <a:t>Bild durch Klicken auf Symbol hinzufügen</a:t>
+            </a:r>
+            <a:endParaRPr lang="en-US"/>
+          </a:p>
+        </p:txBody>
+      </p:sp>
+      <p:sp>
+        <p:nvSpPr>
+          <p:cNvPr id="4" name="Text Placeholder 3"/>
           <p:cNvSpPr>
             <a:spLocks noGrp="1"/>
           </p:cNvSpPr>
@@ -2885,17 +4327,19 @@
           </p:nvPr>
         </p:nvSpPr>
         <p:spPr>
-          <a:xfrm>
-            <a:off x="1792288" y="5367338"/>
-            <a:ext cx="5486400" cy="804862"/>
+          <a:xfrm rot="-60000">
+            <a:off x="1152144" y="3621024"/>
+            <a:ext cx="3044952" cy="2103120"/>
           </a:xfrm>
         </p:spPr>
         <p:txBody>
-          <a:bodyPr/>
+          <a:bodyPr>
+            <a:normAutofit/>
+          </a:bodyPr>
           <a:lstStyle>
-            <a:lvl1pPr marL="0" indent="0">
+            <a:lvl1pPr marL="0" indent="0" algn="ctr">
               <a:buNone/>
-              <a:defRPr sz="1400"/>
+              <a:defRPr sz="1600"/>
             </a:lvl1pPr>
             <a:lvl2pPr marL="457200" indent="0">
               <a:buNone/>
@@ -2941,7 +4385,7 @@
       </p:sp>
       <p:sp>
         <p:nvSpPr>
-          <p:cNvPr id="5" name="Datumsplatzhalter 4"/>
+          <p:cNvPr id="5" name="Date Placeholder 4"/>
           <p:cNvSpPr>
             <a:spLocks noGrp="1"/>
           </p:cNvSpPr>
@@ -2949,12 +4393,17 @@
             <p:ph type="dt" sz="half" idx="10"/>
           </p:nvPr>
         </p:nvSpPr>
-        <p:spPr/>
+        <p:spPr>
+          <a:xfrm rot="60000">
+            <a:off x="6345936" y="5888737"/>
+            <a:ext cx="1213821" cy="365125"/>
+          </a:xfrm>
+        </p:spPr>
         <p:txBody>
           <a:bodyPr/>
           <a:lstStyle/>
           <a:p>
-            <a:fld id="{82ED6269-9158-4ECD-8C87-B0ADE2DD6D80}" type="datetimeFigureOut">
+            <a:fld id="{2D7A1A80-2409-4B6B-ACCD-A6738CCA2571}" type="datetime1">
               <a:rPr lang="de-DE" smtClean="0"/>
               <a:t>22.11.2018</a:t>
             </a:fld>
@@ -2964,7 +4413,7 @@
       </p:sp>
       <p:sp>
         <p:nvSpPr>
-          <p:cNvPr id="6" name="Fußzeilenplatzhalter 5"/>
+          <p:cNvPr id="6" name="Footer Placeholder 5"/>
           <p:cNvSpPr>
             <a:spLocks noGrp="1"/>
           </p:cNvSpPr>
@@ -2972,7 +4421,12 @@
             <p:ph type="ftr" sz="quarter" idx="11"/>
           </p:nvPr>
         </p:nvSpPr>
-        <p:spPr/>
+        <p:spPr>
+          <a:xfrm rot="-60000">
+            <a:off x="914569" y="5831037"/>
+            <a:ext cx="3319043" cy="365125"/>
+          </a:xfrm>
+        </p:spPr>
         <p:txBody>
           <a:bodyPr/>
           <a:lstStyle/>
@@ -2983,7 +4437,7 @@
       </p:sp>
       <p:sp>
         <p:nvSpPr>
-          <p:cNvPr id="7" name="Foliennummernplatzhalter 6"/>
+          <p:cNvPr id="7" name="Slide Number Placeholder 6"/>
           <p:cNvSpPr>
             <a:spLocks noGrp="1"/>
           </p:cNvSpPr>
@@ -2991,7 +4445,12 @@
             <p:ph type="sldNum" sz="quarter" idx="12"/>
           </p:nvPr>
         </p:nvSpPr>
-        <p:spPr/>
+        <p:spPr>
+          <a:xfrm rot="60000">
+            <a:off x="7562089" y="5900026"/>
+            <a:ext cx="554023" cy="365125"/>
+          </a:xfrm>
+        </p:spPr>
         <p:txBody>
           <a:bodyPr/>
           <a:lstStyle/>
@@ -3005,11 +4464,6 @@
         </p:txBody>
       </p:sp>
     </p:spTree>
-    <p:extLst>
-      <p:ext uri="{BB962C8B-B14F-4D97-AF65-F5344CB8AC3E}">
-        <p14:creationId xmlns:p14="http://schemas.microsoft.com/office/powerpoint/2010/main" val="3613093147"/>
-      </p:ext>
-    </p:extLst>
   </p:cSld>
   <p:clrMapOvr>
     <a:masterClrMapping/>
@@ -3021,8 +4475,8 @@
 <p:sldMaster xmlns:a="http://schemas.openxmlformats.org/drawingml/2006/main" xmlns:r="http://schemas.openxmlformats.org/officeDocument/2006/relationships" xmlns:p="http://schemas.openxmlformats.org/presentationml/2006/main">
   <p:cSld>
     <p:bg>
-      <p:bgRef idx="1001">
-        <a:schemeClr val="bg1"/>
+      <p:bgRef idx="1002">
+        <a:schemeClr val="bg2"/>
       </p:bgRef>
     </p:bg>
     <p:spTree>
@@ -3039,20 +4493,457 @@
           <a:chExt cx="0" cy="0"/>
         </a:xfrm>
       </p:grpSpPr>
-      <p:sp>
-        <p:nvSpPr>
-          <p:cNvPr id="2" name="Titelplatzhalter 1"/>
-          <p:cNvSpPr>
-            <a:spLocks noGrp="1"/>
-          </p:cNvSpPr>
-          <p:nvPr>
-            <p:ph type="title"/>
-          </p:nvPr>
+      <p:grpSp>
+        <p:nvGrpSpPr>
+          <p:cNvPr id="7" name="Group 15"/>
+          <p:cNvGrpSpPr/>
+          <p:nvPr/>
+        </p:nvGrpSpPr>
+        <p:grpSpPr>
+          <a:xfrm>
+            <a:off x="0" y="0"/>
+            <a:ext cx="9144000" cy="6858000"/>
+            <a:chOff x="0" y="0"/>
+            <a:chExt cx="9144000" cy="6858000"/>
+          </a:xfrm>
+        </p:grpSpPr>
+        <p:sp>
+          <p:nvSpPr>
+            <p:cNvPr id="8" name="Rectangle 7"/>
+            <p:cNvSpPr/>
+            <p:nvPr/>
+          </p:nvSpPr>
+          <p:spPr>
+            <a:xfrm>
+              <a:off x="0" y="0"/>
+              <a:ext cx="7162800" cy="6858000"/>
+            </a:xfrm>
+            <a:prstGeom prst="rect">
+              <a:avLst/>
+            </a:prstGeom>
+            <a:gradFill flip="none" rotWithShape="1">
+              <a:gsLst>
+                <a:gs pos="0">
+                  <a:srgbClr val="010101">
+                    <a:alpha val="51765"/>
+                  </a:srgbClr>
+                </a:gs>
+                <a:gs pos="60000">
+                  <a:srgbClr val="FEFEFE">
+                    <a:alpha val="0"/>
+                  </a:srgbClr>
+                </a:gs>
+              </a:gsLst>
+              <a:path path="circle">
+                <a:fillToRect t="100000" r="100000"/>
+              </a:path>
+              <a:tileRect l="-100000" b="-100000"/>
+            </a:gradFill>
+            <a:ln>
+              <a:noFill/>
+            </a:ln>
+          </p:spPr>
+          <p:style>
+            <a:lnRef idx="2">
+              <a:schemeClr val="accent1">
+                <a:shade val="50000"/>
+              </a:schemeClr>
+            </a:lnRef>
+            <a:fillRef idx="1">
+              <a:schemeClr val="accent1"/>
+            </a:fillRef>
+            <a:effectRef idx="0">
+              <a:schemeClr val="accent1"/>
+            </a:effectRef>
+            <a:fontRef idx="minor">
+              <a:schemeClr val="lt1"/>
+            </a:fontRef>
+          </p:style>
+          <p:txBody>
+            <a:bodyPr rtlCol="0" anchor="ctr"/>
+            <a:lstStyle/>
+            <a:p>
+              <a:pPr algn="ctr"/>
+              <a:endParaRPr lang="en-US"/>
+            </a:p>
+          </p:txBody>
+        </p:sp>
+        <p:sp>
+          <p:nvSpPr>
+            <p:cNvPr id="9" name="Rectangle 8"/>
+            <p:cNvSpPr/>
+            <p:nvPr/>
+          </p:nvSpPr>
+          <p:spPr>
+            <a:xfrm>
+              <a:off x="1143000" y="0"/>
+              <a:ext cx="8001000" cy="6858000"/>
+            </a:xfrm>
+            <a:prstGeom prst="rect">
+              <a:avLst/>
+            </a:prstGeom>
+            <a:gradFill flip="none" rotWithShape="1">
+              <a:gsLst>
+                <a:gs pos="0">
+                  <a:srgbClr val="010101">
+                    <a:alpha val="56000"/>
+                  </a:srgbClr>
+                </a:gs>
+                <a:gs pos="61000">
+                  <a:srgbClr val="FEFEFE">
+                    <a:alpha val="0"/>
+                  </a:srgbClr>
+                </a:gs>
+              </a:gsLst>
+              <a:path path="circle">
+                <a:fillToRect l="100000" t="100000"/>
+              </a:path>
+              <a:tileRect r="-100000" b="-100000"/>
+            </a:gradFill>
+            <a:ln>
+              <a:noFill/>
+            </a:ln>
+          </p:spPr>
+          <p:style>
+            <a:lnRef idx="2">
+              <a:schemeClr val="accent1">
+                <a:shade val="50000"/>
+              </a:schemeClr>
+            </a:lnRef>
+            <a:fillRef idx="1">
+              <a:schemeClr val="accent1"/>
+            </a:fillRef>
+            <a:effectRef idx="0">
+              <a:schemeClr val="accent1"/>
+            </a:effectRef>
+            <a:fontRef idx="minor">
+              <a:schemeClr val="lt1"/>
+            </a:fontRef>
+          </p:style>
+          <p:txBody>
+            <a:bodyPr rtlCol="0" anchor="ctr"/>
+            <a:lstStyle/>
+            <a:p>
+              <a:pPr algn="ctr"/>
+              <a:endParaRPr lang="en-US"/>
+            </a:p>
+          </p:txBody>
+        </p:sp>
+      </p:grpSp>
+      <p:sp>
+        <p:nvSpPr>
+          <p:cNvPr id="10" name="Freeform 9"/>
+          <p:cNvSpPr/>
+          <p:nvPr/>
+        </p:nvSpPr>
+        <p:spPr>
+          <a:xfrm rot="10800000">
+            <a:off x="628650" y="6069330"/>
+            <a:ext cx="7920991" cy="537210"/>
+          </a:xfrm>
+          <a:custGeom>
+            <a:avLst/>
+            <a:gdLst>
+              <a:gd name="connsiteX0" fmla="*/ 0 w 7955280"/>
+              <a:gd name="connsiteY0" fmla="*/ 495300 h 495300"/>
+              <a:gd name="connsiteX1" fmla="*/ 169546 w 7955280"/>
+              <a:gd name="connsiteY1" fmla="*/ 0 h 495300"/>
+              <a:gd name="connsiteX2" fmla="*/ 7785734 w 7955280"/>
+              <a:gd name="connsiteY2" fmla="*/ 0 h 495300"/>
+              <a:gd name="connsiteX3" fmla="*/ 7955280 w 7955280"/>
+              <a:gd name="connsiteY3" fmla="*/ 495300 h 495300"/>
+              <a:gd name="connsiteX4" fmla="*/ 0 w 7955280"/>
+              <a:gd name="connsiteY4" fmla="*/ 495300 h 495300"/>
+              <a:gd name="connsiteX0" fmla="*/ 0 w 7955280"/>
+              <a:gd name="connsiteY0" fmla="*/ 495300 h 495300"/>
+              <a:gd name="connsiteX1" fmla="*/ 169546 w 7955280"/>
+              <a:gd name="connsiteY1" fmla="*/ 0 h 495300"/>
+              <a:gd name="connsiteX2" fmla="*/ 3966210 w 7955280"/>
+              <a:gd name="connsiteY2" fmla="*/ 95250 h 495300"/>
+              <a:gd name="connsiteX3" fmla="*/ 7785734 w 7955280"/>
+              <a:gd name="connsiteY3" fmla="*/ 0 h 495300"/>
+              <a:gd name="connsiteX4" fmla="*/ 7955280 w 7955280"/>
+              <a:gd name="connsiteY4" fmla="*/ 495300 h 495300"/>
+              <a:gd name="connsiteX5" fmla="*/ 0 w 7955280"/>
+              <a:gd name="connsiteY5" fmla="*/ 495300 h 495300"/>
+            </a:gdLst>
+            <a:ahLst/>
+            <a:cxnLst>
+              <a:cxn ang="0">
+                <a:pos x="connsiteX0" y="connsiteY0"/>
+              </a:cxn>
+              <a:cxn ang="0">
+                <a:pos x="connsiteX1" y="connsiteY1"/>
+              </a:cxn>
+              <a:cxn ang="0">
+                <a:pos x="connsiteX2" y="connsiteY2"/>
+              </a:cxn>
+              <a:cxn ang="0">
+                <a:pos x="connsiteX3" y="connsiteY3"/>
+              </a:cxn>
+              <a:cxn ang="0">
+                <a:pos x="connsiteX4" y="connsiteY4"/>
+              </a:cxn>
+              <a:cxn ang="0">
+                <a:pos x="connsiteX5" y="connsiteY5"/>
+              </a:cxn>
+            </a:cxnLst>
+            <a:rect l="l" t="t" r="r" b="b"/>
+            <a:pathLst>
+              <a:path w="7955280" h="495300">
+                <a:moveTo>
+                  <a:pt x="0" y="495300"/>
+                </a:moveTo>
+                <a:lnTo>
+                  <a:pt x="169546" y="0"/>
+                </a:lnTo>
+                <a:lnTo>
+                  <a:pt x="3966210" y="95250"/>
+                </a:lnTo>
+                <a:lnTo>
+                  <a:pt x="7785734" y="0"/>
+                </a:lnTo>
+                <a:lnTo>
+                  <a:pt x="7955280" y="495300"/>
+                </a:lnTo>
+                <a:lnTo>
+                  <a:pt x="0" y="495300"/>
+                </a:lnTo>
+                <a:close/>
+              </a:path>
+            </a:pathLst>
+          </a:custGeom>
+          <a:gradFill flip="none" rotWithShape="1">
+            <a:gsLst>
+              <a:gs pos="30000">
+                <a:srgbClr val="010101">
+                  <a:alpha val="34000"/>
+                </a:srgbClr>
+              </a:gs>
+              <a:gs pos="100000">
+                <a:srgbClr val="010101">
+                  <a:alpha val="26000"/>
+                </a:srgbClr>
+              </a:gs>
+            </a:gsLst>
+            <a:path path="circle">
+              <a:fillToRect l="50000" t="50000" r="50000" b="50000"/>
+            </a:path>
+            <a:tileRect/>
+          </a:gradFill>
+          <a:ln>
+            <a:noFill/>
+          </a:ln>
+          <a:effectLst>
+            <a:softEdge rad="127000"/>
+          </a:effectLst>
+        </p:spPr>
+        <p:style>
+          <a:lnRef idx="2">
+            <a:schemeClr val="accent1">
+              <a:shade val="50000"/>
+            </a:schemeClr>
+          </a:lnRef>
+          <a:fillRef idx="1">
+            <a:schemeClr val="accent1"/>
+          </a:fillRef>
+          <a:effectRef idx="0">
+            <a:schemeClr val="accent1"/>
+          </a:effectRef>
+          <a:fontRef idx="minor">
+            <a:schemeClr val="lt1"/>
+          </a:fontRef>
+        </p:style>
+        <p:txBody>
+          <a:bodyPr rtlCol="0" anchor="ctr"/>
+          <a:lstStyle/>
+          <a:p>
+            <a:pPr algn="ctr"/>
+            <a:endParaRPr lang="en-US"/>
+          </a:p>
+        </p:txBody>
+      </p:sp>
+      <p:sp>
+        <p:nvSpPr>
+          <p:cNvPr id="11" name="Rectangle 10"/>
+          <p:cNvSpPr/>
+          <p:nvPr/>
         </p:nvSpPr>
         <p:spPr>
           <a:xfrm>
-            <a:off x="457200" y="274638"/>
-            <a:ext cx="8229600" cy="1143000"/>
+            <a:off x="731520" y="575310"/>
+            <a:ext cx="7696200" cy="5715000"/>
+          </a:xfrm>
+          <a:prstGeom prst="rect">
+            <a:avLst/>
+          </a:prstGeom>
+          <a:solidFill>
+            <a:schemeClr val="bg1">
+              <a:lumMod val="75000"/>
+              <a:lumOff val="25000"/>
+            </a:schemeClr>
+          </a:solidFill>
+          <a:ln w="6350">
+            <a:noFill/>
+          </a:ln>
+          <a:effectLst>
+            <a:outerShdw blurRad="101600" dist="50800" dir="5400000" algn="t" rotWithShape="0">
+              <a:prstClr val="black">
+                <a:alpha val="20000"/>
+              </a:prstClr>
+            </a:outerShdw>
+          </a:effectLst>
+        </p:spPr>
+        <p:style>
+          <a:lnRef idx="2">
+            <a:schemeClr val="accent1">
+              <a:shade val="50000"/>
+            </a:schemeClr>
+          </a:lnRef>
+          <a:fillRef idx="1">
+            <a:schemeClr val="accent1"/>
+          </a:fillRef>
+          <a:effectRef idx="0">
+            <a:schemeClr val="accent1"/>
+          </a:effectRef>
+          <a:fontRef idx="minor">
+            <a:schemeClr val="lt1"/>
+          </a:fontRef>
+        </p:style>
+        <p:txBody>
+          <a:bodyPr rtlCol="0" anchor="ctr"/>
+          <a:lstStyle/>
+          <a:p>
+            <a:pPr algn="ctr"/>
+            <a:endParaRPr lang="en-US"/>
+          </a:p>
+        </p:txBody>
+      </p:sp>
+      <p:sp>
+        <p:nvSpPr>
+          <p:cNvPr id="12" name="Rectangle 11"/>
+          <p:cNvSpPr/>
+          <p:nvPr/>
+        </p:nvSpPr>
+        <p:spPr>
+          <a:xfrm>
+            <a:off x="731520" y="576072"/>
+            <a:ext cx="7696200" cy="5715000"/>
+          </a:xfrm>
+          <a:prstGeom prst="rect">
+            <a:avLst/>
+          </a:prstGeom>
+          <a:blipFill dpi="0" rotWithShape="1">
+            <a:blip r:embed="rId13" cstate="print">
+              <a:alphaModFix amt="20000"/>
+              <a:grayscl/>
+              <a:lum contrast="12000"/>
+            </a:blip>
+            <a:srcRect/>
+            <a:tile tx="0" ty="0" sx="100000" sy="100000" flip="none" algn="tl"/>
+          </a:blipFill>
+          <a:ln w="6350">
+            <a:noFill/>
+          </a:ln>
+          <a:effectLst>
+            <a:outerShdw blurRad="101600" dist="50800" dir="5400000" algn="t" rotWithShape="0">
+              <a:prstClr val="black">
+                <a:alpha val="20000"/>
+              </a:prstClr>
+            </a:outerShdw>
+          </a:effectLst>
+        </p:spPr>
+        <p:style>
+          <a:lnRef idx="2">
+            <a:schemeClr val="accent1">
+              <a:shade val="50000"/>
+            </a:schemeClr>
+          </a:lnRef>
+          <a:fillRef idx="1">
+            <a:schemeClr val="accent1"/>
+          </a:fillRef>
+          <a:effectRef idx="0">
+            <a:schemeClr val="accent1"/>
+          </a:effectRef>
+          <a:fontRef idx="minor">
+            <a:schemeClr val="lt1"/>
+          </a:fontRef>
+        </p:style>
+        <p:txBody>
+          <a:bodyPr rtlCol="0" anchor="ctr"/>
+          <a:lstStyle/>
+          <a:p>
+            <a:pPr algn="ctr"/>
+            <a:endParaRPr lang="en-US"/>
+          </a:p>
+        </p:txBody>
+      </p:sp>
+      <p:pic>
+        <p:nvPicPr>
+          <p:cNvPr id="13" name="Picture 2" descr="C:\Users\Administrator\Desktop\Pushpin Dev\Assets\pushpinLeft.png"/>
+          <p:cNvPicPr>
+            <a:picLocks noChangeAspect="1" noChangeArrowheads="1"/>
+          </p:cNvPicPr>
+          <p:nvPr/>
+        </p:nvPicPr>
+        <p:blipFill>
+          <a:blip r:embed="rId14" cstate="print"/>
+          <a:srcRect/>
+          <a:stretch>
+            <a:fillRect/>
+          </a:stretch>
+        </p:blipFill>
+        <p:spPr bwMode="auto">
+          <a:xfrm rot="1435684">
+            <a:off x="543741" y="273091"/>
+            <a:ext cx="567831" cy="567830"/>
+          </a:xfrm>
+          <a:prstGeom prst="rect">
+            <a:avLst/>
+          </a:prstGeom>
+          <a:noFill/>
+        </p:spPr>
+      </p:pic>
+      <p:pic>
+        <p:nvPicPr>
+          <p:cNvPr id="14" name="Picture 2" descr="C:\Users\Administrator\Desktop\Pushpin Dev\Assets\pushpinLeft.png"/>
+          <p:cNvPicPr>
+            <a:picLocks noChangeAspect="1" noChangeArrowheads="1"/>
+          </p:cNvPicPr>
+          <p:nvPr/>
+        </p:nvPicPr>
+        <p:blipFill>
+          <a:blip r:embed="rId14" cstate="print"/>
+          <a:srcRect/>
+          <a:stretch>
+            <a:fillRect/>
+          </a:stretch>
+        </p:blipFill>
+        <p:spPr bwMode="auto">
+          <a:xfrm rot="4096196">
+            <a:off x="8115079" y="298163"/>
+            <a:ext cx="566928" cy="566928"/>
+          </a:xfrm>
+          <a:prstGeom prst="rect">
+            <a:avLst/>
+          </a:prstGeom>
+          <a:noFill/>
+        </p:spPr>
+      </p:pic>
+      <p:sp>
+        <p:nvSpPr>
+          <p:cNvPr id="2" name="Title Placeholder 1"/>
+          <p:cNvSpPr>
+            <a:spLocks noGrp="1"/>
+          </p:cNvSpPr>
+          <p:nvPr>
+            <p:ph type="title"/>
+          </p:nvPr>
+        </p:nvSpPr>
+        <p:spPr>
+          <a:xfrm>
+            <a:off x="1095023" y="817582"/>
+            <a:ext cx="6965245" cy="1202485"/>
           </a:xfrm>
           <a:prstGeom prst="rect">
             <a:avLst/>
@@ -3068,13 +4959,13 @@
               <a:rPr lang="de-DE" smtClean="0"/>
               <a:t>Titelmasterformat durch Klicken bearbeiten</a:t>
             </a:r>
-            <a:endParaRPr lang="de-DE"/>
-          </a:p>
-        </p:txBody>
-      </p:sp>
-      <p:sp>
-        <p:nvSpPr>
-          <p:cNvPr id="3" name="Textplatzhalter 2"/>
+            <a:endParaRPr lang="en-US" dirty="0"/>
+          </a:p>
+        </p:txBody>
+      </p:sp>
+      <p:sp>
+        <p:nvSpPr>
+          <p:cNvPr id="3" name="Text Placeholder 2"/>
           <p:cNvSpPr>
             <a:spLocks noGrp="1"/>
           </p:cNvSpPr>
@@ -3084,15 +4975,15 @@
         </p:nvSpPr>
         <p:spPr>
           <a:xfrm>
-            <a:off x="457200" y="1600200"/>
-            <a:ext cx="8229600" cy="4525963"/>
+            <a:off x="1463040" y="2119257"/>
+            <a:ext cx="6196405" cy="3603812"/>
           </a:xfrm>
           <a:prstGeom prst="rect">
             <a:avLst/>
           </a:prstGeom>
         </p:spPr>
         <p:txBody>
-          <a:bodyPr vert="horz" lIns="91440" tIns="45720" rIns="91440" bIns="45720" rtlCol="0">
+          <a:bodyPr vert="horz" lIns="91440" tIns="45720" rIns="91440" bIns="45720" rtlCol="0" anchor="t">
             <a:normAutofit/>
           </a:bodyPr>
           <a:lstStyle/>
@@ -3130,13 +5021,13 @@
               <a:rPr lang="de-DE" smtClean="0"/>
               <a:t>Fünfte Ebene</a:t>
             </a:r>
-            <a:endParaRPr lang="de-DE"/>
-          </a:p>
-        </p:txBody>
-      </p:sp>
-      <p:sp>
-        <p:nvSpPr>
-          <p:cNvPr id="4" name="Datumsplatzhalter 3"/>
+            <a:endParaRPr lang="en-US" dirty="0"/>
+          </a:p>
+        </p:txBody>
+      </p:sp>
+      <p:sp>
+        <p:nvSpPr>
+          <p:cNvPr id="4" name="Date Placeholder 3"/>
           <p:cNvSpPr>
             <a:spLocks noGrp="1"/>
           </p:cNvSpPr>
@@ -3146,8 +5037,8 @@
         </p:nvSpPr>
         <p:spPr>
           <a:xfrm>
-            <a:off x="457200" y="6356350"/>
-            <a:ext cx="2133600" cy="365125"/>
+            <a:off x="6454588" y="5809152"/>
+            <a:ext cx="1213821" cy="365125"/>
           </a:xfrm>
           <a:prstGeom prst="rect">
             <a:avLst/>
@@ -3156,18 +5047,17 @@
         <p:txBody>
           <a:bodyPr vert="horz" lIns="91440" tIns="45720" rIns="91440" bIns="45720" rtlCol="0" anchor="ctr"/>
           <a:lstStyle>
-            <a:lvl1pPr algn="l">
+            <a:lvl1pPr algn="r">
               <a:defRPr sz="1200">
                 <a:solidFill>
-                  <a:schemeClr val="tx1">
-                    <a:tint val="75000"/>
-                  </a:schemeClr>
+                  <a:schemeClr val="tx2"/>
                 </a:solidFill>
+                <a:latin typeface="Rage Italic" pitchFamily="66" charset="0"/>
               </a:defRPr>
             </a:lvl1pPr>
           </a:lstStyle>
           <a:p>
-            <a:fld id="{82ED6269-9158-4ECD-8C87-B0ADE2DD6D80}" type="datetimeFigureOut">
+            <a:fld id="{E684EF82-5A3F-49EE-AE36-1D99B62E646E}" type="datetime1">
               <a:rPr lang="de-DE" smtClean="0"/>
               <a:t>22.11.2018</a:t>
             </a:fld>
@@ -3177,7 +5067,7 @@
       </p:sp>
       <p:sp>
         <p:nvSpPr>
-          <p:cNvPr id="5" name="Fußzeilenplatzhalter 4"/>
+          <p:cNvPr id="5" name="Footer Placeholder 4"/>
           <p:cNvSpPr>
             <a:spLocks noGrp="1"/>
           </p:cNvSpPr>
@@ -3187,8 +5077,8 @@
         </p:nvSpPr>
         <p:spPr>
           <a:xfrm>
-            <a:off x="3124200" y="6356350"/>
-            <a:ext cx="2895600" cy="365125"/>
+            <a:off x="914401" y="5809152"/>
+            <a:ext cx="5540188" cy="365125"/>
           </a:xfrm>
           <a:prstGeom prst="rect">
             <a:avLst/>
@@ -3197,13 +5087,12 @@
         <p:txBody>
           <a:bodyPr vert="horz" lIns="91440" tIns="45720" rIns="91440" bIns="45720" rtlCol="0" anchor="ctr"/>
           <a:lstStyle>
-            <a:lvl1pPr algn="ctr">
-              <a:defRPr sz="1200">
+            <a:lvl1pPr algn="l">
+              <a:defRPr sz="1400">
                 <a:solidFill>
-                  <a:schemeClr val="tx1">
-                    <a:tint val="75000"/>
-                  </a:schemeClr>
+                  <a:schemeClr val="tx2"/>
                 </a:solidFill>
+                <a:latin typeface="Rage Italic" pitchFamily="66" charset="0"/>
               </a:defRPr>
             </a:lvl1pPr>
           </a:lstStyle>
@@ -3214,7 +5103,7 @@
       </p:sp>
       <p:sp>
         <p:nvSpPr>
-          <p:cNvPr id="6" name="Foliennummernplatzhalter 5"/>
+          <p:cNvPr id="6" name="Slide Number Placeholder 5"/>
           <p:cNvSpPr>
             <a:spLocks noGrp="1"/>
           </p:cNvSpPr>
@@ -3224,8 +5113,8 @@
         </p:nvSpPr>
         <p:spPr>
           <a:xfrm>
-            <a:off x="6553200" y="6356350"/>
-            <a:ext cx="2133600" cy="365125"/>
+            <a:off x="7670202" y="5809152"/>
+            <a:ext cx="554023" cy="365125"/>
           </a:xfrm>
           <a:prstGeom prst="rect">
             <a:avLst/>
@@ -3235,12 +5124,11 @@
           <a:bodyPr vert="horz" lIns="91440" tIns="45720" rIns="91440" bIns="45720" rtlCol="0" anchor="ctr"/>
           <a:lstStyle>
             <a:lvl1pPr algn="r">
-              <a:defRPr sz="1200">
+              <a:defRPr sz="1400">
                 <a:solidFill>
-                  <a:schemeClr val="tx1">
-                    <a:tint val="75000"/>
-                  </a:schemeClr>
+                  <a:schemeClr val="tx2"/>
                 </a:solidFill>
+                <a:latin typeface="Rage Italic" pitchFamily="66" charset="0"/>
               </a:defRPr>
             </a:lvl1pPr>
           </a:lstStyle>
@@ -3254,26 +5142,22 @@
         </p:txBody>
       </p:sp>
     </p:spTree>
-    <p:extLst>
-      <p:ext uri="{BB962C8B-B14F-4D97-AF65-F5344CB8AC3E}">
-        <p14:creationId xmlns:p14="http://schemas.microsoft.com/office/powerpoint/2010/main" val="144599504"/>
-      </p:ext>
-    </p:extLst>
   </p:cSld>
   <p:clrMap bg1="lt1" tx1="dk1" bg2="lt2" tx2="dk2" accent1="accent1" accent2="accent2" accent3="accent3" accent4="accent4" accent5="accent5" accent6="accent6" hlink="hlink" folHlink="folHlink"/>
   <p:sldLayoutIdLst>
-    <p:sldLayoutId id="2147483649" r:id="rId1"/>
-    <p:sldLayoutId id="2147483650" r:id="rId2"/>
-    <p:sldLayoutId id="2147483651" r:id="rId3"/>
-    <p:sldLayoutId id="2147483652" r:id="rId4"/>
-    <p:sldLayoutId id="2147483653" r:id="rId5"/>
-    <p:sldLayoutId id="2147483654" r:id="rId6"/>
-    <p:sldLayoutId id="2147483655" r:id="rId7"/>
-    <p:sldLayoutId id="2147483656" r:id="rId8"/>
-    <p:sldLayoutId id="2147483657" r:id="rId9"/>
-    <p:sldLayoutId id="2147483658" r:id="rId10"/>
-    <p:sldLayoutId id="2147483659" r:id="rId11"/>
+    <p:sldLayoutId id="2147483661" r:id="rId1"/>
+    <p:sldLayoutId id="2147483662" r:id="rId2"/>
+    <p:sldLayoutId id="2147483663" r:id="rId3"/>
+    <p:sldLayoutId id="2147483664" r:id="rId4"/>
+    <p:sldLayoutId id="2147483665" r:id="rId5"/>
+    <p:sldLayoutId id="2147483666" r:id="rId6"/>
+    <p:sldLayoutId id="2147483667" r:id="rId7"/>
+    <p:sldLayoutId id="2147483668" r:id="rId8"/>
+    <p:sldLayoutId id="2147483669" r:id="rId9"/>
+    <p:sldLayoutId id="2147483670" r:id="rId10"/>
+    <p:sldLayoutId id="2147483671" r:id="rId11"/>
   </p:sldLayoutIdLst>
+  <p:hf hdr="0" ftr="0" dt="0"/>
   <p:txStyles>
     <p:titleStyle>
       <a:lvl1pPr algn="ctr" defTabSz="914400" rtl="0" eaLnBrk="1" latinLnBrk="0" hangingPunct="1">
@@ -3290,15 +5174,75 @@
           <a:cs typeface="+mj-cs"/>
         </a:defRPr>
       </a:lvl1pPr>
+      <a:lvl2pPr eaLnBrk="1" hangingPunct="1">
+        <a:defRPr>
+          <a:solidFill>
+            <a:schemeClr val="tx2"/>
+          </a:solidFill>
+        </a:defRPr>
+      </a:lvl2pPr>
+      <a:lvl3pPr eaLnBrk="1" hangingPunct="1">
+        <a:defRPr>
+          <a:solidFill>
+            <a:schemeClr val="tx2"/>
+          </a:solidFill>
+        </a:defRPr>
+      </a:lvl3pPr>
+      <a:lvl4pPr eaLnBrk="1" hangingPunct="1">
+        <a:defRPr>
+          <a:solidFill>
+            <a:schemeClr val="tx2"/>
+          </a:solidFill>
+        </a:defRPr>
+      </a:lvl4pPr>
+      <a:lvl5pPr eaLnBrk="1" hangingPunct="1">
+        <a:defRPr>
+          <a:solidFill>
+            <a:schemeClr val="tx2"/>
+          </a:solidFill>
+        </a:defRPr>
+      </a:lvl5pPr>
+      <a:lvl6pPr eaLnBrk="1" hangingPunct="1">
+        <a:defRPr>
+          <a:solidFill>
+            <a:schemeClr val="tx2"/>
+          </a:solidFill>
+        </a:defRPr>
+      </a:lvl6pPr>
+      <a:lvl7pPr eaLnBrk="1" hangingPunct="1">
+        <a:defRPr>
+          <a:solidFill>
+            <a:schemeClr val="tx2"/>
+          </a:solidFill>
+        </a:defRPr>
+      </a:lvl7pPr>
+      <a:lvl8pPr eaLnBrk="1" hangingPunct="1">
+        <a:defRPr>
+          <a:solidFill>
+            <a:schemeClr val="tx2"/>
+          </a:solidFill>
+        </a:defRPr>
+      </a:lvl8pPr>
+      <a:lvl9pPr eaLnBrk="1" hangingPunct="1">
+        <a:defRPr>
+          <a:solidFill>
+            <a:schemeClr val="tx2"/>
+          </a:solidFill>
+        </a:defRPr>
+      </a:lvl9pPr>
     </p:titleStyle>
     <p:bodyStyle>
-      <a:lvl1pPr marL="342900" indent="-342900" algn="l" defTabSz="914400" rtl="0" eaLnBrk="1" latinLnBrk="0" hangingPunct="1">
+      <a:lvl1pPr marL="274320" indent="-274320" algn="l" defTabSz="914400" rtl="0" eaLnBrk="1" latinLnBrk="0" hangingPunct="1">
         <a:spcBef>
           <a:spcPct val="20000"/>
         </a:spcBef>
-        <a:buFont typeface="Arial" pitchFamily="34" charset="0"/>
-        <a:buChar char="•"/>
-        <a:defRPr sz="3200" kern="1200">
+        <a:buClr>
+          <a:schemeClr val="accent2"/>
+        </a:buClr>
+        <a:buSzPct val="85000"/>
+        <a:buFont typeface="Brush Script MT" pitchFamily="66" charset="0"/>
+        <a:buChar char="O"/>
+        <a:defRPr sz="2400" kern="1200">
           <a:solidFill>
             <a:schemeClr val="tx1"/>
           </a:solidFill>
@@ -3307,13 +5251,17 @@
           <a:cs typeface="+mn-cs"/>
         </a:defRPr>
       </a:lvl1pPr>
-      <a:lvl2pPr marL="742950" indent="-285750" algn="l" defTabSz="914400" rtl="0" eaLnBrk="1" latinLnBrk="0" hangingPunct="1">
+      <a:lvl2pPr marL="640080" indent="-274320" algn="l" defTabSz="914400" rtl="0" eaLnBrk="1" latinLnBrk="0" hangingPunct="1">
         <a:spcBef>
           <a:spcPct val="20000"/>
         </a:spcBef>
-        <a:buFont typeface="Arial" pitchFamily="34" charset="0"/>
-        <a:buChar char="–"/>
-        <a:defRPr sz="2800" kern="1200">
+        <a:buClr>
+          <a:schemeClr val="accent2"/>
+        </a:buClr>
+        <a:buSzPct val="85000"/>
+        <a:buFont typeface="Brush Script MT" pitchFamily="66" charset="0"/>
+        <a:buChar char="O"/>
+        <a:defRPr sz="2200" kern="1200">
           <a:solidFill>
             <a:schemeClr val="tx1"/>
           </a:solidFill>
@@ -3322,13 +5270,17 @@
           <a:cs typeface="+mn-cs"/>
         </a:defRPr>
       </a:lvl2pPr>
-      <a:lvl3pPr marL="1143000" indent="-228600" algn="l" defTabSz="914400" rtl="0" eaLnBrk="1" latinLnBrk="0" hangingPunct="1">
+      <a:lvl3pPr marL="914400" indent="-228600" algn="l" defTabSz="914400" rtl="0" eaLnBrk="1" latinLnBrk="0" hangingPunct="1">
         <a:spcBef>
           <a:spcPct val="20000"/>
         </a:spcBef>
-        <a:buFont typeface="Arial" pitchFamily="34" charset="0"/>
-        <a:buChar char="•"/>
-        <a:defRPr sz="2400" kern="1200">
+        <a:buClr>
+          <a:schemeClr val="accent2"/>
+        </a:buClr>
+        <a:buSzPct val="85000"/>
+        <a:buFont typeface="Brush Script MT" pitchFamily="66" charset="0"/>
+        <a:buChar char="O"/>
+        <a:defRPr sz="2000" kern="1200">
           <a:solidFill>
             <a:schemeClr val="tx1"/>
           </a:solidFill>
@@ -3337,13 +5289,17 @@
           <a:cs typeface="+mn-cs"/>
         </a:defRPr>
       </a:lvl3pPr>
-      <a:lvl4pPr marL="1600200" indent="-228600" algn="l" defTabSz="914400" rtl="0" eaLnBrk="1" latinLnBrk="0" hangingPunct="1">
+      <a:lvl4pPr marL="1280160" indent="-228600" algn="l" defTabSz="914400" rtl="0" eaLnBrk="1" latinLnBrk="0" hangingPunct="1">
         <a:spcBef>
           <a:spcPct val="20000"/>
         </a:spcBef>
-        <a:buFont typeface="Arial" pitchFamily="34" charset="0"/>
-        <a:buChar char="–"/>
-        <a:defRPr sz="2000" kern="1200">
+        <a:buClr>
+          <a:schemeClr val="accent2"/>
+        </a:buClr>
+        <a:buSzPct val="85000"/>
+        <a:buFont typeface="Brush Script MT" pitchFamily="66" charset="0"/>
+        <a:buChar char="O"/>
+        <a:defRPr sz="1800" kern="1200">
           <a:solidFill>
             <a:schemeClr val="tx1"/>
           </a:solidFill>
@@ -3352,13 +5308,17 @@
           <a:cs typeface="+mn-cs"/>
         </a:defRPr>
       </a:lvl4pPr>
-      <a:lvl5pPr marL="2057400" indent="-228600" algn="l" defTabSz="914400" rtl="0" eaLnBrk="1" latinLnBrk="0" hangingPunct="1">
+      <a:lvl5pPr marL="1645920" indent="-228600" algn="l" defTabSz="914400" rtl="0" eaLnBrk="1" latinLnBrk="0" hangingPunct="1">
         <a:spcBef>
           <a:spcPct val="20000"/>
         </a:spcBef>
-        <a:buFont typeface="Arial" pitchFamily="34" charset="0"/>
-        <a:buChar char="»"/>
-        <a:defRPr sz="2000" kern="1200">
+        <a:buClr>
+          <a:schemeClr val="accent2"/>
+        </a:buClr>
+        <a:buSzPct val="85000"/>
+        <a:buFont typeface="Brush Script MT" pitchFamily="66" charset="0"/>
+        <a:buChar char="O"/>
+        <a:defRPr sz="1600" kern="1200">
           <a:solidFill>
             <a:schemeClr val="tx1"/>
           </a:solidFill>
@@ -3367,13 +5327,17 @@
           <a:cs typeface="+mn-cs"/>
         </a:defRPr>
       </a:lvl5pPr>
-      <a:lvl6pPr marL="2514600" indent="-228600" algn="l" defTabSz="914400" rtl="0" eaLnBrk="1" latinLnBrk="0" hangingPunct="1">
+      <a:lvl6pPr marL="2011680" indent="-228600" algn="l" defTabSz="914400" rtl="0" eaLnBrk="1" latinLnBrk="0" hangingPunct="1">
         <a:spcBef>
           <a:spcPct val="20000"/>
         </a:spcBef>
-        <a:buFont typeface="Arial" pitchFamily="34" charset="0"/>
-        <a:buChar char="•"/>
-        <a:defRPr sz="2000" kern="1200">
+        <a:buClr>
+          <a:schemeClr val="accent2"/>
+        </a:buClr>
+        <a:buSzPct val="85000"/>
+        <a:buFont typeface="Brush Script MT" pitchFamily="66" charset="0"/>
+        <a:buChar char="O"/>
+        <a:defRPr sz="1600" kern="1200">
           <a:solidFill>
             <a:schemeClr val="tx1"/>
           </a:solidFill>
@@ -3382,13 +5346,17 @@
           <a:cs typeface="+mn-cs"/>
         </a:defRPr>
       </a:lvl6pPr>
-      <a:lvl7pPr marL="2971800" indent="-228600" algn="l" defTabSz="914400" rtl="0" eaLnBrk="1" latinLnBrk="0" hangingPunct="1">
+      <a:lvl7pPr marL="2377440" indent="-228600" algn="l" defTabSz="914400" rtl="0" eaLnBrk="1" latinLnBrk="0" hangingPunct="1">
         <a:spcBef>
           <a:spcPct val="20000"/>
         </a:spcBef>
-        <a:buFont typeface="Arial" pitchFamily="34" charset="0"/>
-        <a:buChar char="•"/>
-        <a:defRPr sz="2000" kern="1200">
+        <a:buClr>
+          <a:schemeClr val="accent2"/>
+        </a:buClr>
+        <a:buSzPct val="85000"/>
+        <a:buFont typeface="Brush Script MT" pitchFamily="66" charset="0"/>
+        <a:buChar char="O"/>
+        <a:defRPr sz="1600" kern="1200">
           <a:solidFill>
             <a:schemeClr val="tx1"/>
           </a:solidFill>
@@ -3397,13 +5365,17 @@
           <a:cs typeface="+mn-cs"/>
         </a:defRPr>
       </a:lvl7pPr>
-      <a:lvl8pPr marL="3429000" indent="-228600" algn="l" defTabSz="914400" rtl="0" eaLnBrk="1" latinLnBrk="0" hangingPunct="1">
+      <a:lvl8pPr marL="2743200" indent="-228600" algn="l" defTabSz="914400" rtl="0" eaLnBrk="1" latinLnBrk="0" hangingPunct="1">
         <a:spcBef>
           <a:spcPct val="20000"/>
         </a:spcBef>
-        <a:buFont typeface="Arial" pitchFamily="34" charset="0"/>
-        <a:buChar char="•"/>
-        <a:defRPr sz="2000" kern="1200">
+        <a:buClr>
+          <a:schemeClr val="accent2"/>
+        </a:buClr>
+        <a:buSzPct val="85000"/>
+        <a:buFont typeface="Brush Script MT" pitchFamily="66" charset="0"/>
+        <a:buChar char="O"/>
+        <a:defRPr sz="1600" kern="1200">
           <a:solidFill>
             <a:schemeClr val="tx1"/>
           </a:solidFill>
@@ -3412,13 +5384,17 @@
           <a:cs typeface="+mn-cs"/>
         </a:defRPr>
       </a:lvl8pPr>
-      <a:lvl9pPr marL="3886200" indent="-228600" algn="l" defTabSz="914400" rtl="0" eaLnBrk="1" latinLnBrk="0" hangingPunct="1">
+      <a:lvl9pPr marL="3108960" indent="-228600" algn="l" defTabSz="914400" rtl="0" eaLnBrk="1" latinLnBrk="0" hangingPunct="1">
         <a:spcBef>
           <a:spcPct val="20000"/>
         </a:spcBef>
-        <a:buFont typeface="Arial" pitchFamily="34" charset="0"/>
-        <a:buChar char="•"/>
-        <a:defRPr sz="2000" kern="1200">
+        <a:buClr>
+          <a:schemeClr val="accent2"/>
+        </a:buClr>
+        <a:buSzPct val="85000"/>
+        <a:buFont typeface="Brush Script MT" pitchFamily="66" charset="0"/>
+        <a:buChar char="O"/>
+        <a:defRPr sz="1600" kern="1200">
           <a:solidFill>
             <a:schemeClr val="tx1"/>
           </a:solidFill>
@@ -3430,7 +5406,7 @@
     </p:bodyStyle>
     <p:otherStyle>
       <a:defPPr>
-        <a:defRPr lang="de-DE"/>
+        <a:defRPr lang="en-US"/>
       </a:defPPr>
       <a:lvl1pPr marL="0" algn="l" defTabSz="914400" rtl="0" eaLnBrk="1" latinLnBrk="0" hangingPunct="1">
         <a:defRPr sz="1800" kern="1200">
@@ -3544,9 +5520,241 @@
           <a:chExt cx="0" cy="0"/>
         </a:xfrm>
       </p:grpSpPr>
+      <p:sp>
+        <p:nvSpPr>
+          <p:cNvPr id="2" name="Titel 1"/>
+          <p:cNvSpPr>
+            <a:spLocks noGrp="1"/>
+          </p:cNvSpPr>
+          <p:nvPr>
+            <p:ph type="ctrTitle"/>
+          </p:nvPr>
+        </p:nvSpPr>
+        <p:spPr>
+          <a:xfrm>
+            <a:off x="1727201" y="1031427"/>
+            <a:ext cx="5723468" cy="1828090"/>
+          </a:xfrm>
+        </p:spPr>
+        <p:txBody>
+          <a:bodyPr>
+            <a:normAutofit/>
+          </a:bodyPr>
+          <a:lstStyle/>
+          <a:p>
+            <a:r>
+              <a:rPr lang="de-DE" sz="3600" b="1" dirty="0" smtClean="0">
+                <a:latin typeface="Century Gothic" pitchFamily="34" charset="0"/>
+              </a:rPr>
+              <a:t>Protokoll </a:t>
+            </a:r>
+            <a:r>
+              <a:rPr lang="de-DE" sz="3600" b="1" dirty="0" smtClean="0">
+                <a:latin typeface="Century Gothic" pitchFamily="34" charset="0"/>
+              </a:rPr>
+              <a:t>und Beschluss Anwendung</a:t>
+            </a:r>
+            <a:endParaRPr lang="de-DE" sz="3600" b="1" dirty="0">
+              <a:latin typeface="Century Gothic" pitchFamily="34" charset="0"/>
+            </a:endParaRPr>
+          </a:p>
+        </p:txBody>
+      </p:sp>
+      <p:sp>
+        <p:nvSpPr>
+          <p:cNvPr id="3" name="Untertitel 2"/>
+          <p:cNvSpPr>
+            <a:spLocks noGrp="1"/>
+          </p:cNvSpPr>
+          <p:nvPr>
+            <p:ph type="subTitle" idx="1"/>
+          </p:nvPr>
+        </p:nvSpPr>
+        <p:spPr>
+          <a:xfrm>
+            <a:off x="1727200" y="3284984"/>
+            <a:ext cx="5712179" cy="2232248"/>
+          </a:xfrm>
+        </p:spPr>
+        <p:txBody>
+          <a:bodyPr>
+            <a:normAutofit/>
+          </a:bodyPr>
+          <a:lstStyle/>
+          <a:p>
+            <a:r>
+              <a:rPr lang="de-DE" dirty="0" smtClean="0">
+                <a:solidFill>
+                  <a:schemeClr val="tx2">
+                    <a:lumMod val="50000"/>
+                    <a:lumOff val="50000"/>
+                  </a:schemeClr>
+                </a:solidFill>
+                <a:latin typeface="Rockwell" pitchFamily="18" charset="0"/>
+              </a:rPr>
+              <a:t>Gruppe 3:</a:t>
+            </a:r>
+          </a:p>
+          <a:p>
+            <a:r>
+              <a:rPr lang="de-DE" dirty="0" smtClean="0">
+                <a:solidFill>
+                  <a:schemeClr val="accent3">
+                    <a:lumMod val="75000"/>
+                  </a:schemeClr>
+                </a:solidFill>
+                <a:latin typeface="Rockwell" pitchFamily="18" charset="0"/>
+              </a:rPr>
+              <a:t>Michael Gede</a:t>
+            </a:r>
+          </a:p>
+          <a:p>
+            <a:r>
+              <a:rPr lang="de-DE" dirty="0" smtClean="0">
+                <a:solidFill>
+                  <a:schemeClr val="accent3">
+                    <a:lumMod val="75000"/>
+                  </a:schemeClr>
+                </a:solidFill>
+                <a:latin typeface="Rockwell" pitchFamily="18" charset="0"/>
+              </a:rPr>
+              <a:t>Pascal </a:t>
+            </a:r>
+            <a:r>
+              <a:rPr lang="de-DE" dirty="0" smtClean="0">
+                <a:solidFill>
+                  <a:schemeClr val="accent3">
+                    <a:lumMod val="75000"/>
+                  </a:schemeClr>
+                </a:solidFill>
+                <a:latin typeface="Rockwell" pitchFamily="18" charset="0"/>
+              </a:rPr>
+              <a:t>Gollnick</a:t>
+            </a:r>
+          </a:p>
+          <a:p>
+            <a:r>
+              <a:rPr lang="de-DE" dirty="0" smtClean="0">
+                <a:solidFill>
+                  <a:schemeClr val="accent3">
+                    <a:lumMod val="75000"/>
+                  </a:schemeClr>
+                </a:solidFill>
+                <a:latin typeface="Rockwell" pitchFamily="18" charset="0"/>
+              </a:rPr>
+              <a:t>Oliver </a:t>
+            </a:r>
+            <a:r>
+              <a:rPr lang="de-DE" dirty="0" smtClean="0">
+                <a:solidFill>
+                  <a:schemeClr val="accent3">
+                    <a:lumMod val="75000"/>
+                  </a:schemeClr>
+                </a:solidFill>
+                <a:latin typeface="Rockwell" pitchFamily="18" charset="0"/>
+              </a:rPr>
+              <a:t>Kaden</a:t>
+            </a:r>
+          </a:p>
+          <a:p>
+            <a:r>
+              <a:rPr lang="de-DE" dirty="0" smtClean="0">
+                <a:solidFill>
+                  <a:schemeClr val="accent3">
+                    <a:lumMod val="75000"/>
+                  </a:schemeClr>
+                </a:solidFill>
+                <a:latin typeface="Rockwell" pitchFamily="18" charset="0"/>
+              </a:rPr>
+              <a:t>Lars </a:t>
+            </a:r>
+            <a:r>
+              <a:rPr lang="de-DE" dirty="0" smtClean="0">
+                <a:solidFill>
+                  <a:schemeClr val="accent3">
+                    <a:lumMod val="75000"/>
+                  </a:schemeClr>
+                </a:solidFill>
+                <a:latin typeface="Rockwell" pitchFamily="18" charset="0"/>
+              </a:rPr>
+              <a:t>Tenbrock</a:t>
+            </a:r>
+            <a:endParaRPr lang="de-DE" dirty="0">
+              <a:solidFill>
+                <a:schemeClr val="accent3">
+                  <a:lumMod val="75000"/>
+                </a:schemeClr>
+              </a:solidFill>
+              <a:latin typeface="Rockwell" pitchFamily="18" charset="0"/>
+            </a:endParaRPr>
+          </a:p>
+        </p:txBody>
+      </p:sp>
+    </p:spTree>
+    <p:extLst>
+      <p:ext uri="{BB962C8B-B14F-4D97-AF65-F5344CB8AC3E}">
+        <p14:creationId xmlns:p14="http://schemas.microsoft.com/office/powerpoint/2010/main" val="1963887117"/>
+      </p:ext>
+    </p:extLst>
+  </p:cSld>
+  <p:clrMapOvr>
+    <a:masterClrMapping/>
+  </p:clrMapOvr>
+  <p:timing>
+    <p:tnLst>
+      <p:par>
+        <p:cTn id="1" dur="indefinite" restart="never" nodeType="tmRoot"/>
+      </p:par>
+    </p:tnLst>
+  </p:timing>
+</p:sld>
+</file>
+
+<file path=ppt/slides/slide10.xml><?xml version="1.0" encoding="utf-8"?>
+<p:sld xmlns:a="http://schemas.openxmlformats.org/drawingml/2006/main" xmlns:r="http://schemas.openxmlformats.org/officeDocument/2006/relationships" xmlns:p="http://schemas.openxmlformats.org/presentationml/2006/main">
+  <p:cSld>
+    <p:spTree>
+      <p:nvGrpSpPr>
+        <p:cNvPr id="1" name=""/>
+        <p:cNvGrpSpPr/>
+        <p:nvPr/>
+      </p:nvGrpSpPr>
+      <p:grpSpPr>
+        <a:xfrm>
+          <a:off x="0" y="0"/>
+          <a:ext cx="0" cy="0"/>
+          <a:chOff x="0" y="0"/>
+          <a:chExt cx="0" cy="0"/>
+        </a:xfrm>
+      </p:grpSpPr>
+      <p:sp>
+        <p:nvSpPr>
+          <p:cNvPr id="2" name="Titel 1"/>
+          <p:cNvSpPr>
+            <a:spLocks noGrp="1"/>
+          </p:cNvSpPr>
+          <p:nvPr>
+            <p:ph type="title"/>
+          </p:nvPr>
+        </p:nvSpPr>
+        <p:spPr/>
+        <p:txBody>
+          <a:bodyPr/>
+          <a:lstStyle/>
+          <a:p>
+            <a:r>
+              <a:rPr lang="de-DE" b="1" dirty="0">
+                <a:latin typeface="Century Gothic" pitchFamily="34" charset="0"/>
+              </a:rPr>
+              <a:t>Soll-Ist-Vergleich</a:t>
+            </a:r>
+            <a:endParaRPr lang="de-DE" dirty="0"/>
+          </a:p>
+        </p:txBody>
+      </p:sp>
       <p:pic>
         <p:nvPicPr>
-          <p:cNvPr id="1026" name="Picture 2"/>
+          <p:cNvPr id="4" name="Picture 2"/>
           <p:cNvPicPr>
             <a:picLocks noChangeAspect="1" noChangeArrowheads="1"/>
           </p:cNvPicPr>
@@ -3567,201 +5775,8 @@
         </p:blipFill>
         <p:spPr bwMode="auto">
           <a:xfrm>
-            <a:off x="117740" y="1251172"/>
-            <a:ext cx="8908520" cy="5130156"/>
-          </a:xfrm>
-          <a:prstGeom prst="rect">
-            <a:avLst/>
-          </a:prstGeom>
-          <a:noFill/>
-          <a:ln>
-            <a:noFill/>
-          </a:ln>
-          <a:effectLst/>
-          <a:extLst>
-            <a:ext uri="{909E8E84-426E-40DD-AFC4-6F175D3DCCD1}">
-              <a14:hiddenFill xmlns:a14="http://schemas.microsoft.com/office/drawing/2010/main">
-                <a:solidFill>
-                  <a:schemeClr val="accent1"/>
-                </a:solidFill>
-              </a14:hiddenFill>
-            </a:ext>
-            <a:ext uri="{91240B29-F687-4F45-9708-019B960494DF}">
-              <a14:hiddenLine xmlns:a14="http://schemas.microsoft.com/office/drawing/2010/main" w="9525">
-                <a:solidFill>
-                  <a:schemeClr val="tx1"/>
-                </a:solidFill>
-                <a:miter lim="800000"/>
-                <a:headEnd/>
-                <a:tailEnd/>
-              </a14:hiddenLine>
-            </a:ext>
-            <a:ext uri="{AF507438-7753-43E0-B8FC-AC1667EBCBE1}">
-              <a14:hiddenEffects xmlns:a14="http://schemas.microsoft.com/office/drawing/2010/main">
-                <a:effectLst>
-                  <a:outerShdw dist="35921" dir="2700000" algn="ctr" rotWithShape="0">
-                    <a:schemeClr val="bg2"/>
-                  </a:outerShdw>
-                </a:effectLst>
-              </a14:hiddenEffects>
-            </a:ext>
-          </a:extLst>
-        </p:spPr>
-      </p:pic>
-      <p:sp>
-        <p:nvSpPr>
-          <p:cNvPr id="83" name="Titel 1"/>
-          <p:cNvSpPr txBox="1">
-            <a:spLocks/>
-          </p:cNvSpPr>
-          <p:nvPr/>
-        </p:nvSpPr>
-        <p:spPr>
-          <a:xfrm>
-            <a:off x="457200" y="274638"/>
-            <a:ext cx="8229600" cy="1143000"/>
-          </a:xfrm>
-          <a:prstGeom prst="rect">
-            <a:avLst/>
-          </a:prstGeom>
-        </p:spPr>
-        <p:txBody>
-          <a:bodyPr vert="horz" lIns="91440" tIns="45720" rIns="91440" bIns="45720" rtlCol="0" anchor="ctr">
-            <a:normAutofit/>
-          </a:bodyPr>
-          <a:lstStyle>
-            <a:lvl1pPr algn="ctr" defTabSz="914400" rtl="0" eaLnBrk="1" latinLnBrk="0" hangingPunct="1">
-              <a:spcBef>
-                <a:spcPct val="0"/>
-              </a:spcBef>
-              <a:buNone/>
-              <a:defRPr sz="4400" kern="1200">
-                <a:solidFill>
-                  <a:schemeClr val="tx1"/>
-                </a:solidFill>
-                <a:latin typeface="+mj-lt"/>
-                <a:ea typeface="+mj-ea"/>
-                <a:cs typeface="+mj-cs"/>
-              </a:defRPr>
-            </a:lvl1pPr>
-          </a:lstStyle>
-          <a:p>
-            <a:r>
-              <a:rPr lang="de-DE" dirty="0" smtClean="0"/>
-              <a:t>Aktivitätsdiagramm (Ausschnitt)</a:t>
-            </a:r>
-            <a:endParaRPr lang="de-DE" dirty="0"/>
-          </a:p>
-        </p:txBody>
-      </p:sp>
-    </p:spTree>
-    <p:extLst>
-      <p:ext uri="{BB962C8B-B14F-4D97-AF65-F5344CB8AC3E}">
-        <p14:creationId xmlns:p14="http://schemas.microsoft.com/office/powerpoint/2010/main" val="3651894450"/>
-      </p:ext>
-    </p:extLst>
-  </p:cSld>
-  <p:clrMapOvr>
-    <a:masterClrMapping/>
-  </p:clrMapOvr>
-  <p:timing>
-    <p:tnLst>
-      <p:par>
-        <p:cTn id="1" dur="indefinite" restart="never" nodeType="tmRoot"/>
-      </p:par>
-    </p:tnLst>
-  </p:timing>
-</p:sld>
-</file>
-
-<file path=ppt/slides/slide2.xml><?xml version="1.0" encoding="utf-8"?>
-<p:sld xmlns:a="http://schemas.openxmlformats.org/drawingml/2006/main" xmlns:r="http://schemas.openxmlformats.org/officeDocument/2006/relationships" xmlns:p="http://schemas.openxmlformats.org/presentationml/2006/main">
-  <p:cSld>
-    <p:spTree>
-      <p:nvGrpSpPr>
-        <p:cNvPr id="1" name=""/>
-        <p:cNvGrpSpPr/>
-        <p:nvPr/>
-      </p:nvGrpSpPr>
-      <p:grpSpPr>
-        <a:xfrm>
-          <a:off x="0" y="0"/>
-          <a:ext cx="0" cy="0"/>
-          <a:chOff x="0" y="0"/>
-          <a:chExt cx="0" cy="0"/>
-        </a:xfrm>
-      </p:grpSpPr>
-      <p:sp>
-        <p:nvSpPr>
-          <p:cNvPr id="83" name="Titel 1"/>
-          <p:cNvSpPr txBox="1">
-            <a:spLocks/>
-          </p:cNvSpPr>
-          <p:nvPr/>
-        </p:nvSpPr>
-        <p:spPr>
-          <a:xfrm>
-            <a:off x="457200" y="274638"/>
-            <a:ext cx="8229600" cy="1143000"/>
-          </a:xfrm>
-          <a:prstGeom prst="rect">
-            <a:avLst/>
-          </a:prstGeom>
-        </p:spPr>
-        <p:txBody>
-          <a:bodyPr vert="horz" lIns="91440" tIns="45720" rIns="91440" bIns="45720" rtlCol="0" anchor="ctr">
-            <a:normAutofit/>
-          </a:bodyPr>
-          <a:lstStyle>
-            <a:lvl1pPr algn="ctr" defTabSz="914400" rtl="0" eaLnBrk="1" latinLnBrk="0" hangingPunct="1">
-              <a:spcBef>
-                <a:spcPct val="0"/>
-              </a:spcBef>
-              <a:buNone/>
-              <a:defRPr sz="4400" kern="1200">
-                <a:solidFill>
-                  <a:schemeClr val="tx1"/>
-                </a:solidFill>
-                <a:latin typeface="+mj-lt"/>
-                <a:ea typeface="+mj-ea"/>
-                <a:cs typeface="+mj-cs"/>
-              </a:defRPr>
-            </a:lvl1pPr>
-          </a:lstStyle>
-          <a:p>
-            <a:r>
-              <a:rPr lang="de-DE" dirty="0" smtClean="0"/>
-              <a:t>Sequenzdiagramm (Ausschnitt)</a:t>
-            </a:r>
-            <a:endParaRPr lang="de-DE" dirty="0"/>
-          </a:p>
-        </p:txBody>
-      </p:sp>
-      <p:pic>
-        <p:nvPicPr>
-          <p:cNvPr id="2050" name="Picture 2"/>
-          <p:cNvPicPr>
-            <a:picLocks noChangeAspect="1" noChangeArrowheads="1"/>
-          </p:cNvPicPr>
-          <p:nvPr/>
-        </p:nvPicPr>
-        <p:blipFill>
-          <a:blip r:embed="rId2">
-            <a:extLst>
-              <a:ext uri="{28A0092B-C50C-407E-A947-70E740481C1C}">
-                <a14:useLocalDpi xmlns:a14="http://schemas.microsoft.com/office/drawing/2010/main" val="0"/>
-              </a:ext>
-            </a:extLst>
-          </a:blip>
-          <a:srcRect/>
-          <a:stretch>
-            <a:fillRect/>
-          </a:stretch>
-        </p:blipFill>
-        <p:spPr bwMode="auto">
-          <a:xfrm>
-            <a:off x="647700" y="1196752"/>
-            <a:ext cx="7848600" cy="5661248"/>
+            <a:off x="790482" y="1702696"/>
+            <a:ext cx="7563038" cy="4102568"/>
           </a:xfrm>
           <a:prstGeom prst="rect">
             <a:avLst/>
@@ -3804,7 +5819,7 @@
     </p:spTree>
     <p:extLst>
       <p:ext uri="{BB962C8B-B14F-4D97-AF65-F5344CB8AC3E}">
-        <p14:creationId xmlns:p14="http://schemas.microsoft.com/office/powerpoint/2010/main" val="3127642757"/>
+        <p14:creationId xmlns:p14="http://schemas.microsoft.com/office/powerpoint/2010/main" val="2679027904"/>
       </p:ext>
     </p:extLst>
   </p:cSld>
@@ -3821,7 +5836,7 @@
 </p:sld>
 </file>
 
-<file path=ppt/slides/slide3.xml><?xml version="1.0" encoding="utf-8"?>
+<file path=ppt/slides/slide11.xml><?xml version="1.0" encoding="utf-8"?>
 <p:sld xmlns:a="http://schemas.openxmlformats.org/drawingml/2006/main" xmlns:r="http://schemas.openxmlformats.org/officeDocument/2006/relationships" xmlns:p="http://schemas.openxmlformats.org/presentationml/2006/main">
   <p:cSld>
     <p:spTree>
@@ -3838,211 +5853,51 @@
           <a:chExt cx="0" cy="0"/>
         </a:xfrm>
       </p:grpSpPr>
-      <p:pic>
-        <p:nvPicPr>
-          <p:cNvPr id="3074" name="Picture 2"/>
-          <p:cNvPicPr>
-            <a:picLocks noChangeAspect="1" noChangeArrowheads="1"/>
-          </p:cNvPicPr>
+      <p:sp>
+        <p:nvSpPr>
+          <p:cNvPr id="2" name="Titel 1"/>
+          <p:cNvSpPr>
+            <a:spLocks noGrp="1"/>
+          </p:cNvSpPr>
+          <p:nvPr>
+            <p:ph type="title"/>
+          </p:nvPr>
+        </p:nvSpPr>
+        <p:spPr/>
+        <p:txBody>
+          <a:bodyPr>
+            <a:normAutofit/>
+          </a:bodyPr>
+          <a:lstStyle/>
+          <a:p>
+            <a:r>
+              <a:rPr lang="de-DE" b="1" dirty="0">
+                <a:latin typeface="Century Gothic" pitchFamily="34" charset="0"/>
+              </a:rPr>
+              <a:t>Was wurde </a:t>
+            </a:r>
+            <a:r>
+              <a:rPr lang="de-DE" b="1" dirty="0" smtClean="0">
+                <a:latin typeface="Century Gothic" pitchFamily="34" charset="0"/>
+              </a:rPr>
+              <a:t>getestet</a:t>
+            </a:r>
+            <a:endParaRPr lang="de-DE" dirty="0"/>
+          </a:p>
+        </p:txBody>
+      </p:sp>
+      <p:sp>
+        <p:nvSpPr>
+          <p:cNvPr id="5" name="Inhaltsplatzhalter 2"/>
+          <p:cNvSpPr txBox="1">
+            <a:spLocks/>
+          </p:cNvSpPr>
           <p:nvPr/>
-        </p:nvPicPr>
-        <p:blipFill>
-          <a:blip r:embed="rId2">
-            <a:extLst>
-              <a:ext uri="{28A0092B-C50C-407E-A947-70E740481C1C}">
-                <a14:useLocalDpi xmlns:a14="http://schemas.microsoft.com/office/drawing/2010/main" val="0"/>
-              </a:ext>
-            </a:extLst>
-          </a:blip>
-          <a:srcRect/>
-          <a:stretch>
-            <a:fillRect/>
-          </a:stretch>
-        </p:blipFill>
+        </p:nvSpPr>
         <p:spPr bwMode="auto">
           <a:xfrm>
-            <a:off x="16467" y="1556792"/>
-            <a:ext cx="9111068" cy="5040559"/>
-          </a:xfrm>
-          <a:prstGeom prst="rect">
-            <a:avLst/>
-          </a:prstGeom>
-          <a:noFill/>
-          <a:ln>
-            <a:noFill/>
-          </a:ln>
-          <a:effectLst/>
-          <a:extLst>
-            <a:ext uri="{909E8E84-426E-40DD-AFC4-6F175D3DCCD1}">
-              <a14:hiddenFill xmlns:a14="http://schemas.microsoft.com/office/drawing/2010/main">
-                <a:solidFill>
-                  <a:schemeClr val="accent1"/>
-                </a:solidFill>
-              </a14:hiddenFill>
-            </a:ext>
-            <a:ext uri="{91240B29-F687-4F45-9708-019B960494DF}">
-              <a14:hiddenLine xmlns:a14="http://schemas.microsoft.com/office/drawing/2010/main" w="9525">
-                <a:solidFill>
-                  <a:schemeClr val="tx1"/>
-                </a:solidFill>
-                <a:miter lim="800000"/>
-                <a:headEnd/>
-                <a:tailEnd/>
-              </a14:hiddenLine>
-            </a:ext>
-            <a:ext uri="{AF507438-7753-43E0-B8FC-AC1667EBCBE1}">
-              <a14:hiddenEffects xmlns:a14="http://schemas.microsoft.com/office/drawing/2010/main">
-                <a:effectLst>
-                  <a:outerShdw dist="35921" dir="2700000" algn="ctr" rotWithShape="0">
-                    <a:schemeClr val="bg2"/>
-                  </a:outerShdw>
-                </a:effectLst>
-              </a14:hiddenEffects>
-            </a:ext>
-          </a:extLst>
-        </p:spPr>
-      </p:pic>
-      <p:sp>
-        <p:nvSpPr>
-          <p:cNvPr id="3" name="Titel 1"/>
-          <p:cNvSpPr txBox="1">
-            <a:spLocks/>
-          </p:cNvSpPr>
-          <p:nvPr/>
-        </p:nvSpPr>
-        <p:spPr>
-          <a:xfrm>
-            <a:off x="457200" y="274638"/>
-            <a:ext cx="8229600" cy="1143000"/>
-          </a:xfrm>
-          <a:prstGeom prst="rect">
-            <a:avLst/>
-          </a:prstGeom>
-        </p:spPr>
-        <p:txBody>
-          <a:bodyPr vert="horz" lIns="91440" tIns="45720" rIns="91440" bIns="45720" rtlCol="0" anchor="ctr">
-            <a:normAutofit/>
-          </a:bodyPr>
-          <a:lstStyle>
-            <a:lvl1pPr algn="ctr" defTabSz="914400" rtl="0" eaLnBrk="1" latinLnBrk="0" hangingPunct="1">
-              <a:spcBef>
-                <a:spcPct val="0"/>
-              </a:spcBef>
-              <a:buNone/>
-              <a:defRPr sz="4400" kern="1200">
-                <a:solidFill>
-                  <a:schemeClr val="tx1"/>
-                </a:solidFill>
-                <a:latin typeface="+mj-lt"/>
-                <a:ea typeface="+mj-ea"/>
-                <a:cs typeface="+mj-cs"/>
-              </a:defRPr>
-            </a:lvl1pPr>
-          </a:lstStyle>
-          <a:p>
-            <a:r>
-              <a:rPr lang="de-DE" dirty="0" smtClean="0"/>
-              <a:t>Soll-Ist-Vergleich</a:t>
-            </a:r>
-            <a:endParaRPr lang="de-DE" dirty="0"/>
-          </a:p>
-        </p:txBody>
-      </p:sp>
-    </p:spTree>
-    <p:extLst>
-      <p:ext uri="{BB962C8B-B14F-4D97-AF65-F5344CB8AC3E}">
-        <p14:creationId xmlns:p14="http://schemas.microsoft.com/office/powerpoint/2010/main" val="4058453900"/>
-      </p:ext>
-    </p:extLst>
-  </p:cSld>
-  <p:clrMapOvr>
-    <a:masterClrMapping/>
-  </p:clrMapOvr>
-  <p:timing>
-    <p:tnLst>
-      <p:par>
-        <p:cTn id="1" dur="indefinite" restart="never" nodeType="tmRoot"/>
-      </p:par>
-    </p:tnLst>
-  </p:timing>
-</p:sld>
-</file>
-
-<file path=ppt/slides/slide4.xml><?xml version="1.0" encoding="utf-8"?>
-<p:sld xmlns:a="http://schemas.openxmlformats.org/drawingml/2006/main" xmlns:r="http://schemas.openxmlformats.org/officeDocument/2006/relationships" xmlns:p="http://schemas.openxmlformats.org/presentationml/2006/main">
-  <p:cSld>
-    <p:spTree>
-      <p:nvGrpSpPr>
-        <p:cNvPr id="1" name=""/>
-        <p:cNvGrpSpPr/>
-        <p:nvPr/>
-      </p:nvGrpSpPr>
-      <p:grpSpPr>
-        <a:xfrm>
-          <a:off x="0" y="0"/>
-          <a:ext cx="0" cy="0"/>
-          <a:chOff x="0" y="0"/>
-          <a:chExt cx="0" cy="0"/>
-        </a:xfrm>
-      </p:grpSpPr>
-      <p:sp>
-        <p:nvSpPr>
-          <p:cNvPr id="2" name="Titel 1"/>
-          <p:cNvSpPr txBox="1">
-            <a:spLocks/>
-          </p:cNvSpPr>
-          <p:nvPr/>
-        </p:nvSpPr>
-        <p:spPr>
-          <a:xfrm>
-            <a:off x="457200" y="274638"/>
-            <a:ext cx="8229600" cy="1143000"/>
-          </a:xfrm>
-          <a:prstGeom prst="rect">
-            <a:avLst/>
-          </a:prstGeom>
-        </p:spPr>
-        <p:txBody>
-          <a:bodyPr vert="horz" lIns="91440" tIns="45720" rIns="91440" bIns="45720" rtlCol="0" anchor="ctr">
-            <a:normAutofit/>
-          </a:bodyPr>
-          <a:lstStyle>
-            <a:lvl1pPr algn="ctr" defTabSz="914400" rtl="0" eaLnBrk="1" latinLnBrk="0" hangingPunct="1">
-              <a:spcBef>
-                <a:spcPct val="0"/>
-              </a:spcBef>
-              <a:buNone/>
-              <a:defRPr sz="4400" kern="1200">
-                <a:solidFill>
-                  <a:schemeClr val="tx1"/>
-                </a:solidFill>
-                <a:latin typeface="+mj-lt"/>
-                <a:ea typeface="+mj-ea"/>
-                <a:cs typeface="+mj-cs"/>
-              </a:defRPr>
-            </a:lvl1pPr>
-          </a:lstStyle>
-          <a:p>
-            <a:r>
-              <a:rPr lang="de-DE" smtClean="0"/>
-              <a:t>Was wurde getestet</a:t>
-            </a:r>
-            <a:endParaRPr lang="de-DE" dirty="0"/>
-          </a:p>
-        </p:txBody>
-      </p:sp>
-      <p:sp>
-        <p:nvSpPr>
-          <p:cNvPr id="4" name="Inhaltsplatzhalter 2"/>
-          <p:cNvSpPr txBox="1">
-            <a:spLocks/>
-          </p:cNvSpPr>
-          <p:nvPr/>
-        </p:nvSpPr>
-        <p:spPr bwMode="auto">
-          <a:xfrm>
-            <a:off x="457200" y="1600200"/>
-            <a:ext cx="8229600" cy="4525963"/>
+            <a:off x="971600" y="1883101"/>
+            <a:ext cx="7200800" cy="3960162"/>
           </a:xfrm>
           <a:prstGeom prst="rect">
             <a:avLst/>
@@ -4231,7 +6086,52 @@
               <a:tabLst/>
               <a:defRPr/>
             </a:pPr>
-            <a:endParaRPr kumimoji="0" lang="de-DE" sz="3200" b="0" i="0" u="none" strike="noStrike" kern="1200" cap="none" spc="0" normalizeH="0" baseline="0" noProof="0" dirty="0" smtClean="0">
+            <a:r>
+              <a:rPr kumimoji="0" lang="de-DE" sz="2400" b="0" i="0" u="none" strike="noStrike" kern="1200" cap="none" spc="0" normalizeH="0" baseline="0" noProof="0" dirty="0" smtClean="0">
+                <a:ln>
+                  <a:noFill/>
+                </a:ln>
+                <a:solidFill>
+                  <a:sysClr val="windowText" lastClr="000000"/>
+                </a:solidFill>
+                <a:effectLst/>
+                <a:uLnTx/>
+                <a:uFillTx/>
+                <a:latin typeface="Rockwell" pitchFamily="18" charset="0"/>
+              </a:rPr>
+              <a:t>Testdaten</a:t>
+            </a:r>
+            <a:r>
+              <a:rPr kumimoji="0" lang="de-DE" sz="2400" b="0" i="0" u="none" strike="noStrike" kern="1200" cap="none" spc="0" normalizeH="0" noProof="0" dirty="0" smtClean="0">
+                <a:ln>
+                  <a:noFill/>
+                </a:ln>
+                <a:solidFill>
+                  <a:sysClr val="windowText" lastClr="000000"/>
+                </a:solidFill>
+                <a:effectLst/>
+                <a:uLnTx/>
+                <a:uFillTx/>
+                <a:latin typeface="Rockwell" pitchFamily="18" charset="0"/>
+              </a:rPr>
+              <a:t> </a:t>
+            </a:r>
+            <a:r>
+              <a:rPr kumimoji="0" lang="de-DE" sz="2400" b="0" i="0" u="none" strike="noStrike" kern="1200" cap="none" spc="0" normalizeH="0" noProof="0" dirty="0" smtClean="0">
+                <a:ln>
+                  <a:noFill/>
+                </a:ln>
+                <a:solidFill>
+                  <a:sysClr val="windowText" lastClr="000000"/>
+                </a:solidFill>
+                <a:effectLst/>
+                <a:uLnTx/>
+                <a:uFillTx/>
+                <a:latin typeface="Rockwell" pitchFamily="18" charset="0"/>
+              </a:rPr>
+              <a:t>in Datenbank</a:t>
+            </a:r>
+            <a:endParaRPr kumimoji="0" lang="de-DE" sz="2400" b="0" i="0" u="none" strike="noStrike" kern="1200" cap="none" spc="0" normalizeH="0" baseline="0" noProof="0" dirty="0" smtClean="0">
               <a:ln>
                 <a:noFill/>
               </a:ln>
@@ -4241,76 +6141,7 @@
               <a:effectLst/>
               <a:uLnTx/>
               <a:uFillTx/>
-              <a:latin typeface="Calibri Light"/>
-              <a:ea typeface="+mn-ea"/>
-              <a:cs typeface="+mn-cs"/>
-            </a:endParaRPr>
-          </a:p>
-          <a:p>
-            <a:pPr marL="342900" marR="0" lvl="0" indent="-342900" algn="l" defTabSz="914400" rtl="0" eaLnBrk="1" fontAlgn="base" latinLnBrk="0" hangingPunct="1">
-              <a:lnSpc>
-                <a:spcPct val="100000"/>
-              </a:lnSpc>
-              <a:spcBef>
-                <a:spcPct val="20000"/>
-              </a:spcBef>
-              <a:spcAft>
-                <a:spcPct val="0"/>
-              </a:spcAft>
-              <a:buClrTx/>
-              <a:buSzTx/>
-              <a:buFont typeface="Arial" pitchFamily="34" charset="0"/>
-              <a:buChar char="•"/>
-              <a:tabLst/>
-              <a:defRPr/>
-            </a:pPr>
-            <a:r>
-              <a:rPr kumimoji="0" lang="de-DE" sz="3200" b="0" i="0" u="none" strike="noStrike" kern="1200" cap="none" spc="0" normalizeH="0" baseline="0" noProof="0" dirty="0" smtClean="0">
-                <a:ln>
-                  <a:noFill/>
-                </a:ln>
-                <a:solidFill>
-                  <a:sysClr val="windowText" lastClr="000000"/>
-                </a:solidFill>
-                <a:effectLst/>
-                <a:uLnTx/>
-                <a:uFillTx/>
-                <a:latin typeface="Calibri Light"/>
-                <a:ea typeface="+mn-ea"/>
-                <a:cs typeface="+mn-cs"/>
-              </a:rPr>
-              <a:t>Testdaten</a:t>
-            </a:r>
-            <a:r>
-              <a:rPr kumimoji="0" lang="de-DE" sz="3200" b="0" i="0" u="none" strike="noStrike" kern="1200" cap="none" spc="0" normalizeH="0" noProof="0" dirty="0" smtClean="0">
-                <a:ln>
-                  <a:noFill/>
-                </a:ln>
-                <a:solidFill>
-                  <a:sysClr val="windowText" lastClr="000000"/>
-                </a:solidFill>
-                <a:effectLst/>
-                <a:uLnTx/>
-                <a:uFillTx/>
-                <a:latin typeface="Calibri Light"/>
-                <a:ea typeface="+mn-ea"/>
-                <a:cs typeface="+mn-cs"/>
-              </a:rPr>
-              <a:t> in Datenbank</a:t>
-            </a:r>
-            <a:endParaRPr kumimoji="0" lang="de-DE" sz="3200" b="0" i="0" u="none" strike="noStrike" kern="1200" cap="none" spc="0" normalizeH="0" baseline="0" noProof="0" dirty="0" smtClean="0">
-              <a:ln>
-                <a:noFill/>
-              </a:ln>
-              <a:solidFill>
-                <a:sysClr val="windowText" lastClr="000000"/>
-              </a:solidFill>
-              <a:effectLst/>
-              <a:uLnTx/>
-              <a:uFillTx/>
-              <a:latin typeface="Calibri Light"/>
-              <a:ea typeface="+mn-ea"/>
-              <a:cs typeface="+mn-cs"/>
+              <a:latin typeface="Rockwell" pitchFamily="18" charset="0"/>
             </a:endParaRPr>
           </a:p>
           <a:p>
@@ -4332,7 +6163,7 @@
               <a:defRPr/>
             </a:pPr>
             <a:r>
-              <a:rPr kumimoji="0" lang="de-DE" sz="2800" b="0" i="0" u="none" strike="noStrike" kern="1200" cap="none" spc="0" normalizeH="0" baseline="0" noProof="0" dirty="0" smtClean="0">
+              <a:rPr kumimoji="0" lang="de-DE" sz="2400" b="0" i="0" u="none" strike="noStrike" kern="1200" cap="none" spc="0" normalizeH="0" baseline="0" noProof="0" dirty="0" smtClean="0">
                 <a:ln>
                   <a:noFill/>
                 </a:ln>
@@ -4342,9 +6173,7 @@
                 <a:effectLst/>
                 <a:uLnTx/>
                 <a:uFillTx/>
-                <a:latin typeface="Calibri Light"/>
-                <a:ea typeface="+mn-ea"/>
-                <a:cs typeface="+mn-cs"/>
+                <a:latin typeface="Rockwell" pitchFamily="18" charset="0"/>
               </a:rPr>
               <a:t>Lehrer</a:t>
             </a:r>
@@ -4368,7 +6197,7 @@
               <a:defRPr/>
             </a:pPr>
             <a:r>
-              <a:rPr kumimoji="0" lang="de-DE" sz="2800" b="0" i="0" u="none" strike="noStrike" kern="1200" cap="none" spc="0" normalizeH="0" baseline="0" noProof="0" dirty="0" smtClean="0">
+              <a:rPr kumimoji="0" lang="de-DE" sz="2400" b="0" i="0" u="none" strike="noStrike" kern="1200" cap="none" spc="0" normalizeH="0" baseline="0" noProof="0" dirty="0" smtClean="0">
                 <a:ln>
                   <a:noFill/>
                 </a:ln>
@@ -4378,9 +6207,7 @@
                 <a:effectLst/>
                 <a:uLnTx/>
                 <a:uFillTx/>
-                <a:latin typeface="Calibri Light"/>
-                <a:ea typeface="+mn-ea"/>
-                <a:cs typeface="+mn-cs"/>
+                <a:latin typeface="Rockwell" pitchFamily="18" charset="0"/>
               </a:rPr>
               <a:t>Protokolle</a:t>
             </a:r>
@@ -4404,7 +6231,7 @@
               <a:defRPr/>
             </a:pPr>
             <a:r>
-              <a:rPr kumimoji="0" lang="de-DE" sz="2800" b="0" i="0" u="none" strike="noStrike" kern="1200" cap="none" spc="0" normalizeH="0" baseline="0" noProof="0" dirty="0" smtClean="0">
+              <a:rPr kumimoji="0" lang="de-DE" sz="2400" b="0" i="0" u="none" strike="noStrike" kern="1200" cap="none" spc="0" normalizeH="0" baseline="0" noProof="0" dirty="0" smtClean="0">
                 <a:ln>
                   <a:noFill/>
                 </a:ln>
@@ -4414,9 +6241,7 @@
                 <a:effectLst/>
                 <a:uLnTx/>
                 <a:uFillTx/>
-                <a:latin typeface="Calibri Light"/>
-                <a:ea typeface="+mn-ea"/>
-                <a:cs typeface="+mn-cs"/>
+                <a:latin typeface="Rockwell" pitchFamily="18" charset="0"/>
               </a:rPr>
               <a:t>Gruppen</a:t>
             </a:r>
@@ -4440,7 +6265,7 @@
               <a:defRPr/>
             </a:pPr>
             <a:r>
-              <a:rPr kumimoji="0" lang="de-DE" sz="2800" b="0" i="0" u="none" strike="noStrike" kern="1200" cap="none" spc="0" normalizeH="0" baseline="0" noProof="0" dirty="0" smtClean="0">
+              <a:rPr kumimoji="0" lang="de-DE" sz="2400" b="0" i="0" u="none" strike="noStrike" kern="1200" cap="none" spc="0" normalizeH="0" baseline="0" noProof="0" dirty="0" smtClean="0">
                 <a:ln>
                   <a:noFill/>
                 </a:ln>
@@ -4450,9 +6275,7 @@
                 <a:effectLst/>
                 <a:uLnTx/>
                 <a:uFillTx/>
-                <a:latin typeface="Calibri Light"/>
-                <a:ea typeface="+mn-ea"/>
-                <a:cs typeface="+mn-cs"/>
+                <a:latin typeface="Rockwell" pitchFamily="18" charset="0"/>
               </a:rPr>
               <a:t>TOPs</a:t>
             </a:r>
@@ -4474,7 +6297,7 @@
               <a:tabLst/>
               <a:defRPr/>
             </a:pPr>
-            <a:endParaRPr kumimoji="0" lang="de-DE" sz="3200" b="0" i="0" u="none" strike="noStrike" kern="1200" cap="none" spc="0" normalizeH="0" baseline="0" noProof="0" dirty="0" smtClean="0">
+            <a:endParaRPr kumimoji="0" lang="de-DE" sz="2400" b="0" i="0" u="none" strike="noStrike" kern="1200" cap="none" spc="0" normalizeH="0" baseline="0" noProof="0" dirty="0" smtClean="0">
               <a:ln>
                 <a:noFill/>
               </a:ln>
@@ -4484,9 +6307,7 @@
               <a:effectLst/>
               <a:uLnTx/>
               <a:uFillTx/>
-              <a:latin typeface="Calibri Light"/>
-              <a:ea typeface="+mn-ea"/>
-              <a:cs typeface="+mn-cs"/>
+              <a:latin typeface="Rockwell" pitchFamily="18" charset="0"/>
             </a:endParaRPr>
           </a:p>
           <a:p>
@@ -4506,11 +6327,11 @@
               <a:tabLst/>
               <a:defRPr/>
             </a:pPr>
-            <a:endParaRPr lang="de-DE" dirty="0" smtClean="0">
+            <a:endParaRPr lang="de-DE" sz="2400" dirty="0">
               <a:solidFill>
                 <a:sysClr val="windowText" lastClr="000000"/>
               </a:solidFill>
-              <a:latin typeface="Calibri Light"/>
+              <a:latin typeface="Rockwell" pitchFamily="18" charset="0"/>
             </a:endParaRPr>
           </a:p>
           <a:p>
@@ -4530,16 +6351,22 @@
               <a:tabLst/>
               <a:defRPr/>
             </a:pPr>
-            <a:endParaRPr lang="de-DE" dirty="0">
+            <a:endParaRPr kumimoji="0" lang="de-DE" sz="2400" b="0" i="0" u="none" strike="noStrike" kern="1200" cap="none" spc="0" normalizeH="0" baseline="0" noProof="0" dirty="0" smtClean="0">
+              <a:ln>
+                <a:noFill/>
+              </a:ln>
               <a:solidFill>
                 <a:sysClr val="windowText" lastClr="000000"/>
               </a:solidFill>
-              <a:latin typeface="Calibri Light"/>
+              <a:effectLst/>
+              <a:uLnTx/>
+              <a:uFillTx/>
+              <a:latin typeface="Rockwell" pitchFamily="18" charset="0"/>
             </a:endParaRPr>
           </a:p>
           <a:p>
             <a:r>
-              <a:rPr kumimoji="0" lang="de-DE" sz="3200" b="0" i="0" u="none" strike="noStrike" kern="1200" cap="none" spc="0" normalizeH="0" baseline="0" noProof="0" dirty="0" smtClean="0">
+              <a:rPr kumimoji="0" lang="de-DE" sz="2400" b="0" i="0" u="none" strike="noStrike" kern="1200" cap="none" spc="0" normalizeH="0" baseline="0" noProof="0" dirty="0" smtClean="0">
                 <a:ln>
                   <a:noFill/>
                 </a:ln>
@@ -4549,62 +6376,12 @@
                 <a:effectLst/>
                 <a:uLnTx/>
                 <a:uFillTx/>
-                <a:latin typeface="Calibri Light"/>
-                <a:ea typeface="+mn-ea"/>
-                <a:cs typeface="+mn-cs"/>
+                <a:latin typeface="Rockwell" pitchFamily="18" charset="0"/>
               </a:rPr>
-              <a:t>Zugriff von überall</a:t>
-            </a:r>
-          </a:p>
-          <a:p>
-            <a:pPr lvl="1"/>
-            <a:r>
-              <a:rPr lang="de-DE" sz="2800" dirty="0" smtClean="0">
-                <a:solidFill>
-                  <a:sysClr val="windowText" lastClr="000000"/>
-                </a:solidFill>
-                <a:latin typeface="Calibri Light"/>
-              </a:rPr>
-              <a:t>Zuhause, Windows</a:t>
-            </a:r>
-            <a:endParaRPr lang="de-DE" dirty="0">
-              <a:solidFill>
-                <a:sysClr val="windowText" lastClr="000000"/>
-              </a:solidFill>
-              <a:latin typeface="Calibri Light"/>
-            </a:endParaRPr>
-          </a:p>
-          <a:p>
-            <a:pPr lvl="1"/>
-            <a:r>
-              <a:rPr lang="de-DE" dirty="0">
-                <a:solidFill>
-                  <a:sysClr val="windowText" lastClr="000000"/>
-                </a:solidFill>
-                <a:latin typeface="Calibri Light"/>
-              </a:rPr>
-              <a:t>Zuhause, </a:t>
-            </a:r>
-            <a:r>
-              <a:rPr lang="de-DE" dirty="0" smtClean="0">
-                <a:solidFill>
-                  <a:sysClr val="windowText" lastClr="000000"/>
-                </a:solidFill>
-                <a:latin typeface="Calibri Light"/>
-              </a:rPr>
-              <a:t>Linux</a:t>
-            </a:r>
-            <a:endParaRPr lang="de-DE" sz="2800" dirty="0" smtClean="0">
-              <a:solidFill>
-                <a:sysClr val="windowText" lastClr="000000"/>
-              </a:solidFill>
-              <a:latin typeface="Calibri Light"/>
-            </a:endParaRPr>
-          </a:p>
-          <a:p>
-            <a:pPr lvl="1"/>
-            <a:r>
-              <a:rPr kumimoji="0" lang="de-DE" b="0" i="0" u="none" strike="noStrike" kern="1200" cap="none" spc="0" normalizeH="0" baseline="0" noProof="0" dirty="0" smtClean="0">
+              <a:t>Zugriff </a:t>
+            </a:r>
+            <a:r>
+              <a:rPr kumimoji="0" lang="de-DE" sz="2400" b="0" i="0" u="none" strike="noStrike" kern="1200" cap="none" spc="0" normalizeH="0" baseline="0" noProof="0" dirty="0" smtClean="0">
                 <a:ln>
                   <a:noFill/>
                 </a:ln>
@@ -4614,35 +6391,54 @@
                 <a:effectLst/>
                 <a:uLnTx/>
                 <a:uFillTx/>
-                <a:latin typeface="Calibri Light"/>
-                <a:ea typeface="+mn-ea"/>
-                <a:cs typeface="+mn-cs"/>
+                <a:latin typeface="Rockwell" pitchFamily="18" charset="0"/>
               </a:rPr>
-              <a:t>Schule, Windows</a:t>
+              <a:t>von überall</a:t>
             </a:r>
           </a:p>
           <a:p>
             <a:pPr lvl="1"/>
             <a:r>
-              <a:rPr lang="de-DE" sz="2800" dirty="0" smtClean="0">
+              <a:rPr lang="de-DE" sz="2400" dirty="0" smtClean="0">
                 <a:solidFill>
                   <a:sysClr val="windowText" lastClr="000000"/>
                 </a:solidFill>
-                <a:latin typeface="Calibri Light"/>
+                <a:latin typeface="Rockwell" pitchFamily="18" charset="0"/>
               </a:rPr>
-              <a:t>Unterwegs, </a:t>
-            </a:r>
-            <a:r>
-              <a:rPr lang="de-DE" sz="2800" dirty="0" err="1" smtClean="0">
+              <a:t>Zuhause, Windows</a:t>
+            </a:r>
+            <a:endParaRPr lang="de-DE" sz="2400" dirty="0">
+              <a:solidFill>
+                <a:sysClr val="windowText" lastClr="000000"/>
+              </a:solidFill>
+              <a:latin typeface="Rockwell" pitchFamily="18" charset="0"/>
+            </a:endParaRPr>
+          </a:p>
+          <a:p>
+            <a:pPr lvl="1"/>
+            <a:r>
+              <a:rPr lang="de-DE" sz="2400" dirty="0">
                 <a:solidFill>
                   <a:sysClr val="windowText" lastClr="000000"/>
                 </a:solidFill>
-                <a:latin typeface="Calibri Light"/>
+                <a:latin typeface="Rockwell" pitchFamily="18" charset="0"/>
               </a:rPr>
-              <a:t>Android</a:t>
-            </a:r>
-            <a:r>
-              <a:rPr kumimoji="0" lang="de-DE" sz="2800" b="0" i="0" u="none" strike="noStrike" kern="1200" cap="none" spc="0" normalizeH="0" baseline="0" noProof="0" dirty="0" smtClean="0">
+              <a:t>Zuhause, </a:t>
+            </a:r>
+            <a:r>
+              <a:rPr lang="de-DE" sz="2400" dirty="0" smtClean="0">
+                <a:solidFill>
+                  <a:sysClr val="windowText" lastClr="000000"/>
+                </a:solidFill>
+                <a:latin typeface="Rockwell" pitchFamily="18" charset="0"/>
+              </a:rPr>
+              <a:t>Linux</a:t>
+            </a:r>
+          </a:p>
+          <a:p>
+            <a:pPr lvl="1"/>
+            <a:r>
+              <a:rPr kumimoji="0" lang="de-DE" sz="2400" b="0" i="0" u="none" strike="noStrike" kern="1200" cap="none" spc="0" normalizeH="0" baseline="0" noProof="0" dirty="0" smtClean="0">
                 <a:ln>
                   <a:noFill/>
                 </a:ln>
@@ -4652,34 +6448,56 @@
                 <a:effectLst/>
                 <a:uLnTx/>
                 <a:uFillTx/>
-                <a:latin typeface="Calibri Light"/>
-                <a:ea typeface="+mn-ea"/>
-                <a:cs typeface="+mn-cs"/>
+                <a:latin typeface="Rockwell" pitchFamily="18" charset="0"/>
               </a:rPr>
-              <a:t> </a:t>
+              <a:t>Schule, Windows</a:t>
             </a:r>
           </a:p>
           <a:p>
             <a:pPr lvl="1"/>
             <a:r>
-              <a:rPr lang="de-DE" dirty="0" smtClean="0">
+              <a:rPr lang="de-DE" sz="2400" dirty="0" smtClean="0">
                 <a:solidFill>
                   <a:sysClr val="windowText" lastClr="000000"/>
                 </a:solidFill>
-                <a:latin typeface="Calibri Light"/>
+                <a:latin typeface="Rockwell" pitchFamily="18" charset="0"/>
               </a:rPr>
-              <a:t>Unterwegs, </a:t>
-            </a:r>
-            <a:r>
-              <a:rPr lang="de-DE" dirty="0" err="1" smtClean="0">
+              <a:t>Unterwegs</a:t>
+            </a:r>
+            <a:r>
+              <a:rPr lang="de-DE" sz="2400" dirty="0" smtClean="0">
                 <a:solidFill>
                   <a:sysClr val="windowText" lastClr="000000"/>
                 </a:solidFill>
-                <a:latin typeface="Calibri Light"/>
+                <a:latin typeface="Rockwell" pitchFamily="18" charset="0"/>
+              </a:rPr>
+              <a:t>, Android</a:t>
+            </a:r>
+            <a:r>
+              <a:rPr lang="de-DE" sz="2400" dirty="0" smtClean="0">
+                <a:solidFill>
+                  <a:sysClr val="windowText" lastClr="000000"/>
+                </a:solidFill>
+                <a:latin typeface="Rockwell" pitchFamily="18" charset="0"/>
+              </a:rPr>
+              <a:t> &amp; </a:t>
+            </a:r>
+            <a:r>
+              <a:rPr kumimoji="0" lang="de-DE" sz="2400" b="0" i="0" u="none" strike="noStrike" kern="1200" cap="none" spc="0" normalizeH="0" baseline="0" noProof="0" dirty="0" smtClean="0">
+                <a:ln>
+                  <a:noFill/>
+                </a:ln>
+                <a:solidFill>
+                  <a:sysClr val="windowText" lastClr="000000"/>
+                </a:solidFill>
+                <a:effectLst/>
+                <a:uLnTx/>
+                <a:uFillTx/>
+                <a:latin typeface="Rockwell" pitchFamily="18" charset="0"/>
               </a:rPr>
               <a:t>iOS</a:t>
             </a:r>
-            <a:endParaRPr kumimoji="0" lang="de-DE" sz="3200" b="0" i="0" u="none" strike="noStrike" kern="1200" cap="none" spc="0" normalizeH="0" baseline="0" noProof="0" dirty="0" smtClean="0">
+            <a:endParaRPr kumimoji="0" lang="de-DE" sz="2400" b="0" i="0" u="none" strike="noStrike" kern="1200" cap="none" spc="0" normalizeH="0" baseline="0" noProof="0" dirty="0">
               <a:ln>
                 <a:noFill/>
               </a:ln>
@@ -4689,42 +6507,7 @@
               <a:effectLst/>
               <a:uLnTx/>
               <a:uFillTx/>
-              <a:latin typeface="Calibri Light"/>
-              <a:ea typeface="+mn-ea"/>
-              <a:cs typeface="+mn-cs"/>
-            </a:endParaRPr>
-          </a:p>
-          <a:p>
-            <a:pPr marL="342900" marR="0" lvl="0" indent="-342900" algn="l" defTabSz="914400" rtl="0" eaLnBrk="1" fontAlgn="base" latinLnBrk="0" hangingPunct="1">
-              <a:lnSpc>
-                <a:spcPct val="100000"/>
-              </a:lnSpc>
-              <a:spcBef>
-                <a:spcPct val="20000"/>
-              </a:spcBef>
-              <a:spcAft>
-                <a:spcPct val="0"/>
-              </a:spcAft>
-              <a:buClrTx/>
-              <a:buSzTx/>
-              <a:buFont typeface="Arial" pitchFamily="34" charset="0"/>
-              <a:buChar char="•"/>
-              <a:tabLst/>
-              <a:defRPr/>
-            </a:pPr>
-            <a:endParaRPr kumimoji="0" lang="de-DE" sz="3200" b="0" i="0" u="none" strike="noStrike" kern="1200" cap="none" spc="0" normalizeH="0" baseline="0" noProof="0" dirty="0">
-              <a:ln>
-                <a:noFill/>
-              </a:ln>
-              <a:solidFill>
-                <a:sysClr val="windowText" lastClr="000000"/>
-              </a:solidFill>
-              <a:effectLst/>
-              <a:uLnTx/>
-              <a:uFillTx/>
-              <a:latin typeface="Calibri Light"/>
-              <a:ea typeface="+mn-ea"/>
-              <a:cs typeface="+mn-cs"/>
+              <a:latin typeface="Rockwell" pitchFamily="18" charset="0"/>
             </a:endParaRPr>
           </a:p>
         </p:txBody>
@@ -4732,7 +6515,670 @@
     </p:spTree>
     <p:extLst>
       <p:ext uri="{BB962C8B-B14F-4D97-AF65-F5344CB8AC3E}">
-        <p14:creationId xmlns:p14="http://schemas.microsoft.com/office/powerpoint/2010/main" val="4058453900"/>
+        <p14:creationId xmlns:p14="http://schemas.microsoft.com/office/powerpoint/2010/main" val="3090941573"/>
+      </p:ext>
+    </p:extLst>
+  </p:cSld>
+  <p:clrMapOvr>
+    <a:masterClrMapping/>
+  </p:clrMapOvr>
+  <p:timing>
+    <p:tnLst>
+      <p:par>
+        <p:cTn id="1" dur="indefinite" restart="never" nodeType="tmRoot"/>
+      </p:par>
+    </p:tnLst>
+  </p:timing>
+</p:sld>
+</file>
+
+<file path=ppt/slides/slide12.xml><?xml version="1.0" encoding="utf-8"?>
+<p:sld xmlns:a="http://schemas.openxmlformats.org/drawingml/2006/main" xmlns:r="http://schemas.openxmlformats.org/officeDocument/2006/relationships" xmlns:p="http://schemas.openxmlformats.org/presentationml/2006/main">
+  <p:cSld>
+    <p:spTree>
+      <p:nvGrpSpPr>
+        <p:cNvPr id="1" name=""/>
+        <p:cNvGrpSpPr/>
+        <p:nvPr/>
+      </p:nvGrpSpPr>
+      <p:grpSpPr>
+        <a:xfrm>
+          <a:off x="0" y="0"/>
+          <a:ext cx="0" cy="0"/>
+          <a:chOff x="0" y="0"/>
+          <a:chExt cx="0" cy="0"/>
+        </a:xfrm>
+      </p:grpSpPr>
+      <p:sp>
+        <p:nvSpPr>
+          <p:cNvPr id="2" name="Titel 1"/>
+          <p:cNvSpPr>
+            <a:spLocks noGrp="1"/>
+          </p:cNvSpPr>
+          <p:nvPr>
+            <p:ph type="title"/>
+          </p:nvPr>
+        </p:nvSpPr>
+        <p:spPr/>
+        <p:txBody>
+          <a:bodyPr/>
+          <a:lstStyle/>
+          <a:p>
+            <a:r>
+              <a:rPr lang="de-DE" b="1" dirty="0">
+                <a:latin typeface="Century Gothic" pitchFamily="34" charset="0"/>
+              </a:rPr>
+              <a:t>Fazit</a:t>
+            </a:r>
+            <a:endParaRPr lang="de-DE" dirty="0"/>
+          </a:p>
+        </p:txBody>
+      </p:sp>
+      <p:sp>
+        <p:nvSpPr>
+          <p:cNvPr id="5" name="Inhaltsplatzhalter 2"/>
+          <p:cNvSpPr>
+            <a:spLocks noGrp="1"/>
+          </p:cNvSpPr>
+          <p:nvPr>
+            <p:ph idx="1"/>
+          </p:nvPr>
+        </p:nvSpPr>
+        <p:spPr>
+          <a:xfrm>
+            <a:off x="1463040" y="2119257"/>
+            <a:ext cx="6196405" cy="3603812"/>
+          </a:xfrm>
+        </p:spPr>
+        <p:txBody>
+          <a:bodyPr numCol="2"/>
+          <a:lstStyle/>
+          <a:p>
+            <a:endParaRPr lang="de-DE" dirty="0" smtClean="0">
+              <a:latin typeface="Rockwell" pitchFamily="18" charset="0"/>
+            </a:endParaRPr>
+          </a:p>
+          <a:p>
+            <a:endParaRPr lang="de-DE" dirty="0">
+              <a:latin typeface="Rockwell" pitchFamily="18" charset="0"/>
+            </a:endParaRPr>
+          </a:p>
+          <a:p>
+            <a:endParaRPr lang="de-DE" dirty="0" smtClean="0">
+              <a:latin typeface="Rockwell" pitchFamily="18" charset="0"/>
+            </a:endParaRPr>
+          </a:p>
+          <a:p>
+            <a:endParaRPr lang="de-DE" dirty="0">
+              <a:latin typeface="Rockwell" pitchFamily="18" charset="0"/>
+            </a:endParaRPr>
+          </a:p>
+          <a:p>
+            <a:endParaRPr lang="de-DE" dirty="0" smtClean="0">
+              <a:latin typeface="Rockwell" pitchFamily="18" charset="0"/>
+            </a:endParaRPr>
+          </a:p>
+          <a:p>
+            <a:endParaRPr lang="de-DE" dirty="0">
+              <a:latin typeface="Rockwell" pitchFamily="18" charset="0"/>
+            </a:endParaRPr>
+          </a:p>
+          <a:p>
+            <a:endParaRPr lang="de-DE" dirty="0" smtClean="0">
+              <a:latin typeface="Rockwell" pitchFamily="18" charset="0"/>
+            </a:endParaRPr>
+          </a:p>
+          <a:p>
+            <a:endParaRPr lang="de-DE" dirty="0">
+              <a:latin typeface="Rockwell" pitchFamily="18" charset="0"/>
+            </a:endParaRPr>
+          </a:p>
+          <a:p>
+            <a:r>
+              <a:rPr lang="de-DE" dirty="0" smtClean="0">
+                <a:latin typeface="Rockwell" pitchFamily="18" charset="0"/>
+              </a:rPr>
+              <a:t>Zielerreichung</a:t>
+            </a:r>
+          </a:p>
+          <a:p>
+            <a:r>
+              <a:rPr lang="de-DE" dirty="0" smtClean="0">
+                <a:latin typeface="Rockwell" pitchFamily="18" charset="0"/>
+              </a:rPr>
+              <a:t>Gewonnene Kenntnisse</a:t>
+            </a:r>
+            <a:endParaRPr lang="de-DE" dirty="0" smtClean="0">
+              <a:latin typeface="Rockwell" pitchFamily="18" charset="0"/>
+            </a:endParaRPr>
+          </a:p>
+        </p:txBody>
+      </p:sp>
+      <p:pic>
+        <p:nvPicPr>
+          <p:cNvPr id="6" name="Grafik 5" descr="darts-155726_960_720.png"/>
+          <p:cNvPicPr>
+            <a:picLocks noChangeAspect="1"/>
+          </p:cNvPicPr>
+          <p:nvPr/>
+        </p:nvPicPr>
+        <p:blipFill>
+          <a:blip r:embed="rId2" cstate="print"/>
+          <a:stretch>
+            <a:fillRect/>
+          </a:stretch>
+        </p:blipFill>
+        <p:spPr>
+          <a:xfrm>
+            <a:off x="1571604" y="2071678"/>
+            <a:ext cx="2357454" cy="2611333"/>
+          </a:xfrm>
+          <a:prstGeom prst="rect">
+            <a:avLst/>
+          </a:prstGeom>
+        </p:spPr>
+      </p:pic>
+      <p:sp>
+        <p:nvSpPr>
+          <p:cNvPr id="7" name="Textfeld 6"/>
+          <p:cNvSpPr txBox="1"/>
+          <p:nvPr/>
+        </p:nvSpPr>
+        <p:spPr>
+          <a:xfrm>
+            <a:off x="1643042" y="4357694"/>
+            <a:ext cx="4143404" cy="246221"/>
+          </a:xfrm>
+          <a:prstGeom prst="rect">
+            <a:avLst/>
+          </a:prstGeom>
+          <a:noFill/>
+        </p:spPr>
+        <p:txBody>
+          <a:bodyPr wrap="square" rtlCol="0">
+            <a:spAutoFit/>
+          </a:bodyPr>
+          <a:lstStyle/>
+          <a:p>
+            <a:pPr marL="180975" indent="-180975">
+              <a:buClr>
+                <a:schemeClr val="accent1"/>
+              </a:buClr>
+            </a:pPr>
+            <a:r>
+              <a:rPr lang="de-DE" sz="1000" dirty="0" smtClean="0">
+                <a:latin typeface="Arial" pitchFamily="34" charset="0"/>
+                <a:cs typeface="Arial" pitchFamily="34" charset="0"/>
+              </a:rPr>
+              <a:t>pixabay.com (Copyright freie Bilder)</a:t>
+            </a:r>
+            <a:endParaRPr lang="de-DE" sz="1000" dirty="0" smtClean="0">
+              <a:latin typeface="Arial" pitchFamily="34" charset="0"/>
+              <a:cs typeface="Arial" pitchFamily="34" charset="0"/>
+            </a:endParaRPr>
+          </a:p>
+        </p:txBody>
+      </p:sp>
+    </p:spTree>
+    <p:extLst>
+      <p:ext uri="{BB962C8B-B14F-4D97-AF65-F5344CB8AC3E}">
+        <p14:creationId xmlns:p14="http://schemas.microsoft.com/office/powerpoint/2010/main" val="3340198099"/>
+      </p:ext>
+    </p:extLst>
+  </p:cSld>
+  <p:clrMapOvr>
+    <a:masterClrMapping/>
+  </p:clrMapOvr>
+  <p:timing>
+    <p:tnLst>
+      <p:par>
+        <p:cTn id="1" dur="indefinite" restart="never" nodeType="tmRoot"/>
+      </p:par>
+    </p:tnLst>
+  </p:timing>
+</p:sld>
+</file>
+
+<file path=ppt/slides/slide2.xml><?xml version="1.0" encoding="utf-8"?>
+<p:sld xmlns:a="http://schemas.openxmlformats.org/drawingml/2006/main" xmlns:r="http://schemas.openxmlformats.org/officeDocument/2006/relationships" xmlns:p="http://schemas.openxmlformats.org/presentationml/2006/main">
+  <p:cSld>
+    <p:spTree>
+      <p:nvGrpSpPr>
+        <p:cNvPr id="1" name=""/>
+        <p:cNvGrpSpPr/>
+        <p:nvPr/>
+      </p:nvGrpSpPr>
+      <p:grpSpPr>
+        <a:xfrm>
+          <a:off x="0" y="0"/>
+          <a:ext cx="0" cy="0"/>
+          <a:chOff x="0" y="0"/>
+          <a:chExt cx="0" cy="0"/>
+        </a:xfrm>
+      </p:grpSpPr>
+      <p:sp>
+        <p:nvSpPr>
+          <p:cNvPr id="4" name="Titel 3"/>
+          <p:cNvSpPr>
+            <a:spLocks noGrp="1"/>
+          </p:cNvSpPr>
+          <p:nvPr>
+            <p:ph type="title"/>
+          </p:nvPr>
+        </p:nvSpPr>
+        <p:spPr/>
+        <p:txBody>
+          <a:bodyPr/>
+          <a:lstStyle/>
+          <a:p>
+            <a:r>
+              <a:rPr lang="de-DE" b="1" dirty="0">
+                <a:latin typeface="Century Gothic" pitchFamily="34" charset="0"/>
+              </a:rPr>
+              <a:t>Inhaltsverzeichnis</a:t>
+            </a:r>
+            <a:endParaRPr lang="de-DE" dirty="0"/>
+          </a:p>
+        </p:txBody>
+      </p:sp>
+      <p:sp>
+        <p:nvSpPr>
+          <p:cNvPr id="5" name="Inhaltsplatzhalter 4"/>
+          <p:cNvSpPr>
+            <a:spLocks noGrp="1"/>
+          </p:cNvSpPr>
+          <p:nvPr>
+            <p:ph idx="1"/>
+          </p:nvPr>
+        </p:nvSpPr>
+        <p:spPr/>
+        <p:txBody>
+          <a:bodyPr/>
+          <a:lstStyle/>
+          <a:p>
+            <a:pPr>
+              <a:buFont typeface="Wingdings" pitchFamily="2" charset="2"/>
+              <a:buChar char="Ø"/>
+            </a:pPr>
+            <a:r>
+              <a:rPr lang="de-DE" dirty="0" smtClean="0">
+                <a:latin typeface="Rockwell" pitchFamily="18" charset="0"/>
+              </a:rPr>
+              <a:t>Projektvorstellung</a:t>
+            </a:r>
+            <a:endParaRPr lang="de-DE" dirty="0">
+              <a:latin typeface="Rockwell" pitchFamily="18" charset="0"/>
+            </a:endParaRPr>
+          </a:p>
+          <a:p>
+            <a:pPr>
+              <a:buFont typeface="Wingdings" pitchFamily="2" charset="2"/>
+              <a:buChar char="Ø"/>
+            </a:pPr>
+            <a:r>
+              <a:rPr lang="de-DE" dirty="0">
+                <a:latin typeface="Rockwell" pitchFamily="18" charset="0"/>
+              </a:rPr>
+              <a:t>Analyse</a:t>
+            </a:r>
+          </a:p>
+          <a:p>
+            <a:pPr>
+              <a:buFont typeface="Wingdings" pitchFamily="2" charset="2"/>
+              <a:buChar char="Ø"/>
+            </a:pPr>
+            <a:r>
+              <a:rPr lang="de-DE" dirty="0">
+                <a:latin typeface="Rockwell" pitchFamily="18" charset="0"/>
+              </a:rPr>
+              <a:t>Projektplanung</a:t>
+            </a:r>
+          </a:p>
+          <a:p>
+            <a:pPr>
+              <a:buFont typeface="Wingdings" pitchFamily="2" charset="2"/>
+              <a:buChar char="Ø"/>
+            </a:pPr>
+            <a:r>
+              <a:rPr lang="de-DE" dirty="0" smtClean="0">
+                <a:latin typeface="Rockwell" pitchFamily="18" charset="0"/>
+              </a:rPr>
+              <a:t>Entwurfsphase</a:t>
+            </a:r>
+            <a:endParaRPr lang="de-DE" dirty="0">
+              <a:latin typeface="Rockwell" pitchFamily="18" charset="0"/>
+            </a:endParaRPr>
+          </a:p>
+          <a:p>
+            <a:pPr>
+              <a:buFont typeface="Wingdings" pitchFamily="2" charset="2"/>
+              <a:buChar char="Ø"/>
+            </a:pPr>
+            <a:r>
+              <a:rPr lang="de-DE" dirty="0">
+                <a:latin typeface="Rockwell" pitchFamily="18" charset="0"/>
+              </a:rPr>
+              <a:t>Implementation</a:t>
+            </a:r>
+          </a:p>
+          <a:p>
+            <a:pPr>
+              <a:buFont typeface="Wingdings" pitchFamily="2" charset="2"/>
+              <a:buChar char="Ø"/>
+            </a:pPr>
+            <a:r>
+              <a:rPr lang="de-DE" dirty="0">
+                <a:latin typeface="Rockwell" pitchFamily="18" charset="0"/>
+              </a:rPr>
+              <a:t>Testphase</a:t>
+            </a:r>
+          </a:p>
+          <a:p>
+            <a:pPr>
+              <a:buFont typeface="Wingdings" pitchFamily="2" charset="2"/>
+              <a:buChar char="Ø"/>
+            </a:pPr>
+            <a:r>
+              <a:rPr lang="de-DE" dirty="0">
+                <a:latin typeface="Rockwell" pitchFamily="18" charset="0"/>
+              </a:rPr>
+              <a:t>Nutzung</a:t>
+            </a:r>
+          </a:p>
+          <a:p>
+            <a:pPr>
+              <a:buFont typeface="Wingdings" pitchFamily="2" charset="2"/>
+              <a:buChar char="Ø"/>
+            </a:pPr>
+            <a:r>
+              <a:rPr lang="de-DE" dirty="0" smtClean="0">
+                <a:latin typeface="Rockwell" pitchFamily="18" charset="0"/>
+              </a:rPr>
+              <a:t>Fazit</a:t>
+            </a:r>
+            <a:endParaRPr lang="de-DE" dirty="0">
+              <a:latin typeface="Rockwell" pitchFamily="18" charset="0"/>
+            </a:endParaRPr>
+          </a:p>
+        </p:txBody>
+      </p:sp>
+      <p:sp>
+        <p:nvSpPr>
+          <p:cNvPr id="6" name="Foliennummernplatzhalter 5"/>
+          <p:cNvSpPr>
+            <a:spLocks noGrp="1"/>
+          </p:cNvSpPr>
+          <p:nvPr>
+            <p:ph type="sldNum" sz="quarter" idx="12"/>
+          </p:nvPr>
+        </p:nvSpPr>
+        <p:spPr>
+          <a:xfrm>
+            <a:off x="7092280" y="5809152"/>
+            <a:ext cx="1131945" cy="365125"/>
+          </a:xfrm>
+        </p:spPr>
+        <p:txBody>
+          <a:bodyPr/>
+          <a:lstStyle/>
+          <a:p>
+            <a:fld id="{7E5C08A9-E730-4E67-A85A-88903A30B32B}" type="slidenum">
+              <a:rPr lang="de-DE" sz="1600" smtClean="0">
+                <a:latin typeface="Arial" pitchFamily="34" charset="0"/>
+                <a:cs typeface="Arial" pitchFamily="34" charset="0"/>
+              </a:rPr>
+              <a:t>2</a:t>
+            </a:fld>
+            <a:r>
+              <a:rPr lang="de-DE" sz="1600" dirty="0" smtClean="0">
+                <a:latin typeface="Arial" pitchFamily="34" charset="0"/>
+                <a:cs typeface="Arial" pitchFamily="34" charset="0"/>
+              </a:rPr>
+              <a:t> von 12</a:t>
+            </a:r>
+            <a:endParaRPr lang="de-DE" dirty="0">
+              <a:latin typeface="Arial" pitchFamily="34" charset="0"/>
+              <a:cs typeface="Arial" pitchFamily="34" charset="0"/>
+            </a:endParaRPr>
+          </a:p>
+        </p:txBody>
+      </p:sp>
+    </p:spTree>
+    <p:extLst>
+      <p:ext uri="{BB962C8B-B14F-4D97-AF65-F5344CB8AC3E}">
+        <p14:creationId xmlns:p14="http://schemas.microsoft.com/office/powerpoint/2010/main" val="3077080325"/>
+      </p:ext>
+    </p:extLst>
+  </p:cSld>
+  <p:clrMapOvr>
+    <a:masterClrMapping/>
+  </p:clrMapOvr>
+  <p:timing>
+    <p:tnLst>
+      <p:par>
+        <p:cTn id="1" dur="indefinite" restart="never" nodeType="tmRoot"/>
+      </p:par>
+    </p:tnLst>
+  </p:timing>
+</p:sld>
+</file>
+
+<file path=ppt/slides/slide3.xml><?xml version="1.0" encoding="utf-8"?>
+<p:sld xmlns:a="http://schemas.openxmlformats.org/drawingml/2006/main" xmlns:r="http://schemas.openxmlformats.org/officeDocument/2006/relationships" xmlns:p="http://schemas.openxmlformats.org/presentationml/2006/main">
+  <p:cSld>
+    <p:spTree>
+      <p:nvGrpSpPr>
+        <p:cNvPr id="1" name=""/>
+        <p:cNvGrpSpPr/>
+        <p:nvPr/>
+      </p:nvGrpSpPr>
+      <p:grpSpPr>
+        <a:xfrm>
+          <a:off x="0" y="0"/>
+          <a:ext cx="0" cy="0"/>
+          <a:chOff x="0" y="0"/>
+          <a:chExt cx="0" cy="0"/>
+        </a:xfrm>
+      </p:grpSpPr>
+      <p:sp>
+        <p:nvSpPr>
+          <p:cNvPr id="2" name="Titel 1"/>
+          <p:cNvSpPr>
+            <a:spLocks noGrp="1"/>
+          </p:cNvSpPr>
+          <p:nvPr>
+            <p:ph type="title"/>
+          </p:nvPr>
+        </p:nvSpPr>
+        <p:spPr/>
+        <p:txBody>
+          <a:bodyPr/>
+          <a:lstStyle/>
+          <a:p>
+            <a:r>
+              <a:rPr lang="de-DE" b="1" dirty="0">
+                <a:latin typeface="Century Gothic" pitchFamily="34" charset="0"/>
+              </a:rPr>
+              <a:t>Das Projekt</a:t>
+            </a:r>
+            <a:endParaRPr lang="de-DE" dirty="0"/>
+          </a:p>
+        </p:txBody>
+      </p:sp>
+      <p:sp>
+        <p:nvSpPr>
+          <p:cNvPr id="4" name="Inhaltsplatzhalter 2"/>
+          <p:cNvSpPr>
+            <a:spLocks noGrp="1"/>
+          </p:cNvSpPr>
+          <p:nvPr>
+            <p:ph idx="1"/>
+          </p:nvPr>
+        </p:nvSpPr>
+        <p:spPr>
+          <a:xfrm>
+            <a:off x="1463040" y="2119257"/>
+            <a:ext cx="6196405" cy="3603812"/>
+          </a:xfrm>
+        </p:spPr>
+        <p:txBody>
+          <a:bodyPr/>
+          <a:lstStyle/>
+          <a:p>
+            <a:pPr>
+              <a:buFont typeface="Wingdings" pitchFamily="2" charset="2"/>
+              <a:buChar char="Ø"/>
+            </a:pPr>
+            <a:r>
+              <a:rPr lang="de-DE" dirty="0" smtClean="0">
+                <a:latin typeface="Rockwell" pitchFamily="18" charset="0"/>
+              </a:rPr>
+              <a:t>Entwicklung einer Protokoll und Beschluss </a:t>
+            </a:r>
+            <a:r>
+              <a:rPr lang="de-DE" dirty="0" smtClean="0">
+                <a:latin typeface="Rockwell" pitchFamily="18" charset="0"/>
+              </a:rPr>
+              <a:t>Anwendung</a:t>
+            </a:r>
+          </a:p>
+          <a:p>
+            <a:pPr>
+              <a:buFont typeface="Wingdings" pitchFamily="2" charset="2"/>
+              <a:buChar char="Ø"/>
+            </a:pPr>
+            <a:r>
+              <a:rPr lang="de-DE" dirty="0" smtClean="0">
+                <a:latin typeface="Rockwell" pitchFamily="18" charset="0"/>
+              </a:rPr>
+              <a:t>Es sollen </a:t>
+            </a:r>
+            <a:endParaRPr lang="de-DE" dirty="0" smtClean="0">
+              <a:latin typeface="Rockwell" pitchFamily="18" charset="0"/>
+            </a:endParaRPr>
+          </a:p>
+          <a:p>
+            <a:endParaRPr lang="de-DE" dirty="0">
+              <a:latin typeface="Rockwell" pitchFamily="18" charset="0"/>
+            </a:endParaRPr>
+          </a:p>
+        </p:txBody>
+      </p:sp>
+    </p:spTree>
+    <p:extLst>
+      <p:ext uri="{BB962C8B-B14F-4D97-AF65-F5344CB8AC3E}">
+        <p14:creationId xmlns:p14="http://schemas.microsoft.com/office/powerpoint/2010/main" val="1421374866"/>
+      </p:ext>
+    </p:extLst>
+  </p:cSld>
+  <p:clrMapOvr>
+    <a:masterClrMapping/>
+  </p:clrMapOvr>
+  <p:timing>
+    <p:tnLst>
+      <p:par>
+        <p:cTn id="1" dur="indefinite" restart="never" nodeType="tmRoot"/>
+      </p:par>
+    </p:tnLst>
+  </p:timing>
+</p:sld>
+</file>
+
+<file path=ppt/slides/slide4.xml><?xml version="1.0" encoding="utf-8"?>
+<p:sld xmlns:a="http://schemas.openxmlformats.org/drawingml/2006/main" xmlns:r="http://schemas.openxmlformats.org/officeDocument/2006/relationships" xmlns:p="http://schemas.openxmlformats.org/presentationml/2006/main">
+  <p:cSld>
+    <p:spTree>
+      <p:nvGrpSpPr>
+        <p:cNvPr id="1" name=""/>
+        <p:cNvGrpSpPr/>
+        <p:nvPr/>
+      </p:nvGrpSpPr>
+      <p:grpSpPr>
+        <a:xfrm>
+          <a:off x="0" y="0"/>
+          <a:ext cx="0" cy="0"/>
+          <a:chOff x="0" y="0"/>
+          <a:chExt cx="0" cy="0"/>
+        </a:xfrm>
+      </p:grpSpPr>
+      <p:sp>
+        <p:nvSpPr>
+          <p:cNvPr id="2" name="Titel 1"/>
+          <p:cNvSpPr>
+            <a:spLocks noGrp="1"/>
+          </p:cNvSpPr>
+          <p:nvPr>
+            <p:ph type="title"/>
+          </p:nvPr>
+        </p:nvSpPr>
+        <p:spPr/>
+        <p:txBody>
+          <a:bodyPr/>
+          <a:lstStyle/>
+          <a:p>
+            <a:r>
+              <a:rPr lang="de-DE" b="1" dirty="0">
+                <a:latin typeface="Century Gothic" pitchFamily="34" charset="0"/>
+              </a:rPr>
+              <a:t>Analyse</a:t>
+            </a:r>
+            <a:endParaRPr lang="de-DE" dirty="0"/>
+          </a:p>
+        </p:txBody>
+      </p:sp>
+      <p:sp>
+        <p:nvSpPr>
+          <p:cNvPr id="3" name="Inhaltsplatzhalter 2"/>
+          <p:cNvSpPr>
+            <a:spLocks noGrp="1"/>
+          </p:cNvSpPr>
+          <p:nvPr>
+            <p:ph idx="1"/>
+          </p:nvPr>
+        </p:nvSpPr>
+        <p:spPr/>
+        <p:txBody>
+          <a:bodyPr/>
+          <a:lstStyle/>
+          <a:p>
+            <a:pPr>
+              <a:buFont typeface="Wingdings" pitchFamily="2" charset="2"/>
+              <a:buChar char="Ø"/>
+            </a:pPr>
+            <a:r>
+              <a:rPr lang="de-DE" dirty="0">
+                <a:latin typeface="Rockwell" pitchFamily="18" charset="0"/>
+              </a:rPr>
+              <a:t>Ermittlung des Ist-Zustandes</a:t>
+            </a:r>
+          </a:p>
+          <a:p>
+            <a:pPr>
+              <a:buFont typeface="Wingdings" pitchFamily="2" charset="2"/>
+              <a:buChar char="Ø"/>
+            </a:pPr>
+            <a:r>
+              <a:rPr lang="de-DE" dirty="0">
+                <a:latin typeface="Rockwell" pitchFamily="18" charset="0"/>
+              </a:rPr>
+              <a:t>Anforderung wurden dem </a:t>
+            </a:r>
+            <a:r>
+              <a:rPr lang="de-DE" dirty="0" smtClean="0">
+                <a:latin typeface="Rockwell" pitchFamily="18" charset="0"/>
+              </a:rPr>
+              <a:t>Lastenheft</a:t>
+            </a:r>
+            <a:endParaRPr lang="de-DE" dirty="0">
+              <a:latin typeface="Rockwell" pitchFamily="18" charset="0"/>
+            </a:endParaRPr>
+          </a:p>
+        </p:txBody>
+      </p:sp>
+    </p:spTree>
+    <p:extLst>
+      <p:ext uri="{BB962C8B-B14F-4D97-AF65-F5344CB8AC3E}">
+        <p14:creationId xmlns:p14="http://schemas.microsoft.com/office/powerpoint/2010/main" val="4190500134"/>
       </p:ext>
     </p:extLst>
   </p:cSld>
@@ -4768,404 +7214,970 @@
       </p:grpSpPr>
       <p:sp>
         <p:nvSpPr>
-          <p:cNvPr id="4" name="Titel 1"/>
-          <p:cNvSpPr txBox="1">
-            <a:spLocks/>
-          </p:cNvSpPr>
-          <p:nvPr/>
+          <p:cNvPr id="2" name="Titel 1"/>
+          <p:cNvSpPr>
+            <a:spLocks noGrp="1"/>
+          </p:cNvSpPr>
+          <p:nvPr>
+            <p:ph type="title"/>
+          </p:nvPr>
+        </p:nvSpPr>
+        <p:spPr/>
+        <p:txBody>
+          <a:bodyPr/>
+          <a:lstStyle/>
+          <a:p>
+            <a:r>
+              <a:rPr lang="de-DE" b="1" dirty="0">
+                <a:latin typeface="Century Gothic" pitchFamily="34" charset="0"/>
+              </a:rPr>
+              <a:t>Zeitplanung</a:t>
+            </a:r>
+            <a:endParaRPr lang="de-DE" dirty="0"/>
+          </a:p>
+        </p:txBody>
+      </p:sp>
+      <p:graphicFrame>
+        <p:nvGraphicFramePr>
+          <p:cNvPr id="5" name="Inhaltsplatzhalter 3"/>
+          <p:cNvGraphicFramePr>
+            <a:graphicFrameLocks noGrp="1"/>
+          </p:cNvGraphicFramePr>
+          <p:nvPr>
+            <p:ph idx="1"/>
+            <p:extLst>
+              <p:ext uri="{D42A27DB-BD31-4B8C-83A1-F6EECF244321}">
+                <p14:modId xmlns:p14="http://schemas.microsoft.com/office/powerpoint/2010/main" val="1840397843"/>
+              </p:ext>
+            </p:extLst>
+          </p:nvPr>
+        </p:nvGraphicFramePr>
+        <p:xfrm>
+          <a:off x="806946" y="1740615"/>
+          <a:ext cx="7509470" cy="4064650"/>
+        </p:xfrm>
+        <a:graphic>
+          <a:graphicData uri="http://schemas.openxmlformats.org/drawingml/2006/table">
+            <a:tbl>
+              <a:tblPr firstRow="1" bandRow="1">
+                <a:tableStyleId>{5C22544A-7EE6-4342-B048-85BDC9FD1C3A}</a:tableStyleId>
+              </a:tblPr>
+              <a:tblGrid>
+                <a:gridCol w="3754735"/>
+                <a:gridCol w="3754735"/>
+              </a:tblGrid>
+              <a:tr h="585311">
+                <a:tc>
+                  <a:txBody>
+                    <a:bodyPr/>
+                    <a:lstStyle/>
+                    <a:p>
+                      <a:r>
+                        <a:rPr lang="de-DE" sz="2900" dirty="0" smtClean="0">
+                          <a:latin typeface="Rockwell" pitchFamily="18" charset="0"/>
+                        </a:rPr>
+                        <a:t>Phase</a:t>
+                      </a:r>
+                      <a:endParaRPr lang="de-DE" sz="2900" dirty="0">
+                        <a:latin typeface="Rockwell" pitchFamily="18" charset="0"/>
+                      </a:endParaRPr>
+                    </a:p>
+                  </a:txBody>
+                  <a:tcPr marL="83439" marR="83439" marT="55412" marB="55412">
+                    <a:solidFill>
+                      <a:schemeClr val="accent1">
+                        <a:lumMod val="50000"/>
+                      </a:schemeClr>
+                    </a:solidFill>
+                  </a:tcPr>
+                </a:tc>
+                <a:tc>
+                  <a:txBody>
+                    <a:bodyPr/>
+                    <a:lstStyle/>
+                    <a:p>
+                      <a:r>
+                        <a:rPr lang="de-DE" sz="2900" dirty="0" smtClean="0">
+                          <a:latin typeface="Rockwell" pitchFamily="18" charset="0"/>
+                        </a:rPr>
+                        <a:t>Dauer in Stunden</a:t>
+                      </a:r>
+                      <a:endParaRPr lang="de-DE" sz="2900" dirty="0">
+                        <a:latin typeface="Rockwell" pitchFamily="18" charset="0"/>
+                      </a:endParaRPr>
+                    </a:p>
+                  </a:txBody>
+                  <a:tcPr marL="83439" marR="83439" marT="55412" marB="55412">
+                    <a:solidFill>
+                      <a:schemeClr val="accent1">
+                        <a:lumMod val="50000"/>
+                      </a:schemeClr>
+                    </a:solidFill>
+                  </a:tcPr>
+                </a:tc>
+              </a:tr>
+              <a:tr h="585311">
+                <a:tc>
+                  <a:txBody>
+                    <a:bodyPr/>
+                    <a:lstStyle/>
+                    <a:p>
+                      <a:r>
+                        <a:rPr lang="de-DE" sz="2900" dirty="0" smtClean="0">
+                          <a:latin typeface="Rockwell" pitchFamily="18" charset="0"/>
+                        </a:rPr>
+                        <a:t>Planung</a:t>
+                      </a:r>
+                      <a:endParaRPr lang="de-DE" sz="2900" dirty="0">
+                        <a:latin typeface="Rockwell" pitchFamily="18" charset="0"/>
+                      </a:endParaRPr>
+                    </a:p>
+                  </a:txBody>
+                  <a:tcPr marL="83439" marR="83439" marT="55412" marB="55412"/>
+                </a:tc>
+                <a:tc>
+                  <a:txBody>
+                    <a:bodyPr/>
+                    <a:lstStyle/>
+                    <a:p>
+                      <a:r>
+                        <a:rPr lang="de-DE" sz="2900" dirty="0" smtClean="0">
+                          <a:latin typeface="Rockwell" pitchFamily="18" charset="0"/>
+                        </a:rPr>
+                        <a:t>15</a:t>
+                      </a:r>
+                      <a:endParaRPr lang="de-DE" sz="2900" dirty="0">
+                        <a:latin typeface="Rockwell" pitchFamily="18" charset="0"/>
+                      </a:endParaRPr>
+                    </a:p>
+                  </a:txBody>
+                  <a:tcPr marL="83439" marR="83439" marT="55412" marB="55412"/>
+                </a:tc>
+              </a:tr>
+              <a:tr h="585311">
+                <a:tc>
+                  <a:txBody>
+                    <a:bodyPr/>
+                    <a:lstStyle/>
+                    <a:p>
+                      <a:r>
+                        <a:rPr lang="de-DE" sz="2900" dirty="0" smtClean="0">
+                          <a:latin typeface="Rockwell" pitchFamily="18" charset="0"/>
+                        </a:rPr>
+                        <a:t>Vorbereitung</a:t>
+                      </a:r>
+                      <a:endParaRPr lang="de-DE" sz="2900" dirty="0">
+                        <a:latin typeface="Rockwell" pitchFamily="18" charset="0"/>
+                      </a:endParaRPr>
+                    </a:p>
+                  </a:txBody>
+                  <a:tcPr marL="83439" marR="83439" marT="55412" marB="55412"/>
+                </a:tc>
+                <a:tc>
+                  <a:txBody>
+                    <a:bodyPr/>
+                    <a:lstStyle/>
+                    <a:p>
+                      <a:r>
+                        <a:rPr lang="de-DE" sz="2900" dirty="0" smtClean="0">
+                          <a:latin typeface="Rockwell" pitchFamily="18" charset="0"/>
+                        </a:rPr>
+                        <a:t>15</a:t>
+                      </a:r>
+                      <a:endParaRPr lang="de-DE" sz="2900" dirty="0">
+                        <a:latin typeface="Rockwell" pitchFamily="18" charset="0"/>
+                      </a:endParaRPr>
+                    </a:p>
+                  </a:txBody>
+                  <a:tcPr marL="83439" marR="83439" marT="55412" marB="55412"/>
+                </a:tc>
+              </a:tr>
+              <a:tr h="585311">
+                <a:tc>
+                  <a:txBody>
+                    <a:bodyPr/>
+                    <a:lstStyle/>
+                    <a:p>
+                      <a:r>
+                        <a:rPr lang="de-DE" sz="2900" dirty="0" smtClean="0">
+                          <a:latin typeface="Rockwell" pitchFamily="18" charset="0"/>
+                        </a:rPr>
+                        <a:t>Implementierung</a:t>
+                      </a:r>
+                      <a:endParaRPr lang="de-DE" sz="2900" dirty="0">
+                        <a:latin typeface="Rockwell" pitchFamily="18" charset="0"/>
+                      </a:endParaRPr>
+                    </a:p>
+                  </a:txBody>
+                  <a:tcPr marL="83439" marR="83439" marT="55412" marB="55412"/>
+                </a:tc>
+                <a:tc>
+                  <a:txBody>
+                    <a:bodyPr/>
+                    <a:lstStyle/>
+                    <a:p>
+                      <a:r>
+                        <a:rPr lang="de-DE" sz="2900" dirty="0" smtClean="0">
+                          <a:latin typeface="Rockwell" pitchFamily="18" charset="0"/>
+                        </a:rPr>
+                        <a:t>26</a:t>
+                      </a:r>
+                      <a:endParaRPr lang="de-DE" sz="2900" dirty="0">
+                        <a:latin typeface="Rockwell" pitchFamily="18" charset="0"/>
+                      </a:endParaRPr>
+                    </a:p>
+                  </a:txBody>
+                  <a:tcPr marL="83439" marR="83439" marT="55412" marB="55412"/>
+                </a:tc>
+              </a:tr>
+              <a:tr h="585311">
+                <a:tc>
+                  <a:txBody>
+                    <a:bodyPr/>
+                    <a:lstStyle/>
+                    <a:p>
+                      <a:r>
+                        <a:rPr lang="de-DE" sz="2900" dirty="0" smtClean="0">
+                          <a:latin typeface="Rockwell" pitchFamily="18" charset="0"/>
+                        </a:rPr>
+                        <a:t>Dokumentation</a:t>
+                      </a:r>
+                      <a:endParaRPr lang="de-DE" sz="2900" dirty="0">
+                        <a:latin typeface="Rockwell" pitchFamily="18" charset="0"/>
+                      </a:endParaRPr>
+                    </a:p>
+                  </a:txBody>
+                  <a:tcPr marL="83439" marR="83439" marT="55412" marB="55412"/>
+                </a:tc>
+                <a:tc>
+                  <a:txBody>
+                    <a:bodyPr/>
+                    <a:lstStyle/>
+                    <a:p>
+                      <a:r>
+                        <a:rPr lang="de-DE" sz="2900" dirty="0" smtClean="0">
+                          <a:latin typeface="Rockwell" pitchFamily="18" charset="0"/>
+                        </a:rPr>
+                        <a:t>14</a:t>
+                      </a:r>
+                      <a:endParaRPr lang="de-DE" sz="2900" dirty="0">
+                        <a:latin typeface="Rockwell" pitchFamily="18" charset="0"/>
+                      </a:endParaRPr>
+                    </a:p>
+                  </a:txBody>
+                  <a:tcPr marL="83439" marR="83439" marT="55412" marB="55412"/>
+                </a:tc>
+              </a:tr>
+              <a:tr h="585311">
+                <a:tc>
+                  <a:txBody>
+                    <a:bodyPr/>
+                    <a:lstStyle/>
+                    <a:p>
+                      <a:r>
+                        <a:rPr lang="de-DE" sz="2900" dirty="0" smtClean="0">
+                          <a:latin typeface="Rockwell" pitchFamily="18" charset="0"/>
+                        </a:rPr>
+                        <a:t>Puffer</a:t>
+                      </a:r>
+                      <a:endParaRPr lang="de-DE" sz="2900" dirty="0">
+                        <a:latin typeface="Rockwell" pitchFamily="18" charset="0"/>
+                      </a:endParaRPr>
+                    </a:p>
+                  </a:txBody>
+                  <a:tcPr marL="83439" marR="83439" marT="55412" marB="55412"/>
+                </a:tc>
+                <a:tc>
+                  <a:txBody>
+                    <a:bodyPr/>
+                    <a:lstStyle/>
+                    <a:p>
+                      <a:r>
+                        <a:rPr lang="de-DE" sz="2900" dirty="0" smtClean="0">
+                          <a:latin typeface="Rockwell" pitchFamily="18" charset="0"/>
+                        </a:rPr>
+                        <a:t>2</a:t>
+                      </a:r>
+                      <a:endParaRPr lang="de-DE" sz="2900" dirty="0">
+                        <a:latin typeface="Rockwell" pitchFamily="18" charset="0"/>
+                      </a:endParaRPr>
+                    </a:p>
+                  </a:txBody>
+                  <a:tcPr marL="83439" marR="83439" marT="55412" marB="55412"/>
+                </a:tc>
+              </a:tr>
+              <a:tr h="513301">
+                <a:tc>
+                  <a:txBody>
+                    <a:bodyPr/>
+                    <a:lstStyle/>
+                    <a:p>
+                      <a:r>
+                        <a:rPr lang="de-DE" sz="2900" b="1" dirty="0" smtClean="0">
+                          <a:latin typeface="Rockwell" pitchFamily="18" charset="0"/>
+                        </a:rPr>
+                        <a:t>Summe</a:t>
+                      </a:r>
+                      <a:endParaRPr lang="de-DE" sz="2900" b="1" dirty="0">
+                        <a:latin typeface="Rockwell" pitchFamily="18" charset="0"/>
+                      </a:endParaRPr>
+                    </a:p>
+                  </a:txBody>
+                  <a:tcPr marL="83439" marR="83439" marT="55412" marB="55412">
+                    <a:solidFill>
+                      <a:schemeClr val="accent5">
+                        <a:lumMod val="40000"/>
+                        <a:lumOff val="60000"/>
+                      </a:schemeClr>
+                    </a:solidFill>
+                  </a:tcPr>
+                </a:tc>
+                <a:tc>
+                  <a:txBody>
+                    <a:bodyPr/>
+                    <a:lstStyle/>
+                    <a:p>
+                      <a:r>
+                        <a:rPr lang="de-DE" sz="2900" b="1" dirty="0" smtClean="0">
+                          <a:latin typeface="Rockwell" pitchFamily="18" charset="0"/>
+                        </a:rPr>
+                        <a:t>72</a:t>
+                      </a:r>
+                      <a:endParaRPr lang="de-DE" sz="2900" b="1" dirty="0">
+                        <a:latin typeface="Rockwell" pitchFamily="18" charset="0"/>
+                      </a:endParaRPr>
+                    </a:p>
+                  </a:txBody>
+                  <a:tcPr marL="83439" marR="83439" marT="55412" marB="55412">
+                    <a:solidFill>
+                      <a:schemeClr val="accent5">
+                        <a:lumMod val="40000"/>
+                        <a:lumOff val="60000"/>
+                      </a:schemeClr>
+                    </a:solidFill>
+                  </a:tcPr>
+                </a:tc>
+              </a:tr>
+            </a:tbl>
+          </a:graphicData>
+        </a:graphic>
+      </p:graphicFrame>
+    </p:spTree>
+    <p:extLst>
+      <p:ext uri="{BB962C8B-B14F-4D97-AF65-F5344CB8AC3E}">
+        <p14:creationId xmlns:p14="http://schemas.microsoft.com/office/powerpoint/2010/main" val="2798096655"/>
+      </p:ext>
+    </p:extLst>
+  </p:cSld>
+  <p:clrMapOvr>
+    <a:masterClrMapping/>
+  </p:clrMapOvr>
+  <p:timing>
+    <p:tnLst>
+      <p:par>
+        <p:cTn id="1" dur="indefinite" restart="never" nodeType="tmRoot"/>
+      </p:par>
+    </p:tnLst>
+  </p:timing>
+</p:sld>
+</file>
+
+<file path=ppt/slides/slide6.xml><?xml version="1.0" encoding="utf-8"?>
+<p:sld xmlns:a="http://schemas.openxmlformats.org/drawingml/2006/main" xmlns:r="http://schemas.openxmlformats.org/officeDocument/2006/relationships" xmlns:p="http://schemas.openxmlformats.org/presentationml/2006/main">
+  <p:cSld>
+    <p:spTree>
+      <p:nvGrpSpPr>
+        <p:cNvPr id="1" name=""/>
+        <p:cNvGrpSpPr/>
+        <p:nvPr/>
+      </p:nvGrpSpPr>
+      <p:grpSpPr>
+        <a:xfrm>
+          <a:off x="0" y="0"/>
+          <a:ext cx="0" cy="0"/>
+          <a:chOff x="0" y="0"/>
+          <a:chExt cx="0" cy="0"/>
+        </a:xfrm>
+      </p:grpSpPr>
+      <p:sp>
+        <p:nvSpPr>
+          <p:cNvPr id="2" name="Titel 1"/>
+          <p:cNvSpPr>
+            <a:spLocks noGrp="1"/>
+          </p:cNvSpPr>
+          <p:nvPr>
+            <p:ph type="title"/>
+          </p:nvPr>
+        </p:nvSpPr>
+        <p:spPr/>
+        <p:txBody>
+          <a:bodyPr/>
+          <a:lstStyle/>
+          <a:p>
+            <a:r>
+              <a:rPr lang="de-DE" b="1" dirty="0">
+                <a:latin typeface="Century Gothic" pitchFamily="34" charset="0"/>
+              </a:rPr>
+              <a:t>Ressourcenplan</a:t>
+            </a:r>
+            <a:endParaRPr lang="de-DE" dirty="0"/>
+          </a:p>
+        </p:txBody>
+      </p:sp>
+      <p:sp>
+        <p:nvSpPr>
+          <p:cNvPr id="4" name="Inhaltsplatzhalter 2"/>
+          <p:cNvSpPr>
+            <a:spLocks noGrp="1"/>
+          </p:cNvSpPr>
+          <p:nvPr>
+            <p:ph idx="1"/>
+          </p:nvPr>
         </p:nvSpPr>
         <p:spPr>
           <a:xfrm>
-            <a:off x="457200" y="274638"/>
-            <a:ext cx="8229600" cy="1143000"/>
+            <a:off x="1463040" y="2119257"/>
+            <a:ext cx="6196405" cy="3603812"/>
           </a:xfrm>
-          <a:prstGeom prst="rect">
-            <a:avLst/>
-          </a:prstGeom>
         </p:spPr>
         <p:txBody>
-          <a:bodyPr vert="horz" lIns="91440" tIns="45720" rIns="91440" bIns="45720" rtlCol="0" anchor="ctr">
-            <a:normAutofit/>
+          <a:bodyPr numCol="2">
+            <a:noAutofit/>
           </a:bodyPr>
-          <a:lstStyle>
-            <a:lvl1pPr algn="ctr" defTabSz="914400" rtl="0" eaLnBrk="1" latinLnBrk="0" hangingPunct="1">
-              <a:spcBef>
-                <a:spcPct val="0"/>
-              </a:spcBef>
-              <a:buNone/>
-              <a:defRPr sz="4400" kern="1200">
-                <a:solidFill>
-                  <a:schemeClr val="tx1"/>
-                </a:solidFill>
-                <a:latin typeface="+mj-lt"/>
-                <a:ea typeface="+mj-ea"/>
-                <a:cs typeface="+mj-cs"/>
-              </a:defRPr>
-            </a:lvl1pPr>
-          </a:lstStyle>
-          <a:p>
-            <a:r>
-              <a:rPr lang="de-DE" dirty="0" smtClean="0"/>
-              <a:t>Fazit</a:t>
-            </a:r>
-            <a:endParaRPr lang="de-DE" dirty="0"/>
+          <a:lstStyle/>
+          <a:p>
+            <a:r>
+              <a:rPr lang="de-DE" dirty="0" smtClean="0">
+                <a:latin typeface="Rockwell" pitchFamily="18" charset="0"/>
+              </a:rPr>
+              <a:t>Software:</a:t>
+            </a:r>
+          </a:p>
+          <a:p>
+            <a:pPr lvl="1"/>
+            <a:r>
+              <a:rPr lang="de-DE" sz="2400" dirty="0" smtClean="0">
+                <a:latin typeface="Rockwell" pitchFamily="18" charset="0"/>
+              </a:rPr>
+              <a:t>Visual Studio Code</a:t>
+            </a:r>
+          </a:p>
+          <a:p>
+            <a:pPr lvl="1"/>
+            <a:r>
+              <a:rPr lang="de-DE" sz="2400" dirty="0" smtClean="0">
+                <a:latin typeface="Rockwell" pitchFamily="18" charset="0"/>
+              </a:rPr>
+              <a:t>GitHub</a:t>
+            </a:r>
+            <a:endParaRPr lang="de-DE" sz="2400" dirty="0" smtClean="0">
+              <a:latin typeface="Rockwell" pitchFamily="18" charset="0"/>
+            </a:endParaRPr>
+          </a:p>
+          <a:p>
+            <a:pPr lvl="1"/>
+            <a:r>
+              <a:rPr lang="de-DE" sz="2400" dirty="0" smtClean="0">
+                <a:latin typeface="Rockwell" pitchFamily="18" charset="0"/>
+              </a:rPr>
+              <a:t>Office</a:t>
+            </a:r>
+          </a:p>
+          <a:p>
+            <a:pPr lvl="1"/>
+            <a:r>
+              <a:rPr lang="de-DE" sz="2400" dirty="0" smtClean="0">
+                <a:latin typeface="Rockwell" pitchFamily="18" charset="0"/>
+              </a:rPr>
+              <a:t>FTP </a:t>
+            </a:r>
+            <a:r>
+              <a:rPr lang="de-DE" sz="2400" dirty="0" smtClean="0">
+                <a:latin typeface="Rockwell" pitchFamily="18" charset="0"/>
+              </a:rPr>
+              <a:t>Tool</a:t>
+            </a:r>
+          </a:p>
+          <a:p>
+            <a:pPr lvl="1"/>
+            <a:r>
+              <a:rPr lang="de-DE" sz="2400" dirty="0" smtClean="0">
+                <a:latin typeface="Rockwell" pitchFamily="18" charset="0"/>
+              </a:rPr>
+              <a:t>IES</a:t>
+            </a:r>
+          </a:p>
+          <a:p>
+            <a:endParaRPr lang="de-DE" dirty="0" smtClean="0">
+              <a:latin typeface="Rockwell" pitchFamily="18" charset="0"/>
+            </a:endParaRPr>
+          </a:p>
+          <a:p>
+            <a:r>
+              <a:rPr lang="de-DE" dirty="0" smtClean="0">
+                <a:latin typeface="Rockwell" pitchFamily="18" charset="0"/>
+              </a:rPr>
+              <a:t>Hardware</a:t>
+            </a:r>
+            <a:r>
+              <a:rPr lang="de-DE" dirty="0" smtClean="0">
+                <a:latin typeface="Rockwell" pitchFamily="18" charset="0"/>
+              </a:rPr>
+              <a:t>:</a:t>
+            </a:r>
+          </a:p>
+          <a:p>
+            <a:pPr lvl="1"/>
+            <a:r>
+              <a:rPr lang="de-DE" sz="2400" dirty="0" smtClean="0">
+                <a:latin typeface="Rockwell" pitchFamily="18" charset="0"/>
+              </a:rPr>
+              <a:t>GSO Rechner</a:t>
+            </a:r>
+          </a:p>
+          <a:p>
+            <a:pPr lvl="1"/>
+            <a:r>
+              <a:rPr lang="de-DE" sz="2400" dirty="0" smtClean="0">
+                <a:latin typeface="Rockwell" pitchFamily="18" charset="0"/>
+              </a:rPr>
+              <a:t>Laptops</a:t>
+            </a:r>
+            <a:endParaRPr lang="de-DE" sz="2400" dirty="0" smtClean="0">
+              <a:latin typeface="Rockwell" pitchFamily="18" charset="0"/>
+            </a:endParaRPr>
           </a:p>
         </p:txBody>
       </p:sp>
       <p:pic>
         <p:nvPicPr>
-          <p:cNvPr id="5" name="Grafik 4" descr="darts-155726_960_720.png"/>
+          <p:cNvPr id="5" name="Picture 3" descr="C:\Users\Moorhuhn\Documents\GitHub\OberstufenProjekt\Präsentation\Download.png"/>
           <p:cNvPicPr>
-            <a:picLocks noChangeAspect="1"/>
+            <a:picLocks noChangeAspect="1" noChangeArrowheads="1"/>
           </p:cNvPicPr>
           <p:nvPr/>
         </p:nvPicPr>
         <p:blipFill>
-          <a:blip r:embed="rId2" cstate="print"/>
+          <a:blip r:embed="rId2"/>
+          <a:srcRect/>
           <a:stretch>
             <a:fillRect/>
           </a:stretch>
         </p:blipFill>
-        <p:spPr>
+        <p:spPr bwMode="auto">
           <a:xfrm>
-            <a:off x="1571604" y="2071678"/>
-            <a:ext cx="2357454" cy="2611333"/>
-          </a:xfrm>
-          <a:prstGeom prst="rect">
-            <a:avLst/>
-          </a:prstGeom>
-        </p:spPr>
-      </p:pic>
-      <p:sp>
-        <p:nvSpPr>
-          <p:cNvPr id="6" name="Textfeld 5"/>
-          <p:cNvSpPr txBox="1"/>
-          <p:nvPr/>
-        </p:nvSpPr>
-        <p:spPr>
-          <a:xfrm>
-            <a:off x="1643042" y="4357694"/>
-            <a:ext cx="4143404" cy="230832"/>
+            <a:off x="5902877" y="3763584"/>
+            <a:ext cx="1859748" cy="1851484"/>
           </a:xfrm>
           <a:prstGeom prst="rect">
             <a:avLst/>
           </a:prstGeom>
           <a:noFill/>
         </p:spPr>
-        <p:txBody>
-          <a:bodyPr wrap="square" rtlCol="0">
-            <a:spAutoFit/>
-          </a:bodyPr>
-          <a:lstStyle/>
-          <a:p>
-            <a:pPr marL="180975" indent="-180975">
-              <a:buClr>
-                <a:schemeClr val="accent1"/>
-              </a:buClr>
-            </a:pPr>
-            <a:r>
-              <a:rPr lang="de-DE" sz="900" dirty="0" smtClean="0"/>
-              <a:t>pixabay.com (Copyright freie Bilder)</a:t>
-            </a:r>
-            <a:endParaRPr lang="de-DE" sz="900" dirty="0" smtClean="0">
-              <a:latin typeface="+mn-lt"/>
-            </a:endParaRPr>
-          </a:p>
-        </p:txBody>
-      </p:sp>
-      <p:sp>
-        <p:nvSpPr>
-          <p:cNvPr id="8" name="Inhaltsplatzhalter 2"/>
-          <p:cNvSpPr txBox="1">
-            <a:spLocks/>
-          </p:cNvSpPr>
+      </p:pic>
+      <p:sp>
+        <p:nvSpPr>
+          <p:cNvPr id="6" name="Textfeld 5"/>
+          <p:cNvSpPr txBox="1"/>
           <p:nvPr/>
         </p:nvSpPr>
-        <p:spPr bwMode="auto">
+        <p:spPr>
           <a:xfrm>
-            <a:off x="1500166" y="2500306"/>
-            <a:ext cx="8229600" cy="3411543"/>
+            <a:off x="5929322" y="5636362"/>
+            <a:ext cx="2214578" cy="246221"/>
           </a:xfrm>
           <a:prstGeom prst="rect">
             <a:avLst/>
           </a:prstGeom>
           <a:noFill/>
-          <a:ln w="9525">
+        </p:spPr>
+        <p:txBody>
+          <a:bodyPr wrap="square" rtlCol="0">
+            <a:spAutoFit/>
+          </a:bodyPr>
+          <a:lstStyle/>
+          <a:p>
+            <a:r>
+              <a:rPr lang="de-DE" sz="1000" dirty="0" smtClean="0">
+                <a:latin typeface="Arial" pitchFamily="34" charset="0"/>
+                <a:cs typeface="Arial" pitchFamily="34" charset="0"/>
+              </a:rPr>
+              <a:t>https://de.wikipedia.org</a:t>
+            </a:r>
+            <a:endParaRPr lang="de-DE" sz="1000" dirty="0">
+              <a:latin typeface="Arial" pitchFamily="34" charset="0"/>
+              <a:cs typeface="Arial" pitchFamily="34" charset="0"/>
+            </a:endParaRPr>
+          </a:p>
+        </p:txBody>
+      </p:sp>
+    </p:spTree>
+    <p:extLst>
+      <p:ext uri="{BB962C8B-B14F-4D97-AF65-F5344CB8AC3E}">
+        <p14:creationId xmlns:p14="http://schemas.microsoft.com/office/powerpoint/2010/main" val="3501385721"/>
+      </p:ext>
+    </p:extLst>
+  </p:cSld>
+  <p:clrMapOvr>
+    <a:masterClrMapping/>
+  </p:clrMapOvr>
+  <p:timing>
+    <p:tnLst>
+      <p:par>
+        <p:cTn id="1" dur="indefinite" restart="never" nodeType="tmRoot"/>
+      </p:par>
+    </p:tnLst>
+  </p:timing>
+</p:sld>
+</file>
+
+<file path=ppt/slides/slide7.xml><?xml version="1.0" encoding="utf-8"?>
+<p:sld xmlns:a="http://schemas.openxmlformats.org/drawingml/2006/main" xmlns:r="http://schemas.openxmlformats.org/officeDocument/2006/relationships" xmlns:p="http://schemas.openxmlformats.org/presentationml/2006/main">
+  <p:cSld>
+    <p:spTree>
+      <p:nvGrpSpPr>
+        <p:cNvPr id="1" name=""/>
+        <p:cNvGrpSpPr/>
+        <p:nvPr/>
+      </p:nvGrpSpPr>
+      <p:grpSpPr>
+        <a:xfrm>
+          <a:off x="0" y="0"/>
+          <a:ext cx="0" cy="0"/>
+          <a:chOff x="0" y="0"/>
+          <a:chExt cx="0" cy="0"/>
+        </a:xfrm>
+      </p:grpSpPr>
+      <p:sp>
+        <p:nvSpPr>
+          <p:cNvPr id="2" name="Titel 1"/>
+          <p:cNvSpPr>
+            <a:spLocks noGrp="1"/>
+          </p:cNvSpPr>
+          <p:nvPr>
+            <p:ph type="title"/>
+          </p:nvPr>
+        </p:nvSpPr>
+        <p:spPr/>
+        <p:txBody>
+          <a:bodyPr/>
+          <a:lstStyle/>
+          <a:p>
+            <a:r>
+              <a:rPr lang="de-DE" b="1" dirty="0">
+                <a:latin typeface="Century Gothic" pitchFamily="34" charset="0"/>
+              </a:rPr>
+              <a:t>Kostenplan</a:t>
+            </a:r>
+            <a:endParaRPr lang="de-DE" dirty="0"/>
+          </a:p>
+        </p:txBody>
+      </p:sp>
+      <p:sp>
+        <p:nvSpPr>
+          <p:cNvPr id="3" name="Inhaltsplatzhalter 2"/>
+          <p:cNvSpPr>
+            <a:spLocks noGrp="1"/>
+          </p:cNvSpPr>
+          <p:nvPr>
+            <p:ph idx="1"/>
+          </p:nvPr>
+        </p:nvSpPr>
+        <p:spPr/>
+        <p:txBody>
+          <a:bodyPr/>
+          <a:lstStyle/>
+          <a:p>
+            <a:r>
+              <a:rPr lang="de-DE" dirty="0"/>
+              <a:t>Soll-Kosten: 8558€</a:t>
+            </a:r>
+          </a:p>
+          <a:p>
+            <a:r>
+              <a:rPr lang="de-DE" dirty="0"/>
+              <a:t>Ist-Kosten: 8514€</a:t>
+            </a:r>
+          </a:p>
+          <a:p>
+            <a:r>
+              <a:rPr lang="de-DE" dirty="0"/>
+              <a:t>Abweichung: 44</a:t>
+            </a:r>
+            <a:r>
+              <a:rPr lang="de-DE" dirty="0" smtClean="0"/>
+              <a:t>€</a:t>
+            </a:r>
+            <a:endParaRPr lang="de-DE" dirty="0"/>
+          </a:p>
+        </p:txBody>
+      </p:sp>
+    </p:spTree>
+    <p:extLst>
+      <p:ext uri="{BB962C8B-B14F-4D97-AF65-F5344CB8AC3E}">
+        <p14:creationId xmlns:p14="http://schemas.microsoft.com/office/powerpoint/2010/main" val="1475460269"/>
+      </p:ext>
+    </p:extLst>
+  </p:cSld>
+  <p:clrMapOvr>
+    <a:masterClrMapping/>
+  </p:clrMapOvr>
+  <p:timing>
+    <p:tnLst>
+      <p:par>
+        <p:cTn id="1" dur="indefinite" restart="never" nodeType="tmRoot"/>
+      </p:par>
+    </p:tnLst>
+  </p:timing>
+</p:sld>
+</file>
+
+<file path=ppt/slides/slide8.xml><?xml version="1.0" encoding="utf-8"?>
+<p:sld xmlns:a="http://schemas.openxmlformats.org/drawingml/2006/main" xmlns:r="http://schemas.openxmlformats.org/officeDocument/2006/relationships" xmlns:p="http://schemas.openxmlformats.org/presentationml/2006/main">
+  <p:cSld>
+    <p:spTree>
+      <p:nvGrpSpPr>
+        <p:cNvPr id="1" name=""/>
+        <p:cNvGrpSpPr/>
+        <p:nvPr/>
+      </p:nvGrpSpPr>
+      <p:grpSpPr>
+        <a:xfrm>
+          <a:off x="0" y="0"/>
+          <a:ext cx="0" cy="0"/>
+          <a:chOff x="0" y="0"/>
+          <a:chExt cx="0" cy="0"/>
+        </a:xfrm>
+      </p:grpSpPr>
+      <p:sp>
+        <p:nvSpPr>
+          <p:cNvPr id="2" name="Titel 1"/>
+          <p:cNvSpPr>
+            <a:spLocks noGrp="1"/>
+          </p:cNvSpPr>
+          <p:nvPr>
+            <p:ph type="title"/>
+          </p:nvPr>
+        </p:nvSpPr>
+        <p:spPr/>
+        <p:txBody>
+          <a:bodyPr>
+            <a:normAutofit fontScale="90000"/>
+          </a:bodyPr>
+          <a:lstStyle/>
+          <a:p>
+            <a:r>
+              <a:rPr lang="de-DE" b="1" dirty="0">
+                <a:latin typeface="Century Gothic" pitchFamily="34" charset="0"/>
+              </a:rPr>
+              <a:t>Aktivitätsdiagramm (Ausschnitt)</a:t>
+            </a:r>
+            <a:endParaRPr lang="de-DE" dirty="0"/>
+          </a:p>
+        </p:txBody>
+      </p:sp>
+      <p:pic>
+        <p:nvPicPr>
+          <p:cNvPr id="2050" name="Picture 2"/>
+          <p:cNvPicPr>
+            <a:picLocks noChangeAspect="1" noChangeArrowheads="1"/>
+          </p:cNvPicPr>
+          <p:nvPr/>
+        </p:nvPicPr>
+        <p:blipFill>
+          <a:blip r:embed="rId2">
+            <a:extLst>
+              <a:ext uri="{28A0092B-C50C-407E-A947-70E740481C1C}">
+                <a14:useLocalDpi xmlns:a14="http://schemas.microsoft.com/office/drawing/2010/main" val="0"/>
+              </a:ext>
+            </a:extLst>
+          </a:blip>
+          <a:srcRect/>
+          <a:stretch>
+            <a:fillRect/>
+          </a:stretch>
+        </p:blipFill>
+        <p:spPr bwMode="auto">
+          <a:xfrm>
+            <a:off x="733425" y="2095912"/>
+            <a:ext cx="7677150" cy="3709352"/>
+          </a:xfrm>
+          <a:prstGeom prst="rect">
+            <a:avLst/>
+          </a:prstGeom>
+          <a:noFill/>
+          <a:ln>
             <a:noFill/>
-            <a:miter lim="800000"/>
-            <a:headEnd/>
-            <a:tailEnd/>
           </a:ln>
-        </p:spPr>
-        <p:txBody>
-          <a:bodyPr vert="horz" wrap="square" lIns="91440" tIns="45720" rIns="91440" bIns="45720" numCol="1" anchor="t" anchorCtr="0" compatLnSpc="1">
-            <a:prstTxWarp prst="textNoShape">
-              <a:avLst/>
-            </a:prstTxWarp>
-          </a:bodyPr>
-          <a:lstStyle>
-            <a:lvl1pPr marL="342900" indent="-342900" algn="l" rtl="0" eaLnBrk="1" fontAlgn="base" hangingPunct="1">
-              <a:spcBef>
-                <a:spcPct val="20000"/>
-              </a:spcBef>
-              <a:spcAft>
-                <a:spcPct val="0"/>
-              </a:spcAft>
-              <a:buFont typeface="Arial" pitchFamily="34" charset="0"/>
-              <a:buChar char="•"/>
-              <a:defRPr sz="3200" kern="1200">
+          <a:effectLst/>
+          <a:extLst>
+            <a:ext uri="{909E8E84-426E-40DD-AFC4-6F175D3DCCD1}">
+              <a14:hiddenFill xmlns:a14="http://schemas.microsoft.com/office/drawing/2010/main">
+                <a:solidFill>
+                  <a:schemeClr val="accent1"/>
+                </a:solidFill>
+              </a14:hiddenFill>
+            </a:ext>
+            <a:ext uri="{91240B29-F687-4F45-9708-019B960494DF}">
+              <a14:hiddenLine xmlns:a14="http://schemas.microsoft.com/office/drawing/2010/main" w="9525">
                 <a:solidFill>
                   <a:schemeClr val="tx1"/>
                 </a:solidFill>
-                <a:latin typeface="+mn-lt"/>
-                <a:ea typeface="+mn-ea"/>
-                <a:cs typeface="+mn-cs"/>
-              </a:defRPr>
-            </a:lvl1pPr>
-            <a:lvl2pPr marL="742950" indent="-285750" algn="l" rtl="0" eaLnBrk="1" fontAlgn="base" hangingPunct="1">
-              <a:spcBef>
-                <a:spcPct val="20000"/>
-              </a:spcBef>
-              <a:spcAft>
-                <a:spcPct val="0"/>
-              </a:spcAft>
-              <a:buFont typeface="Arial" pitchFamily="34" charset="0"/>
-              <a:buChar char="–"/>
-              <a:defRPr sz="2800" kern="1200">
+                <a:miter lim="800000"/>
+                <a:headEnd/>
+                <a:tailEnd/>
+              </a14:hiddenLine>
+            </a:ext>
+            <a:ext uri="{AF507438-7753-43E0-B8FC-AC1667EBCBE1}">
+              <a14:hiddenEffects xmlns:a14="http://schemas.microsoft.com/office/drawing/2010/main">
+                <a:effectLst>
+                  <a:outerShdw dist="35921" dir="2700000" algn="ctr" rotWithShape="0">
+                    <a:schemeClr val="bg2"/>
+                  </a:outerShdw>
+                </a:effectLst>
+              </a14:hiddenEffects>
+            </a:ext>
+          </a:extLst>
+        </p:spPr>
+      </p:pic>
+    </p:spTree>
+    <p:extLst>
+      <p:ext uri="{BB962C8B-B14F-4D97-AF65-F5344CB8AC3E}">
+        <p14:creationId xmlns:p14="http://schemas.microsoft.com/office/powerpoint/2010/main" val="2230962624"/>
+      </p:ext>
+    </p:extLst>
+  </p:cSld>
+  <p:clrMapOvr>
+    <a:masterClrMapping/>
+  </p:clrMapOvr>
+  <p:timing>
+    <p:tnLst>
+      <p:par>
+        <p:cTn id="1" dur="indefinite" restart="never" nodeType="tmRoot"/>
+      </p:par>
+    </p:tnLst>
+  </p:timing>
+</p:sld>
+</file>
+
+<file path=ppt/slides/slide9.xml><?xml version="1.0" encoding="utf-8"?>
+<p:sld xmlns:a="http://schemas.openxmlformats.org/drawingml/2006/main" xmlns:r="http://schemas.openxmlformats.org/officeDocument/2006/relationships" xmlns:p="http://schemas.openxmlformats.org/presentationml/2006/main">
+  <p:cSld>
+    <p:spTree>
+      <p:nvGrpSpPr>
+        <p:cNvPr id="1" name=""/>
+        <p:cNvGrpSpPr/>
+        <p:nvPr/>
+      </p:nvGrpSpPr>
+      <p:grpSpPr>
+        <a:xfrm>
+          <a:off x="0" y="0"/>
+          <a:ext cx="0" cy="0"/>
+          <a:chOff x="0" y="0"/>
+          <a:chExt cx="0" cy="0"/>
+        </a:xfrm>
+      </p:grpSpPr>
+      <p:sp>
+        <p:nvSpPr>
+          <p:cNvPr id="2" name="Titel 1"/>
+          <p:cNvSpPr>
+            <a:spLocks noGrp="1"/>
+          </p:cNvSpPr>
+          <p:nvPr>
+            <p:ph type="title"/>
+          </p:nvPr>
+        </p:nvSpPr>
+        <p:spPr/>
+        <p:txBody>
+          <a:bodyPr>
+            <a:normAutofit fontScale="90000"/>
+          </a:bodyPr>
+          <a:lstStyle/>
+          <a:p>
+            <a:r>
+              <a:rPr lang="de-DE" b="1" dirty="0">
+                <a:latin typeface="Century Gothic" pitchFamily="34" charset="0"/>
+              </a:rPr>
+              <a:t>Sequenzdiagramm (Ausschnitt</a:t>
+            </a:r>
+            <a:r>
+              <a:rPr lang="de-DE" b="1" dirty="0" smtClean="0">
+                <a:latin typeface="Century Gothic" pitchFamily="34" charset="0"/>
+              </a:rPr>
+              <a:t>)</a:t>
+            </a:r>
+            <a:endParaRPr lang="de-DE" dirty="0"/>
+          </a:p>
+        </p:txBody>
+      </p:sp>
+      <p:pic>
+        <p:nvPicPr>
+          <p:cNvPr id="1026" name="Picture 2"/>
+          <p:cNvPicPr>
+            <a:picLocks noChangeAspect="1" noChangeArrowheads="1"/>
+          </p:cNvPicPr>
+          <p:nvPr/>
+        </p:nvPicPr>
+        <p:blipFill>
+          <a:blip r:embed="rId2">
+            <a:extLst>
+              <a:ext uri="{28A0092B-C50C-407E-A947-70E740481C1C}">
+                <a14:useLocalDpi xmlns:a14="http://schemas.microsoft.com/office/drawing/2010/main" val="0"/>
+              </a:ext>
+            </a:extLst>
+          </a:blip>
+          <a:srcRect/>
+          <a:stretch>
+            <a:fillRect/>
+          </a:stretch>
+        </p:blipFill>
+        <p:spPr bwMode="auto">
+          <a:xfrm>
+            <a:off x="790575" y="2060848"/>
+            <a:ext cx="7562850" cy="3744416"/>
+          </a:xfrm>
+          <a:prstGeom prst="rect">
+            <a:avLst/>
+          </a:prstGeom>
+          <a:noFill/>
+          <a:ln>
+            <a:noFill/>
+          </a:ln>
+          <a:effectLst/>
+          <a:extLst>
+            <a:ext uri="{909E8E84-426E-40DD-AFC4-6F175D3DCCD1}">
+              <a14:hiddenFill xmlns:a14="http://schemas.microsoft.com/office/drawing/2010/main">
+                <a:solidFill>
+                  <a:schemeClr val="accent1"/>
+                </a:solidFill>
+              </a14:hiddenFill>
+            </a:ext>
+            <a:ext uri="{91240B29-F687-4F45-9708-019B960494DF}">
+              <a14:hiddenLine xmlns:a14="http://schemas.microsoft.com/office/drawing/2010/main" w="9525">
                 <a:solidFill>
                   <a:schemeClr val="tx1"/>
                 </a:solidFill>
-                <a:latin typeface="+mn-lt"/>
-                <a:ea typeface="+mn-ea"/>
-                <a:cs typeface="+mn-cs"/>
-              </a:defRPr>
-            </a:lvl2pPr>
-            <a:lvl3pPr marL="1143000" indent="-228600" algn="l" rtl="0" eaLnBrk="1" fontAlgn="base" hangingPunct="1">
-              <a:spcBef>
-                <a:spcPct val="20000"/>
-              </a:spcBef>
-              <a:spcAft>
-                <a:spcPct val="0"/>
-              </a:spcAft>
-              <a:buFont typeface="Arial" pitchFamily="34" charset="0"/>
-              <a:buChar char="•"/>
-              <a:defRPr sz="2400" kern="1200">
-                <a:solidFill>
-                  <a:schemeClr val="tx1"/>
-                </a:solidFill>
-                <a:latin typeface="+mn-lt"/>
-                <a:ea typeface="+mn-ea"/>
-                <a:cs typeface="+mn-cs"/>
-              </a:defRPr>
-            </a:lvl3pPr>
-            <a:lvl4pPr marL="1600200" indent="-228600" algn="l" rtl="0" eaLnBrk="1" fontAlgn="base" hangingPunct="1">
-              <a:spcBef>
-                <a:spcPct val="20000"/>
-              </a:spcBef>
-              <a:spcAft>
-                <a:spcPct val="0"/>
-              </a:spcAft>
-              <a:buFont typeface="Arial" pitchFamily="34" charset="0"/>
-              <a:buChar char="–"/>
-              <a:defRPr sz="2000" kern="1200">
-                <a:solidFill>
-                  <a:schemeClr val="tx1"/>
-                </a:solidFill>
-                <a:latin typeface="+mn-lt"/>
-                <a:ea typeface="+mn-ea"/>
-                <a:cs typeface="+mn-cs"/>
-              </a:defRPr>
-            </a:lvl4pPr>
-            <a:lvl5pPr marL="2057400" indent="-228600" algn="l" rtl="0" eaLnBrk="1" fontAlgn="base" hangingPunct="1">
-              <a:spcBef>
-                <a:spcPct val="20000"/>
-              </a:spcBef>
-              <a:spcAft>
-                <a:spcPct val="0"/>
-              </a:spcAft>
-              <a:buFont typeface="Arial" pitchFamily="34" charset="0"/>
-              <a:buChar char="»"/>
-              <a:defRPr sz="2000" kern="1200">
-                <a:solidFill>
-                  <a:schemeClr val="tx1"/>
-                </a:solidFill>
-                <a:latin typeface="+mn-lt"/>
-                <a:ea typeface="+mn-ea"/>
-                <a:cs typeface="+mn-cs"/>
-              </a:defRPr>
-            </a:lvl5pPr>
-            <a:lvl6pPr marL="2514600" indent="-228600" algn="l" defTabSz="914400" rtl="0" eaLnBrk="1" latinLnBrk="0" hangingPunct="1">
-              <a:spcBef>
-                <a:spcPct val="20000"/>
-              </a:spcBef>
-              <a:buFont typeface="Arial" pitchFamily="34" charset="0"/>
-              <a:buChar char="•"/>
-              <a:defRPr sz="2000" kern="1200">
-                <a:solidFill>
-                  <a:schemeClr val="tx1"/>
-                </a:solidFill>
-                <a:latin typeface="+mn-lt"/>
-                <a:ea typeface="+mn-ea"/>
-                <a:cs typeface="+mn-cs"/>
-              </a:defRPr>
-            </a:lvl6pPr>
-            <a:lvl7pPr marL="2971800" indent="-228600" algn="l" defTabSz="914400" rtl="0" eaLnBrk="1" latinLnBrk="0" hangingPunct="1">
-              <a:spcBef>
-                <a:spcPct val="20000"/>
-              </a:spcBef>
-              <a:buFont typeface="Arial" pitchFamily="34" charset="0"/>
-              <a:buChar char="•"/>
-              <a:defRPr sz="2000" kern="1200">
-                <a:solidFill>
-                  <a:schemeClr val="tx1"/>
-                </a:solidFill>
-                <a:latin typeface="+mn-lt"/>
-                <a:ea typeface="+mn-ea"/>
-                <a:cs typeface="+mn-cs"/>
-              </a:defRPr>
-            </a:lvl7pPr>
-            <a:lvl8pPr marL="3429000" indent="-228600" algn="l" defTabSz="914400" rtl="0" eaLnBrk="1" latinLnBrk="0" hangingPunct="1">
-              <a:spcBef>
-                <a:spcPct val="20000"/>
-              </a:spcBef>
-              <a:buFont typeface="Arial" pitchFamily="34" charset="0"/>
-              <a:buChar char="•"/>
-              <a:defRPr sz="2000" kern="1200">
-                <a:solidFill>
-                  <a:schemeClr val="tx1"/>
-                </a:solidFill>
-                <a:latin typeface="+mn-lt"/>
-                <a:ea typeface="+mn-ea"/>
-                <a:cs typeface="+mn-cs"/>
-              </a:defRPr>
-            </a:lvl8pPr>
-            <a:lvl9pPr marL="3886200" indent="-228600" algn="l" defTabSz="914400" rtl="0" eaLnBrk="1" latinLnBrk="0" hangingPunct="1">
-              <a:spcBef>
-                <a:spcPct val="20000"/>
-              </a:spcBef>
-              <a:buFont typeface="Arial" pitchFamily="34" charset="0"/>
-              <a:buChar char="•"/>
-              <a:defRPr sz="2000" kern="1200">
-                <a:solidFill>
-                  <a:schemeClr val="tx1"/>
-                </a:solidFill>
-                <a:latin typeface="+mn-lt"/>
-                <a:ea typeface="+mn-ea"/>
-                <a:cs typeface="+mn-cs"/>
-              </a:defRPr>
-            </a:lvl9pPr>
-          </a:lstStyle>
-          <a:p>
-            <a:pPr marL="2057400" marR="0" lvl="4" indent="-228600" algn="l" defTabSz="914400" rtl="0" eaLnBrk="1" fontAlgn="base" latinLnBrk="0" hangingPunct="1">
-              <a:lnSpc>
-                <a:spcPct val="100000"/>
-              </a:lnSpc>
-              <a:spcBef>
-                <a:spcPct val="20000"/>
-              </a:spcBef>
-              <a:spcAft>
-                <a:spcPct val="0"/>
-              </a:spcAft>
-              <a:buClrTx/>
-              <a:buSzTx/>
-              <a:buFont typeface="Arial" pitchFamily="34" charset="0"/>
-              <a:buChar char="»"/>
-              <a:tabLst/>
-              <a:defRPr/>
-            </a:pPr>
-            <a:r>
-              <a:rPr kumimoji="0" lang="de-DE" sz="2400" b="0" i="0" u="none" strike="noStrike" kern="1200" cap="none" spc="0" normalizeH="0" baseline="0" noProof="0" smtClean="0">
-                <a:ln>
-                  <a:noFill/>
-                </a:ln>
-                <a:solidFill>
-                  <a:sysClr val="windowText" lastClr="000000"/>
-                </a:solidFill>
-                <a:effectLst/>
-                <a:uLnTx/>
-                <a:uFillTx/>
-                <a:latin typeface="Calibri Light"/>
-                <a:ea typeface="+mn-ea"/>
-                <a:cs typeface="+mn-cs"/>
-              </a:rPr>
-              <a:t>Zielerreichung</a:t>
-            </a:r>
-          </a:p>
-          <a:p>
-            <a:pPr marL="2057400" marR="0" lvl="4" indent="-228600" algn="l" defTabSz="914400" rtl="0" eaLnBrk="1" fontAlgn="base" latinLnBrk="0" hangingPunct="1">
-              <a:lnSpc>
-                <a:spcPct val="100000"/>
-              </a:lnSpc>
-              <a:spcBef>
-                <a:spcPct val="20000"/>
-              </a:spcBef>
-              <a:spcAft>
-                <a:spcPct val="0"/>
-              </a:spcAft>
-              <a:buClrTx/>
-              <a:buSzTx/>
-              <a:buFont typeface="Arial" pitchFamily="34" charset="0"/>
-              <a:buChar char="»"/>
-              <a:tabLst/>
-              <a:defRPr/>
-            </a:pPr>
-            <a:r>
-              <a:rPr kumimoji="0" lang="de-DE" sz="2400" b="0" i="0" u="none" strike="noStrike" kern="1200" cap="none" spc="0" normalizeH="0" baseline="0" noProof="0" smtClean="0">
-                <a:ln>
-                  <a:noFill/>
-                </a:ln>
-                <a:solidFill>
-                  <a:sysClr val="windowText" lastClr="000000"/>
-                </a:solidFill>
-                <a:effectLst/>
-                <a:uLnTx/>
-                <a:uFillTx/>
-                <a:latin typeface="Calibri Light"/>
-                <a:ea typeface="+mn-ea"/>
-                <a:cs typeface="+mn-cs"/>
-              </a:rPr>
-              <a:t>Gewonnene Kenntnisse</a:t>
-            </a:r>
-          </a:p>
-          <a:p>
-            <a:pPr marL="342900" marR="0" lvl="0" indent="-342900" algn="l" defTabSz="914400" rtl="0" eaLnBrk="1" fontAlgn="base" latinLnBrk="0" hangingPunct="1">
-              <a:lnSpc>
-                <a:spcPct val="100000"/>
-              </a:lnSpc>
-              <a:spcBef>
-                <a:spcPct val="20000"/>
-              </a:spcBef>
-              <a:spcAft>
-                <a:spcPct val="0"/>
-              </a:spcAft>
-              <a:buClrTx/>
-              <a:buSzTx/>
-              <a:buFont typeface="Arial" pitchFamily="34" charset="0"/>
-              <a:buChar char="•"/>
-              <a:tabLst/>
-              <a:defRPr/>
-            </a:pPr>
-            <a:endParaRPr kumimoji="0" lang="de-DE" sz="3200" b="0" i="0" u="none" strike="noStrike" kern="1200" cap="none" spc="0" normalizeH="0" baseline="0" noProof="0" dirty="0">
-              <a:ln>
-                <a:noFill/>
-              </a:ln>
-              <a:solidFill>
-                <a:sysClr val="windowText" lastClr="000000"/>
-              </a:solidFill>
-              <a:effectLst/>
-              <a:uLnTx/>
-              <a:uFillTx/>
-              <a:latin typeface="Calibri Light"/>
-              <a:ea typeface="+mn-ea"/>
-              <a:cs typeface="+mn-cs"/>
-            </a:endParaRPr>
-          </a:p>
-        </p:txBody>
-      </p:sp>
+                <a:miter lim="800000"/>
+                <a:headEnd/>
+                <a:tailEnd/>
+              </a14:hiddenLine>
+            </a:ext>
+            <a:ext uri="{AF507438-7753-43E0-B8FC-AC1667EBCBE1}">
+              <a14:hiddenEffects xmlns:a14="http://schemas.microsoft.com/office/drawing/2010/main">
+                <a:effectLst>
+                  <a:outerShdw dist="35921" dir="2700000" algn="ctr" rotWithShape="0">
+                    <a:schemeClr val="bg2"/>
+                  </a:outerShdw>
+                </a:effectLst>
+              </a14:hiddenEffects>
+            </a:ext>
+          </a:extLst>
+        </p:spPr>
+      </p:pic>
     </p:spTree>
     <p:extLst>
       <p:ext uri="{BB962C8B-B14F-4D97-AF65-F5344CB8AC3E}">
-        <p14:creationId xmlns:p14="http://schemas.microsoft.com/office/powerpoint/2010/main" val="3651894450"/>
+        <p14:creationId xmlns:p14="http://schemas.microsoft.com/office/powerpoint/2010/main" val="3182114788"/>
       </p:ext>
     </p:extLst>
   </p:cSld>
@@ -5183,9 +8195,9 @@
 </file>
 
 <file path=ppt/theme/theme1.xml><?xml version="1.0" encoding="utf-8"?>
-<a:theme xmlns:a="http://schemas.openxmlformats.org/drawingml/2006/main" name="Larissa">
+<a:theme xmlns:a="http://schemas.openxmlformats.org/drawingml/2006/main" name="Pin">
   <a:themeElements>
-    <a:clrScheme name="Larissa">
+    <a:clrScheme name="Graustufe">
       <a:dk1>
         <a:sysClr val="windowText" lastClr="000000"/>
       </a:dk1>
@@ -5193,48 +8205,48 @@
         <a:sysClr val="window" lastClr="FFFFFF"/>
       </a:lt1>
       <a:dk2>
-        <a:srgbClr val="1F497D"/>
+        <a:srgbClr val="000000"/>
       </a:dk2>
       <a:lt2>
-        <a:srgbClr val="EEECE1"/>
+        <a:srgbClr val="F8F8F8"/>
       </a:lt2>
       <a:accent1>
-        <a:srgbClr val="4F81BD"/>
+        <a:srgbClr val="DDDDDD"/>
       </a:accent1>
       <a:accent2>
-        <a:srgbClr val="C0504D"/>
+        <a:srgbClr val="B2B2B2"/>
       </a:accent2>
       <a:accent3>
-        <a:srgbClr val="9BBB59"/>
+        <a:srgbClr val="969696"/>
       </a:accent3>
       <a:accent4>
-        <a:srgbClr val="8064A2"/>
+        <a:srgbClr val="808080"/>
       </a:accent4>
       <a:accent5>
-        <a:srgbClr val="4BACC6"/>
+        <a:srgbClr val="5F5F5F"/>
       </a:accent5>
       <a:accent6>
-        <a:srgbClr val="F79646"/>
+        <a:srgbClr val="4D4D4D"/>
       </a:accent6>
       <a:hlink>
-        <a:srgbClr val="0000FF"/>
+        <a:srgbClr val="5F5F5F"/>
       </a:hlink>
       <a:folHlink>
-        <a:srgbClr val="800080"/>
+        <a:srgbClr val="919191"/>
       </a:folHlink>
     </a:clrScheme>
-    <a:fontScheme name="Larissa">
+    <a:fontScheme name="Pin">
       <a:majorFont>
-        <a:latin typeface="Calibri"/>
+        <a:latin typeface="Constantia"/>
         <a:ea typeface=""/>
         <a:cs typeface=""/>
-        <a:font script="Jpan" typeface="ＭＳ Ｐゴシック"/>
-        <a:font script="Hang" typeface="맑은 고딕"/>
+        <a:font script="Jpan" typeface="HGS明朝E"/>
+        <a:font script="Hang" typeface="HY신명조"/>
         <a:font script="Hans" typeface="宋体"/>
         <a:font script="Hant" typeface="新細明體"/>
-        <a:font script="Arab" typeface="Times New Roman"/>
-        <a:font script="Hebr" typeface="Times New Roman"/>
-        <a:font script="Thai" typeface="Angsana New"/>
+        <a:font script="Arab" typeface="Majalla UI"/>
+        <a:font script="Hebr" typeface="David"/>
+        <a:font script="Thai" typeface="Browallia New"/>
         <a:font script="Ethi" typeface="Nyala"/>
         <a:font script="Beng" typeface="Vrinda"/>
         <a:font script="Gujr" typeface="Shruti"/>
@@ -5260,20 +8272,22 @@
         <a:font script="Geor" typeface="Sylfaen"/>
       </a:majorFont>
       <a:minorFont>
-        <a:latin typeface="Calibri"/>
+        <a:latin typeface="Franklin Gothic Book"/>
         <a:ea typeface=""/>
         <a:cs typeface=""/>
+        <a:font script="Grek" typeface="Arial"/>
+        <a:font script="Cyrl" typeface="Arial"/>
         <a:font script="Jpan" typeface="ＭＳ Ｐゴシック"/>
         <a:font script="Hang" typeface="맑은 고딕"/>
-        <a:font script="Hans" typeface="宋体"/>
-        <a:font script="Hant" typeface="新細明體"/>
+        <a:font script="Hans" typeface="黑体"/>
+        <a:font script="Hant" typeface="微軟正黑體"/>
         <a:font script="Arab" typeface="Arial"/>
         <a:font script="Hebr" typeface="Arial"/>
         <a:font script="Thai" typeface="Cordia New"/>
         <a:font script="Ethi" typeface="Nyala"/>
         <a:font script="Beng" typeface="Vrinda"/>
         <a:font script="Gujr" typeface="Shruti"/>
-        <a:font script="Khmr" typeface="DaunPenh"/>
+        <a:font script="Khmr" typeface="MoolBoran"/>
         <a:font script="Knda" typeface="Tunga"/>
         <a:font script="Guru" typeface="Raavi"/>
         <a:font script="Cans" typeface="Euphemia"/>
@@ -5295,7 +8309,7 @@
         <a:font script="Geor" typeface="Sylfaen"/>
       </a:minorFont>
     </a:fontScheme>
-    <a:fmtScheme name="Larissa">
+    <a:fmtScheme name="Pin">
       <a:fillStyleLst>
         <a:solidFill>
           <a:schemeClr val="phClr"/>
@@ -5305,54 +8319,53 @@
             <a:gs pos="0">
               <a:schemeClr val="phClr">
                 <a:tint val="50000"/>
-                <a:satMod val="300000"/>
+                <a:satMod val="180000"/>
+                <a:lumMod val="100000"/>
               </a:schemeClr>
             </a:gs>
-            <a:gs pos="35000">
+            <a:gs pos="40000">
               <a:schemeClr val="phClr">
-                <a:tint val="37000"/>
-                <a:satMod val="300000"/>
+                <a:tint val="60000"/>
+                <a:satMod val="130000"/>
+                <a:lumMod val="100000"/>
               </a:schemeClr>
             </a:gs>
             <a:gs pos="100000">
               <a:schemeClr val="phClr">
-                <a:tint val="15000"/>
-                <a:satMod val="350000"/>
+                <a:tint val="96000"/>
+                <a:lumMod val="108000"/>
               </a:schemeClr>
             </a:gs>
           </a:gsLst>
-          <a:lin ang="16200000" scaled="1"/>
+          <a:lin ang="5400000" scaled="0"/>
         </a:gradFill>
         <a:gradFill rotWithShape="1">
           <a:gsLst>
             <a:gs pos="0">
-              <a:schemeClr val="phClr">
-                <a:shade val="51000"/>
-                <a:satMod val="130000"/>
-              </a:schemeClr>
-            </a:gs>
-            <a:gs pos="80000">
-              <a:schemeClr val="phClr">
-                <a:shade val="93000"/>
-                <a:satMod val="130000"/>
-              </a:schemeClr>
+              <a:schemeClr val="phClr"/>
             </a:gs>
             <a:gs pos="100000">
               <a:schemeClr val="phClr">
-                <a:shade val="94000"/>
-                <a:satMod val="135000"/>
+                <a:shade val="76000"/>
+                <a:lumMod val="90000"/>
               </a:schemeClr>
             </a:gs>
           </a:gsLst>
-          <a:lin ang="16200000" scaled="0"/>
+          <a:lin ang="5400000" scaled="0"/>
         </a:gradFill>
       </a:fillStyleLst>
       <a:lnStyleLst>
         <a:ln w="9525" cap="flat" cmpd="sng" algn="ctr">
           <a:solidFill>
+            <a:schemeClr val="phClr"/>
+          </a:solidFill>
+          <a:prstDash val="solid"/>
+        </a:ln>
+        <a:ln w="15875" cap="flat" cmpd="sng" algn="ctr">
+          <a:solidFill>
             <a:schemeClr val="phClr">
-              <a:shade val="95000"/>
-              <a:satMod val="105000"/>
+              <a:shade val="80000"/>
+              <a:lumMod val="90000"/>
             </a:schemeClr>
           </a:solidFill>
           <a:prstDash val="solid"/>
@@ -5363,37 +8376,25 @@
           </a:solidFill>
           <a:prstDash val="solid"/>
         </a:ln>
-        <a:ln w="38100" cap="flat" cmpd="sng" algn="ctr">
-          <a:solidFill>
-            <a:schemeClr val="phClr"/>
-          </a:solidFill>
-          <a:prstDash val="solid"/>
-        </a:ln>
       </a:lnStyleLst>
       <a:effectStyleLst>
         <a:effectStyle>
+          <a:effectLst/>
+        </a:effectStyle>
+        <a:effectStyle>
           <a:effectLst>
-            <a:outerShdw blurRad="40000" dist="20000" dir="5400000" rotWithShape="0">
+            <a:outerShdw blurRad="38100" dist="38100" dir="4800000" sx="98000" sy="98000" rotWithShape="0">
               <a:srgbClr val="000000">
-                <a:alpha val="38000"/>
+                <a:alpha val="32000"/>
               </a:srgbClr>
             </a:outerShdw>
           </a:effectLst>
         </a:effectStyle>
         <a:effectStyle>
           <a:effectLst>
-            <a:outerShdw blurRad="40000" dist="23000" dir="5400000" rotWithShape="0">
+            <a:outerShdw blurRad="38100" dist="38100" dir="4800000" sx="96000" sy="96000" rotWithShape="0">
               <a:srgbClr val="000000">
-                <a:alpha val="35000"/>
-              </a:srgbClr>
-            </a:outerShdw>
-          </a:effectLst>
-        </a:effectStyle>
-        <a:effectStyle>
-          <a:effectLst>
-            <a:outerShdw blurRad="40000" dist="23000" dir="5400000" rotWithShape="0">
-              <a:srgbClr val="000000">
-                <a:alpha val="35000"/>
+                <a:alpha val="40000"/>
               </a:srgbClr>
             </a:outerShdw>
           </a:effectLst>
@@ -5402,63 +8403,55 @@
               <a:rot lat="0" lon="0" rev="0"/>
             </a:camera>
             <a:lightRig rig="threePt" dir="t">
-              <a:rot lat="0" lon="0" rev="1200000"/>
+              <a:rot lat="0" lon="0" rev="3240000"/>
             </a:lightRig>
           </a:scene3d>
           <a:sp3d>
-            <a:bevelT w="63500" h="25400"/>
+            <a:bevelT w="28575" h="28575"/>
           </a:sp3d>
         </a:effectStyle>
       </a:effectStyleLst>
       <a:bgFillStyleLst>
         <a:solidFill>
-          <a:schemeClr val="phClr"/>
+          <a:schemeClr val="phClr">
+            <a:tint val="93000"/>
+          </a:schemeClr>
         </a:solidFill>
-        <a:gradFill rotWithShape="1">
-          <a:gsLst>
-            <a:gs pos="0">
+        <a:blipFill rotWithShape="1">
+          <a:blip xmlns:r="http://schemas.openxmlformats.org/officeDocument/2006/relationships" r:embed="rId1">
+            <a:duotone>
               <a:schemeClr val="phClr">
-                <a:tint val="40000"/>
-                <a:satMod val="350000"/>
+                <a:shade val="80000"/>
+                <a:satMod val="140000"/>
+                <a:lumMod val="50000"/>
               </a:schemeClr>
-            </a:gs>
-            <a:gs pos="40000">
               <a:schemeClr val="phClr">
-                <a:tint val="45000"/>
-                <a:shade val="99000"/>
-                <a:satMod val="350000"/>
+                <a:tint val="95000"/>
+                <a:satMod val="180000"/>
+                <a:lumMod val="160000"/>
               </a:schemeClr>
-            </a:gs>
-            <a:gs pos="100000">
+            </a:duotone>
+          </a:blip>
+          <a:stretch/>
+        </a:blipFill>
+        <a:blipFill rotWithShape="1">
+          <a:blip xmlns:r="http://schemas.openxmlformats.org/officeDocument/2006/relationships" r:embed="rId2">
+            <a:duotone>
               <a:schemeClr val="phClr">
-                <a:shade val="20000"/>
-                <a:satMod val="255000"/>
+                <a:tint val="98000"/>
+                <a:shade val="90000"/>
+                <a:satMod val="120000"/>
+                <a:lumMod val="54000"/>
               </a:schemeClr>
-            </a:gs>
-          </a:gsLst>
-          <a:path path="circle">
-            <a:fillToRect l="50000" t="-80000" r="50000" b="180000"/>
-          </a:path>
-        </a:gradFill>
-        <a:gradFill rotWithShape="1">
-          <a:gsLst>
-            <a:gs pos="0">
               <a:schemeClr val="phClr">
                 <a:tint val="80000"/>
-                <a:satMod val="300000"/>
+                <a:satMod val="160000"/>
+                <a:lumMod val="140000"/>
               </a:schemeClr>
-            </a:gs>
-            <a:gs pos="100000">
-              <a:schemeClr val="phClr">
-                <a:shade val="30000"/>
-                <a:satMod val="200000"/>
-              </a:schemeClr>
-            </a:gs>
-          </a:gsLst>
-          <a:path path="circle">
-            <a:fillToRect l="50000" t="50000" r="50000" b="50000"/>
-          </a:path>
-        </a:gradFill>
+            </a:duotone>
+          </a:blip>
+          <a:stretch/>
+        </a:blipFill>
       </a:bgFillStyleLst>
     </a:fmtScheme>
   </a:themeElements>
